--- a/Report-Nhom1DeTai11.pptx
+++ b/Report-Nhom1DeTai11.pptx
@@ -1,100 +1,71 @@
 
 <file path=ppt/presentation.xml><?xml version="1.0" encoding="utf-8"?>
-<p:presentation xmlns:a="http://schemas.openxmlformats.org/drawingml/2006/main" xmlns:r="http://schemas.openxmlformats.org/officeDocument/2006/relationships" xmlns:p="http://schemas.openxmlformats.org/presentationml/2006/main" saveSubsetFonts="1" embedTrueTypeFonts="true">
+<p:presentation xmlns:a="http://schemas.openxmlformats.org/drawingml/2006/main" xmlns:r="http://schemas.openxmlformats.org/officeDocument/2006/relationships" xmlns:p="http://schemas.openxmlformats.org/presentationml/2006/main" embedTrueTypeFonts="1" saveSubsetFonts="1">
   <p:sldMasterIdLst>
     <p:sldMasterId id="2147483648" r:id="rId1"/>
   </p:sldMasterIdLst>
   <p:sldIdLst>
-    <p:sldId id="256" r:id="rId21"/>
-    <p:sldId id="257" r:id="rId22"/>
-    <p:sldId id="258" r:id="rId23"/>
-    <p:sldId id="259" r:id="rId24"/>
-    <p:sldId id="260" r:id="rId25"/>
-    <p:sldId id="261" r:id="rId26"/>
-    <p:sldId id="262" r:id="rId27"/>
-    <p:sldId id="263" r:id="rId28"/>
-    <p:sldId id="264" r:id="rId29"/>
-    <p:sldId id="265" r:id="rId30"/>
-    <p:sldId id="266" r:id="rId31"/>
-    <p:sldId id="267" r:id="rId32"/>
-    <p:sldId id="268" r:id="rId33"/>
-    <p:sldId id="269" r:id="rId34"/>
-    <p:sldId id="270" r:id="rId35"/>
-    <p:sldId id="271" r:id="rId36"/>
-    <p:sldId id="272" r:id="rId37"/>
-    <p:sldId id="273" r:id="rId38"/>
-    <p:sldId id="274" r:id="rId39"/>
-    <p:sldId id="275" r:id="rId40"/>
-    <p:sldId id="276" r:id="rId41"/>
-    <p:sldId id="277" r:id="rId42"/>
-    <p:sldId id="278" r:id="rId43"/>
-    <p:sldId id="279" r:id="rId44"/>
-    <p:sldId id="280" r:id="rId45"/>
-    <p:sldId id="281" r:id="rId46"/>
-    <p:sldId id="282" r:id="rId47"/>
+    <p:sldId id="256" r:id="rId2"/>
+    <p:sldId id="257" r:id="rId3"/>
+    <p:sldId id="258" r:id="rId4"/>
+    <p:sldId id="259" r:id="rId5"/>
+    <p:sldId id="260" r:id="rId6"/>
+    <p:sldId id="261" r:id="rId7"/>
+    <p:sldId id="262" r:id="rId8"/>
+    <p:sldId id="263" r:id="rId9"/>
+    <p:sldId id="264" r:id="rId10"/>
+    <p:sldId id="265" r:id="rId11"/>
+    <p:sldId id="266" r:id="rId12"/>
+    <p:sldId id="267" r:id="rId13"/>
+    <p:sldId id="268" r:id="rId14"/>
+    <p:sldId id="269" r:id="rId15"/>
+    <p:sldId id="270" r:id="rId16"/>
+    <p:sldId id="271" r:id="rId17"/>
+    <p:sldId id="272" r:id="rId18"/>
+    <p:sldId id="273" r:id="rId19"/>
+    <p:sldId id="274" r:id="rId20"/>
+    <p:sldId id="275" r:id="rId21"/>
+    <p:sldId id="276" r:id="rId22"/>
+    <p:sldId id="277" r:id="rId23"/>
+    <p:sldId id="278" r:id="rId24"/>
+    <p:sldId id="279" r:id="rId25"/>
+    <p:sldId id="280" r:id="rId26"/>
+    <p:sldId id="281" r:id="rId27"/>
+    <p:sldId id="282" r:id="rId28"/>
   </p:sldIdLst>
   <p:sldSz cx="18288000" cy="10287000"/>
   <p:notesSz cx="6858000" cy="9144000"/>
   <p:embeddedFontLst>
     <p:embeddedFont>
-      <p:font typeface="Arimo" charset="1" panose="020B0604020202020204"/>
-      <p:regular r:id="rId6"/>
+      <p:font typeface="Arimo" panose="020B0604020202020204" charset="0"/>
+      <p:regular r:id="rId29"/>
     </p:embeddedFont>
     <p:embeddedFont>
-      <p:font typeface="Arimo Bold" charset="1" panose="020B0704020202020204"/>
-      <p:regular r:id="rId7"/>
+      <p:font typeface="Calibri" panose="020F0502020204030204" pitchFamily="34" charset="0"/>
+      <p:regular r:id="rId30"/>
+      <p:bold r:id="rId31"/>
+      <p:italic r:id="rId32"/>
+      <p:boldItalic r:id="rId33"/>
     </p:embeddedFont>
     <p:embeddedFont>
-      <p:font typeface="Arimo Italics" charset="1" panose="020B0604020202090204"/>
-      <p:regular r:id="rId8"/>
+      <p:font typeface="Open Sans" panose="020B0606030504020204" pitchFamily="34" charset="0"/>
+      <p:regular r:id="rId34"/>
     </p:embeddedFont>
     <p:embeddedFont>
-      <p:font typeface="Arimo Bold Italics" charset="1" panose="020B0704020202090204"/>
-      <p:regular r:id="rId9"/>
+      <p:font typeface="Open Sans Bold" panose="020B0806030504020204" charset="0"/>
+      <p:regular r:id="rId35"/>
     </p:embeddedFont>
     <p:embeddedFont>
-      <p:font typeface="Open Sans Light" charset="1" panose="020B0306030504020204"/>
-      <p:regular r:id="rId10"/>
+      <p:font typeface="Open Sans Extra Bold" panose="020B0604020202020204" charset="0"/>
+      <p:regular r:id="rId36"/>
     </p:embeddedFont>
     <p:embeddedFont>
-      <p:font typeface="Open Sans Light Bold" charset="1" panose="020B0806030504020204"/>
-      <p:regular r:id="rId11"/>
+      <p:font typeface="Open Sans Light" panose="020B0306030504020204" pitchFamily="34" charset="0"/>
+      <p:regular r:id="rId37"/>
     </p:embeddedFont>
     <p:embeddedFont>
-      <p:font typeface="Open Sans Light Italics" charset="1" panose="020B0306030504020204"/>
-      <p:regular r:id="rId12"/>
-    </p:embeddedFont>
-    <p:embeddedFont>
-      <p:font typeface="Open Sans Light Bold Italics" charset="1" panose="020B0806030504020204"/>
-      <p:regular r:id="rId13"/>
-    </p:embeddedFont>
-    <p:embeddedFont>
-      <p:font typeface="Open Sans" charset="1" panose="020B0606030504020204"/>
-      <p:regular r:id="rId14"/>
-    </p:embeddedFont>
-    <p:embeddedFont>
-      <p:font typeface="Open Sans Bold" charset="1" panose="020B0806030504020204"/>
-      <p:regular r:id="rId15"/>
-    </p:embeddedFont>
-    <p:embeddedFont>
-      <p:font typeface="Open Sans Italics" charset="1" panose="020B0606030504020204"/>
-      <p:regular r:id="rId16"/>
-    </p:embeddedFont>
-    <p:embeddedFont>
-      <p:font typeface="Open Sans Bold Italics" charset="1" panose="020B0806030504020204"/>
-      <p:regular r:id="rId17"/>
-    </p:embeddedFont>
-    <p:embeddedFont>
-      <p:font typeface="Open Sans Extra Bold" charset="1" panose="020B0906030804020204"/>
-      <p:regular r:id="rId18"/>
-    </p:embeddedFont>
-    <p:embeddedFont>
-      <p:font typeface="Open Sans Extra Bold Italics" charset="1" panose="020B0906030804020204"/>
-      <p:regular r:id="rId19"/>
-    </p:embeddedFont>
-    <p:embeddedFont>
-      <p:font typeface="Brittany" charset="1" panose="00000000000000000000"/>
-      <p:regular r:id="rId20"/>
+      <p:font typeface="Open Sans Light Bold" panose="020B0604020202020204" charset="0"/>
+      <p:regular r:id="rId38"/>
     </p:embeddedFont>
   </p:embeddedFontLst>
   <p:defaultTextStyle>
@@ -192,6 +163,22 @@
       </a:defRPr>
     </a:lvl9pPr>
   </p:defaultTextStyle>
+  <p:extLst>
+    <p:ext uri="{EFAFB233-063F-42B5-8137-9DF3F51BA10A}">
+      <p15:sldGuideLst xmlns:p15="http://schemas.microsoft.com/office/powerpoint/2012/main">
+        <p15:guide id="1" orient="horz" pos="2160">
+          <p15:clr>
+            <a:srgbClr val="A4A3A4"/>
+          </p15:clr>
+        </p15:guide>
+        <p15:guide id="2" pos="2880">
+          <p15:clr>
+            <a:srgbClr val="A4A3A4"/>
+          </p15:clr>
+        </p15:guide>
+      </p15:sldGuideLst>
+    </p:ext>
+  </p:extLst>
 </p:presentation>
 </file>
 
@@ -233,10 +220,9 @@
           <a:lstStyle/>
           <a:p>
             <a:r>
-              <a:rPr lang="en-US" smtClean="0"/>
+              <a:rPr lang="en-US"/>
               <a:t>Click to edit Master title style</a:t>
             </a:r>
-            <a:endParaRPr lang="en-US"/>
           </a:p>
         </p:txBody>
       </p:sp>
@@ -352,10 +338,9 @@
           </a:lstStyle>
           <a:p>
             <a:r>
-              <a:rPr lang="en-US" smtClean="0"/>
+              <a:rPr lang="en-US"/>
               <a:t>Click to edit Master subtitle style</a:t>
             </a:r>
-            <a:endParaRPr lang="en-US"/>
           </a:p>
         </p:txBody>
       </p:sp>
@@ -377,7 +362,7 @@
             <a:fld id="{1D8BD707-D9CF-40AE-B4C6-C98DA3205C09}" type="datetimeFigureOut">
               <a:rPr lang="en-US" smtClean="0"/>
               <a:pPr/>
-              <a:t>8/1/2011</a:t>
+              <a:t>6/2/2022</a:t>
             </a:fld>
             <a:endParaRPr lang="en-US"/>
           </a:p>
@@ -467,10 +452,9 @@
           <a:lstStyle/>
           <a:p>
             <a:r>
-              <a:rPr lang="en-US" smtClean="0"/>
+              <a:rPr lang="en-US"/>
               <a:t>Click to edit Master title style</a:t>
             </a:r>
-            <a:endParaRPr lang="en-US"/>
           </a:p>
         </p:txBody>
       </p:sp>
@@ -491,38 +475,37 @@
           <a:p>
             <a:pPr lvl="0"/>
             <a:r>
-              <a:rPr lang="en-US" smtClean="0"/>
+              <a:rPr lang="en-US"/>
               <a:t>Click to edit Master text styles</a:t>
             </a:r>
           </a:p>
           <a:p>
             <a:pPr lvl="1"/>
             <a:r>
-              <a:rPr lang="en-US" smtClean="0"/>
+              <a:rPr lang="en-US"/>
               <a:t>Second level</a:t>
             </a:r>
           </a:p>
           <a:p>
             <a:pPr lvl="2"/>
             <a:r>
-              <a:rPr lang="en-US" smtClean="0"/>
+              <a:rPr lang="en-US"/>
               <a:t>Third level</a:t>
             </a:r>
           </a:p>
           <a:p>
             <a:pPr lvl="3"/>
             <a:r>
-              <a:rPr lang="en-US" smtClean="0"/>
+              <a:rPr lang="en-US"/>
               <a:t>Fourth level</a:t>
             </a:r>
           </a:p>
           <a:p>
             <a:pPr lvl="4"/>
             <a:r>
-              <a:rPr lang="en-US" smtClean="0"/>
+              <a:rPr lang="en-US"/>
               <a:t>Fifth level</a:t>
             </a:r>
-            <a:endParaRPr lang="en-US"/>
           </a:p>
         </p:txBody>
       </p:sp>
@@ -544,7 +527,7 @@
             <a:fld id="{1D8BD707-D9CF-40AE-B4C6-C98DA3205C09}" type="datetimeFigureOut">
               <a:rPr lang="en-US" smtClean="0"/>
               <a:pPr/>
-              <a:t>8/1/2011</a:t>
+              <a:t>6/2/2022</a:t>
             </a:fld>
             <a:endParaRPr lang="en-US"/>
           </a:p>
@@ -639,10 +622,9 @@
           <a:lstStyle/>
           <a:p>
             <a:r>
-              <a:rPr lang="en-US" smtClean="0"/>
+              <a:rPr lang="en-US"/>
               <a:t>Click to edit Master title style</a:t>
             </a:r>
-            <a:endParaRPr lang="en-US"/>
           </a:p>
         </p:txBody>
       </p:sp>
@@ -668,38 +650,37 @@
           <a:p>
             <a:pPr lvl="0"/>
             <a:r>
-              <a:rPr lang="en-US" smtClean="0"/>
+              <a:rPr lang="en-US"/>
               <a:t>Click to edit Master text styles</a:t>
             </a:r>
           </a:p>
           <a:p>
             <a:pPr lvl="1"/>
             <a:r>
-              <a:rPr lang="en-US" smtClean="0"/>
+              <a:rPr lang="en-US"/>
               <a:t>Second level</a:t>
             </a:r>
           </a:p>
           <a:p>
             <a:pPr lvl="2"/>
             <a:r>
-              <a:rPr lang="en-US" smtClean="0"/>
+              <a:rPr lang="en-US"/>
               <a:t>Third level</a:t>
             </a:r>
           </a:p>
           <a:p>
             <a:pPr lvl="3"/>
             <a:r>
-              <a:rPr lang="en-US" smtClean="0"/>
+              <a:rPr lang="en-US"/>
               <a:t>Fourth level</a:t>
             </a:r>
           </a:p>
           <a:p>
             <a:pPr lvl="4"/>
             <a:r>
-              <a:rPr lang="en-US" smtClean="0"/>
+              <a:rPr lang="en-US"/>
               <a:t>Fifth level</a:t>
             </a:r>
-            <a:endParaRPr lang="en-US"/>
           </a:p>
         </p:txBody>
       </p:sp>
@@ -721,7 +702,7 @@
             <a:fld id="{1D8BD707-D9CF-40AE-B4C6-C98DA3205C09}" type="datetimeFigureOut">
               <a:rPr lang="en-US" smtClean="0"/>
               <a:pPr/>
-              <a:t>8/1/2011</a:t>
+              <a:t>6/2/2022</a:t>
             </a:fld>
             <a:endParaRPr lang="en-US"/>
           </a:p>
@@ -811,10 +792,9 @@
           <a:lstStyle/>
           <a:p>
             <a:r>
-              <a:rPr lang="en-US" smtClean="0"/>
+              <a:rPr lang="en-US"/>
               <a:t>Click to edit Master title style</a:t>
             </a:r>
-            <a:endParaRPr lang="en-US"/>
           </a:p>
         </p:txBody>
       </p:sp>
@@ -835,38 +815,37 @@
           <a:p>
             <a:pPr lvl="0"/>
             <a:r>
-              <a:rPr lang="en-US" smtClean="0"/>
+              <a:rPr lang="en-US"/>
               <a:t>Click to edit Master text styles</a:t>
             </a:r>
           </a:p>
           <a:p>
             <a:pPr lvl="1"/>
             <a:r>
-              <a:rPr lang="en-US" smtClean="0"/>
+              <a:rPr lang="en-US"/>
               <a:t>Second level</a:t>
             </a:r>
           </a:p>
           <a:p>
             <a:pPr lvl="2"/>
             <a:r>
-              <a:rPr lang="en-US" smtClean="0"/>
+              <a:rPr lang="en-US"/>
               <a:t>Third level</a:t>
             </a:r>
           </a:p>
           <a:p>
             <a:pPr lvl="3"/>
             <a:r>
-              <a:rPr lang="en-US" smtClean="0"/>
+              <a:rPr lang="en-US"/>
               <a:t>Fourth level</a:t>
             </a:r>
           </a:p>
           <a:p>
             <a:pPr lvl="4"/>
             <a:r>
-              <a:rPr lang="en-US" smtClean="0"/>
+              <a:rPr lang="en-US"/>
               <a:t>Fifth level</a:t>
             </a:r>
-            <a:endParaRPr lang="en-US"/>
           </a:p>
         </p:txBody>
       </p:sp>
@@ -888,7 +867,7 @@
             <a:fld id="{1D8BD707-D9CF-40AE-B4C6-C98DA3205C09}" type="datetimeFigureOut">
               <a:rPr lang="en-US" smtClean="0"/>
               <a:pPr/>
-              <a:t>8/1/2011</a:t>
+              <a:t>6/2/2022</a:t>
             </a:fld>
             <a:endParaRPr lang="en-US"/>
           </a:p>
@@ -987,10 +966,9 @@
           </a:lstStyle>
           <a:p>
             <a:r>
-              <a:rPr lang="en-US" smtClean="0"/>
+              <a:rPr lang="en-US"/>
               <a:t>Click to edit Master title style</a:t>
             </a:r>
-            <a:endParaRPr lang="en-US"/>
           </a:p>
         </p:txBody>
       </p:sp>
@@ -1107,7 +1085,7 @@
           <a:p>
             <a:pPr lvl="0"/>
             <a:r>
-              <a:rPr lang="en-US" smtClean="0"/>
+              <a:rPr lang="en-US"/>
               <a:t>Click to edit Master text styles</a:t>
             </a:r>
           </a:p>
@@ -1131,7 +1109,7 @@
             <a:fld id="{1D8BD707-D9CF-40AE-B4C6-C98DA3205C09}" type="datetimeFigureOut">
               <a:rPr lang="en-US" smtClean="0"/>
               <a:pPr/>
-              <a:t>8/1/2011</a:t>
+              <a:t>6/2/2022</a:t>
             </a:fld>
             <a:endParaRPr lang="en-US"/>
           </a:p>
@@ -1221,10 +1199,9 @@
           <a:lstStyle/>
           <a:p>
             <a:r>
-              <a:rPr lang="en-US" smtClean="0"/>
+              <a:rPr lang="en-US"/>
               <a:t>Click to edit Master title style</a:t>
             </a:r>
-            <a:endParaRPr lang="en-US"/>
           </a:p>
         </p:txBody>
       </p:sp>
@@ -1278,38 +1255,37 @@
           <a:p>
             <a:pPr lvl="0"/>
             <a:r>
-              <a:rPr lang="en-US" smtClean="0"/>
+              <a:rPr lang="en-US"/>
               <a:t>Click to edit Master text styles</a:t>
             </a:r>
           </a:p>
           <a:p>
             <a:pPr lvl="1"/>
             <a:r>
-              <a:rPr lang="en-US" smtClean="0"/>
+              <a:rPr lang="en-US"/>
               <a:t>Second level</a:t>
             </a:r>
           </a:p>
           <a:p>
             <a:pPr lvl="2"/>
             <a:r>
-              <a:rPr lang="en-US" smtClean="0"/>
+              <a:rPr lang="en-US"/>
               <a:t>Third level</a:t>
             </a:r>
           </a:p>
           <a:p>
             <a:pPr lvl="3"/>
             <a:r>
-              <a:rPr lang="en-US" smtClean="0"/>
+              <a:rPr lang="en-US"/>
               <a:t>Fourth level</a:t>
             </a:r>
           </a:p>
           <a:p>
             <a:pPr lvl="4"/>
             <a:r>
-              <a:rPr lang="en-US" smtClean="0"/>
+              <a:rPr lang="en-US"/>
               <a:t>Fifth level</a:t>
             </a:r>
-            <a:endParaRPr lang="en-US"/>
           </a:p>
         </p:txBody>
       </p:sp>
@@ -1363,38 +1339,37 @@
           <a:p>
             <a:pPr lvl="0"/>
             <a:r>
-              <a:rPr lang="en-US" smtClean="0"/>
+              <a:rPr lang="en-US"/>
               <a:t>Click to edit Master text styles</a:t>
             </a:r>
           </a:p>
           <a:p>
             <a:pPr lvl="1"/>
             <a:r>
-              <a:rPr lang="en-US" smtClean="0"/>
+              <a:rPr lang="en-US"/>
               <a:t>Second level</a:t>
             </a:r>
           </a:p>
           <a:p>
             <a:pPr lvl="2"/>
             <a:r>
-              <a:rPr lang="en-US" smtClean="0"/>
+              <a:rPr lang="en-US"/>
               <a:t>Third level</a:t>
             </a:r>
           </a:p>
           <a:p>
             <a:pPr lvl="3"/>
             <a:r>
-              <a:rPr lang="en-US" smtClean="0"/>
+              <a:rPr lang="en-US"/>
               <a:t>Fourth level</a:t>
             </a:r>
           </a:p>
           <a:p>
             <a:pPr lvl="4"/>
             <a:r>
-              <a:rPr lang="en-US" smtClean="0"/>
+              <a:rPr lang="en-US"/>
               <a:t>Fifth level</a:t>
             </a:r>
-            <a:endParaRPr lang="en-US"/>
           </a:p>
         </p:txBody>
       </p:sp>
@@ -1416,7 +1391,7 @@
             <a:fld id="{1D8BD707-D9CF-40AE-B4C6-C98DA3205C09}" type="datetimeFigureOut">
               <a:rPr lang="en-US" smtClean="0"/>
               <a:pPr/>
-              <a:t>8/1/2011</a:t>
+              <a:t>6/2/2022</a:t>
             </a:fld>
             <a:endParaRPr lang="en-US"/>
           </a:p>
@@ -1510,10 +1485,9 @@
           </a:lstStyle>
           <a:p>
             <a:r>
-              <a:rPr lang="en-US" smtClean="0"/>
+              <a:rPr lang="en-US"/>
               <a:t>Click to edit Master title style</a:t>
             </a:r>
-            <a:endParaRPr lang="en-US"/>
           </a:p>
         </p:txBody>
       </p:sp>
@@ -1576,7 +1550,7 @@
           <a:p>
             <a:pPr lvl="0"/>
             <a:r>
-              <a:rPr lang="en-US" smtClean="0"/>
+              <a:rPr lang="en-US"/>
               <a:t>Click to edit Master text styles</a:t>
             </a:r>
           </a:p>
@@ -1632,38 +1606,37 @@
           <a:p>
             <a:pPr lvl="0"/>
             <a:r>
-              <a:rPr lang="en-US" smtClean="0"/>
+              <a:rPr lang="en-US"/>
               <a:t>Click to edit Master text styles</a:t>
             </a:r>
           </a:p>
           <a:p>
             <a:pPr lvl="1"/>
             <a:r>
-              <a:rPr lang="en-US" smtClean="0"/>
+              <a:rPr lang="en-US"/>
               <a:t>Second level</a:t>
             </a:r>
           </a:p>
           <a:p>
             <a:pPr lvl="2"/>
             <a:r>
-              <a:rPr lang="en-US" smtClean="0"/>
+              <a:rPr lang="en-US"/>
               <a:t>Third level</a:t>
             </a:r>
           </a:p>
           <a:p>
             <a:pPr lvl="3"/>
             <a:r>
-              <a:rPr lang="en-US" smtClean="0"/>
+              <a:rPr lang="en-US"/>
               <a:t>Fourth level</a:t>
             </a:r>
           </a:p>
           <a:p>
             <a:pPr lvl="4"/>
             <a:r>
-              <a:rPr lang="en-US" smtClean="0"/>
+              <a:rPr lang="en-US"/>
               <a:t>Fifth level</a:t>
             </a:r>
-            <a:endParaRPr lang="en-US"/>
           </a:p>
         </p:txBody>
       </p:sp>
@@ -1726,7 +1699,7 @@
           <a:p>
             <a:pPr lvl="0"/>
             <a:r>
-              <a:rPr lang="en-US" smtClean="0"/>
+              <a:rPr lang="en-US"/>
               <a:t>Click to edit Master text styles</a:t>
             </a:r>
           </a:p>
@@ -1782,38 +1755,37 @@
           <a:p>
             <a:pPr lvl="0"/>
             <a:r>
-              <a:rPr lang="en-US" smtClean="0"/>
+              <a:rPr lang="en-US"/>
               <a:t>Click to edit Master text styles</a:t>
             </a:r>
           </a:p>
           <a:p>
             <a:pPr lvl="1"/>
             <a:r>
-              <a:rPr lang="en-US" smtClean="0"/>
+              <a:rPr lang="en-US"/>
               <a:t>Second level</a:t>
             </a:r>
           </a:p>
           <a:p>
             <a:pPr lvl="2"/>
             <a:r>
-              <a:rPr lang="en-US" smtClean="0"/>
+              <a:rPr lang="en-US"/>
               <a:t>Third level</a:t>
             </a:r>
           </a:p>
           <a:p>
             <a:pPr lvl="3"/>
             <a:r>
-              <a:rPr lang="en-US" smtClean="0"/>
+              <a:rPr lang="en-US"/>
               <a:t>Fourth level</a:t>
             </a:r>
           </a:p>
           <a:p>
             <a:pPr lvl="4"/>
             <a:r>
-              <a:rPr lang="en-US" smtClean="0"/>
+              <a:rPr lang="en-US"/>
               <a:t>Fifth level</a:t>
             </a:r>
-            <a:endParaRPr lang="en-US"/>
           </a:p>
         </p:txBody>
       </p:sp>
@@ -1835,7 +1807,7 @@
             <a:fld id="{1D8BD707-D9CF-40AE-B4C6-C98DA3205C09}" type="datetimeFigureOut">
               <a:rPr lang="en-US" smtClean="0"/>
               <a:pPr/>
-              <a:t>8/1/2011</a:t>
+              <a:t>6/2/2022</a:t>
             </a:fld>
             <a:endParaRPr lang="en-US"/>
           </a:p>
@@ -1925,10 +1897,9 @@
           <a:lstStyle/>
           <a:p>
             <a:r>
-              <a:rPr lang="en-US" smtClean="0"/>
+              <a:rPr lang="en-US"/>
               <a:t>Click to edit Master title style</a:t>
             </a:r>
-            <a:endParaRPr lang="en-US"/>
           </a:p>
         </p:txBody>
       </p:sp>
@@ -1950,7 +1921,7 @@
             <a:fld id="{1D8BD707-D9CF-40AE-B4C6-C98DA3205C09}" type="datetimeFigureOut">
               <a:rPr lang="en-US" smtClean="0"/>
               <a:pPr/>
-              <a:t>8/1/2011</a:t>
+              <a:t>6/2/2022</a:t>
             </a:fld>
             <a:endParaRPr lang="en-US"/>
           </a:p>
@@ -2042,7 +2013,7 @@
             <a:fld id="{1D8BD707-D9CF-40AE-B4C6-C98DA3205C09}" type="datetimeFigureOut">
               <a:rPr lang="en-US" smtClean="0"/>
               <a:pPr/>
-              <a:t>8/1/2011</a:t>
+              <a:t>6/2/2022</a:t>
             </a:fld>
             <a:endParaRPr lang="en-US"/>
           </a:p>
@@ -2141,10 +2112,9 @@
           </a:lstStyle>
           <a:p>
             <a:r>
-              <a:rPr lang="en-US" smtClean="0"/>
+              <a:rPr lang="en-US"/>
               <a:t>Click to edit Master title style</a:t>
             </a:r>
-            <a:endParaRPr lang="en-US"/>
           </a:p>
         </p:txBody>
       </p:sp>
@@ -2198,38 +2168,37 @@
           <a:p>
             <a:pPr lvl="0"/>
             <a:r>
-              <a:rPr lang="en-US" smtClean="0"/>
+              <a:rPr lang="en-US"/>
               <a:t>Click to edit Master text styles</a:t>
             </a:r>
           </a:p>
           <a:p>
             <a:pPr lvl="1"/>
             <a:r>
-              <a:rPr lang="en-US" smtClean="0"/>
+              <a:rPr lang="en-US"/>
               <a:t>Second level</a:t>
             </a:r>
           </a:p>
           <a:p>
             <a:pPr lvl="2"/>
             <a:r>
-              <a:rPr lang="en-US" smtClean="0"/>
+              <a:rPr lang="en-US"/>
               <a:t>Third level</a:t>
             </a:r>
           </a:p>
           <a:p>
             <a:pPr lvl="3"/>
             <a:r>
-              <a:rPr lang="en-US" smtClean="0"/>
+              <a:rPr lang="en-US"/>
               <a:t>Fourth level</a:t>
             </a:r>
           </a:p>
           <a:p>
             <a:pPr lvl="4"/>
             <a:r>
-              <a:rPr lang="en-US" smtClean="0"/>
+              <a:rPr lang="en-US"/>
               <a:t>Fifth level</a:t>
             </a:r>
-            <a:endParaRPr lang="en-US"/>
           </a:p>
         </p:txBody>
       </p:sp>
@@ -2292,7 +2261,7 @@
           <a:p>
             <a:pPr lvl="0"/>
             <a:r>
-              <a:rPr lang="en-US" smtClean="0"/>
+              <a:rPr lang="en-US"/>
               <a:t>Click to edit Master text styles</a:t>
             </a:r>
           </a:p>
@@ -2316,7 +2285,7 @@
             <a:fld id="{1D8BD707-D9CF-40AE-B4C6-C98DA3205C09}" type="datetimeFigureOut">
               <a:rPr lang="en-US" smtClean="0"/>
               <a:pPr/>
-              <a:t>8/1/2011</a:t>
+              <a:t>6/2/2022</a:t>
             </a:fld>
             <a:endParaRPr lang="en-US"/>
           </a:p>
@@ -2415,10 +2384,9 @@
           </a:lstStyle>
           <a:p>
             <a:r>
-              <a:rPr lang="en-US" smtClean="0"/>
+              <a:rPr lang="en-US"/>
               <a:t>Click to edit Master title style</a:t>
             </a:r>
-            <a:endParaRPr lang="en-US"/>
           </a:p>
         </p:txBody>
       </p:sp>
@@ -2542,7 +2510,7 @@
           <a:p>
             <a:pPr lvl="0"/>
             <a:r>
-              <a:rPr lang="en-US" smtClean="0"/>
+              <a:rPr lang="en-US"/>
               <a:t>Click to edit Master text styles</a:t>
             </a:r>
           </a:p>
@@ -2566,7 +2534,7 @@
             <a:fld id="{1D8BD707-D9CF-40AE-B4C6-C98DA3205C09}" type="datetimeFigureOut">
               <a:rPr lang="en-US" smtClean="0"/>
               <a:pPr/>
-              <a:t>8/1/2011</a:t>
+              <a:t>6/2/2022</a:t>
             </a:fld>
             <a:endParaRPr lang="en-US"/>
           </a:p>
@@ -2671,10 +2639,9 @@
           <a:lstStyle/>
           <a:p>
             <a:r>
-              <a:rPr lang="en-US" smtClean="0"/>
+              <a:rPr lang="en-US"/>
               <a:t>Click to edit Master title style</a:t>
             </a:r>
-            <a:endParaRPr lang="en-US"/>
           </a:p>
         </p:txBody>
       </p:sp>
@@ -2705,38 +2672,37 @@
           <a:p>
             <a:pPr lvl="0"/>
             <a:r>
-              <a:rPr lang="en-US" smtClean="0"/>
+              <a:rPr lang="en-US"/>
               <a:t>Click to edit Master text styles</a:t>
             </a:r>
           </a:p>
           <a:p>
             <a:pPr lvl="1"/>
             <a:r>
-              <a:rPr lang="en-US" smtClean="0"/>
+              <a:rPr lang="en-US"/>
               <a:t>Second level</a:t>
             </a:r>
           </a:p>
           <a:p>
             <a:pPr lvl="2"/>
             <a:r>
-              <a:rPr lang="en-US" smtClean="0"/>
+              <a:rPr lang="en-US"/>
               <a:t>Third level</a:t>
             </a:r>
           </a:p>
           <a:p>
             <a:pPr lvl="3"/>
             <a:r>
-              <a:rPr lang="en-US" smtClean="0"/>
+              <a:rPr lang="en-US"/>
               <a:t>Fourth level</a:t>
             </a:r>
           </a:p>
           <a:p>
             <a:pPr lvl="4"/>
             <a:r>
-              <a:rPr lang="en-US" smtClean="0"/>
+              <a:rPr lang="en-US"/>
               <a:t>Fifth level</a:t>
             </a:r>
-            <a:endParaRPr lang="en-US"/>
           </a:p>
         </p:txBody>
       </p:sp>
@@ -2776,7 +2742,7 @@
             <a:fld id="{1D8BD707-D9CF-40AE-B4C6-C98DA3205C09}" type="datetimeFigureOut">
               <a:rPr lang="en-US" smtClean="0"/>
               <a:pPr/>
-              <a:t>8/1/2011</a:t>
+              <a:t>6/2/2022</a:t>
             </a:fld>
             <a:endParaRPr lang="en-US"/>
           </a:p>
@@ -3131,13 +3097,14 @@
 </file>
 
 <file path=ppt/slides/slide1.xml><?xml version="1.0" encoding="utf-8"?>
-<p:sld xmlns:p="http://schemas.openxmlformats.org/presentationml/2006/main" xmlns:a="http://schemas.openxmlformats.org/drawingml/2006/main">
+<p:sld xmlns:a="http://schemas.openxmlformats.org/drawingml/2006/main" xmlns:r="http://schemas.openxmlformats.org/officeDocument/2006/relationships" xmlns:p="http://schemas.openxmlformats.org/presentationml/2006/main">
   <p:cSld>
     <p:bg>
       <p:bgPr>
         <a:solidFill>
           <a:srgbClr val="FBF3E4"/>
         </a:solidFill>
+        <a:effectLst/>
       </p:bgPr>
     </p:bg>
     <p:spTree>
@@ -3156,36 +3123,36 @@
       </p:grpSpPr>
       <p:sp>
         <p:nvSpPr>
-          <p:cNvPr name="AutoShape 2" id="2"/>
+          <p:cNvPr id="2" name="AutoShape 2"/>
           <p:cNvSpPr/>
           <p:nvPr/>
         </p:nvSpPr>
         <p:spPr>
-          <a:xfrm rot="0">
+          <a:xfrm>
             <a:off x="15992183" y="9097962"/>
             <a:ext cx="1267117" cy="0"/>
           </a:xfrm>
           <a:prstGeom prst="line">
             <a:avLst/>
           </a:prstGeom>
-          <a:ln cap="flat" w="19050">
+          <a:ln w="19050" cap="flat">
             <a:solidFill>
               <a:srgbClr val="000000"/>
             </a:solidFill>
             <a:prstDash val="solid"/>
-            <a:headEnd type="none" len="sm" w="sm"/>
-            <a:tailEnd type="arrow" len="sm" w="med"/>
+            <a:headEnd type="none" w="sm" len="sm"/>
+            <a:tailEnd type="arrow" w="med" len="sm"/>
           </a:ln>
         </p:spPr>
       </p:sp>
       <p:grpSp>
         <p:nvGrpSpPr>
-          <p:cNvPr name="Group 3" id="3"/>
+          <p:cNvPr id="3" name="Group 3"/>
           <p:cNvGrpSpPr/>
           <p:nvPr/>
         </p:nvGrpSpPr>
         <p:grpSpPr>
-          <a:xfrm rot="0">
+          <a:xfrm>
             <a:off x="16981873" y="1121493"/>
             <a:ext cx="277427" cy="277427"/>
             <a:chOff x="0" y="0"/>
@@ -3194,7 +3161,7 @@
         </p:grpSpPr>
         <p:sp>
           <p:nvSpPr>
-            <p:cNvPr name="Freeform 4" id="4"/>
+            <p:cNvPr id="4" name="Freeform 4"/>
             <p:cNvSpPr/>
             <p:nvPr/>
           </p:nvSpPr>
@@ -3208,9 +3175,9 @@
               <a:gdLst/>
               <a:ahLst/>
               <a:cxnLst/>
-              <a:rect r="r" b="b" t="t" l="l"/>
+              <a:rect l="l" t="t" r="r" b="b"/>
               <a:pathLst>
-                <a:path h="6350000" w="6321665">
+                <a:path w="6321665" h="6350000">
                   <a:moveTo>
                     <a:pt x="3160833" y="0"/>
                   </a:moveTo>
@@ -3249,12 +3216,12 @@
       </p:grpSp>
       <p:grpSp>
         <p:nvGrpSpPr>
-          <p:cNvPr name="Group 5" id="5"/>
+          <p:cNvPr id="5" name="Group 5"/>
           <p:cNvGrpSpPr/>
           <p:nvPr/>
         </p:nvGrpSpPr>
         <p:grpSpPr>
-          <a:xfrm rot="0">
+          <a:xfrm>
             <a:off x="16575495" y="1121493"/>
             <a:ext cx="277427" cy="277427"/>
             <a:chOff x="0" y="0"/>
@@ -3263,7 +3230,7 @@
         </p:grpSpPr>
         <p:sp>
           <p:nvSpPr>
-            <p:cNvPr name="Freeform 6" id="6"/>
+            <p:cNvPr id="6" name="Freeform 6"/>
             <p:cNvSpPr/>
             <p:nvPr/>
           </p:nvSpPr>
@@ -3277,9 +3244,9 @@
               <a:gdLst/>
               <a:ahLst/>
               <a:cxnLst/>
-              <a:rect r="r" b="b" t="t" l="l"/>
+              <a:rect l="l" t="t" r="r" b="b"/>
               <a:pathLst>
-                <a:path h="6350000" w="6321665">
+                <a:path w="6321665" h="6350000">
                   <a:moveTo>
                     <a:pt x="3160833" y="0"/>
                   </a:moveTo>
@@ -3318,12 +3285,12 @@
       </p:grpSp>
       <p:grpSp>
         <p:nvGrpSpPr>
-          <p:cNvPr name="Group 7" id="7"/>
+          <p:cNvPr id="7" name="Group 7"/>
           <p:cNvGrpSpPr/>
           <p:nvPr/>
         </p:nvGrpSpPr>
         <p:grpSpPr>
-          <a:xfrm rot="0">
+          <a:xfrm>
             <a:off x="16169118" y="1121493"/>
             <a:ext cx="277427" cy="277427"/>
             <a:chOff x="0" y="0"/>
@@ -3332,7 +3299,7 @@
         </p:grpSpPr>
         <p:sp>
           <p:nvSpPr>
-            <p:cNvPr name="Freeform 8" id="8"/>
+            <p:cNvPr id="8" name="Freeform 8"/>
             <p:cNvSpPr/>
             <p:nvPr/>
           </p:nvSpPr>
@@ -3346,9 +3313,9 @@
               <a:gdLst/>
               <a:ahLst/>
               <a:cxnLst/>
-              <a:rect r="r" b="b" t="t" l="l"/>
+              <a:rect l="l" t="t" r="r" b="b"/>
               <a:pathLst>
-                <a:path h="6350000" w="6321665">
+                <a:path w="6321665" h="6350000">
                   <a:moveTo>
                     <a:pt x="3160833" y="0"/>
                   </a:moveTo>
@@ -3387,12 +3354,12 @@
       </p:grpSp>
       <p:sp>
         <p:nvSpPr>
-          <p:cNvPr name="TextBox 9" id="9"/>
-          <p:cNvSpPr txBox="true"/>
-          <p:nvPr/>
-        </p:nvSpPr>
-        <p:spPr>
-          <a:xfrm rot="0">
+          <p:cNvPr id="9" name="TextBox 9"/>
+          <p:cNvSpPr txBox="1"/>
+          <p:nvPr/>
+        </p:nvSpPr>
+        <p:spPr>
+          <a:xfrm>
             <a:off x="1746799" y="5067300"/>
             <a:ext cx="15235074" cy="1384300"/>
           </a:xfrm>
@@ -3401,7 +3368,7 @@
           </a:prstGeom>
         </p:spPr>
         <p:txBody>
-          <a:bodyPr anchor="t" rtlCol="false" tIns="0" lIns="0" bIns="0" rIns="0">
+          <a:bodyPr lIns="0" tIns="0" rIns="0" bIns="0" rtlCol="0" anchor="t">
             <a:spAutoFit/>
           </a:bodyPr>
           <a:lstStyle/>
@@ -3425,12 +3392,12 @@
       </p:sp>
       <p:sp>
         <p:nvSpPr>
-          <p:cNvPr name="TextBox 10" id="10"/>
-          <p:cNvSpPr txBox="true"/>
-          <p:nvPr/>
-        </p:nvSpPr>
-        <p:spPr>
-          <a:xfrm rot="0">
+          <p:cNvPr id="10" name="TextBox 10"/>
+          <p:cNvSpPr txBox="1"/>
+          <p:nvPr/>
+        </p:nvSpPr>
+        <p:spPr>
+          <a:xfrm>
             <a:off x="3417946" y="3358441"/>
             <a:ext cx="10656317" cy="1533525"/>
           </a:xfrm>
@@ -3439,7 +3406,7 @@
           </a:prstGeom>
         </p:spPr>
         <p:txBody>
-          <a:bodyPr anchor="t" rtlCol="false" tIns="0" lIns="0" bIns="0" rIns="0">
+          <a:bodyPr lIns="0" tIns="0" rIns="0" bIns="0" rtlCol="0" anchor="t">
             <a:spAutoFit/>
           </a:bodyPr>
           <a:lstStyle/>
@@ -3463,12 +3430,12 @@
       </p:sp>
       <p:sp>
         <p:nvSpPr>
-          <p:cNvPr name="TextBox 11" id="11"/>
-          <p:cNvSpPr txBox="true"/>
-          <p:nvPr/>
-        </p:nvSpPr>
-        <p:spPr>
-          <a:xfrm rot="0">
+          <p:cNvPr id="11" name="TextBox 11"/>
+          <p:cNvSpPr txBox="1"/>
+          <p:nvPr/>
+        </p:nvSpPr>
+        <p:spPr>
+          <a:xfrm>
             <a:off x="11262789" y="7724303"/>
             <a:ext cx="6314926" cy="679450"/>
           </a:xfrm>
@@ -3477,7 +3444,7 @@
           </a:prstGeom>
         </p:spPr>
         <p:txBody>
-          <a:bodyPr anchor="t" rtlCol="false" tIns="0" lIns="0" bIns="0" rIns="0">
+          <a:bodyPr lIns="0" tIns="0" rIns="0" bIns="0" rtlCol="0" anchor="t">
             <a:spAutoFit/>
           </a:bodyPr>
           <a:lstStyle/>
@@ -3501,12 +3468,12 @@
       </p:sp>
       <p:sp>
         <p:nvSpPr>
-          <p:cNvPr name="TextBox 12" id="12"/>
-          <p:cNvSpPr txBox="true"/>
-          <p:nvPr/>
-        </p:nvSpPr>
-        <p:spPr>
-          <a:xfrm rot="0">
+          <p:cNvPr id="12" name="TextBox 12"/>
+          <p:cNvSpPr txBox="1"/>
+          <p:nvPr/>
+        </p:nvSpPr>
+        <p:spPr>
+          <a:xfrm>
             <a:off x="5698713" y="1488807"/>
             <a:ext cx="6132883" cy="1613667"/>
           </a:xfrm>
@@ -3515,7 +3482,7 @@
           </a:prstGeom>
         </p:spPr>
         <p:txBody>
-          <a:bodyPr anchor="t" rtlCol="false" tIns="0" lIns="0" bIns="0" rIns="0">
+          <a:bodyPr lIns="0" tIns="0" rIns="0" bIns="0" rtlCol="0" anchor="t">
             <a:spAutoFit/>
           </a:bodyPr>
           <a:lstStyle/>
@@ -3526,7 +3493,7 @@
               </a:lnSpc>
             </a:pPr>
             <a:r>
-              <a:rPr lang="en-US" sz="12120">
+              <a:rPr lang="en-US" sz="12120" dirty="0">
                 <a:solidFill>
                   <a:srgbClr val="B91646"/>
                 </a:solidFill>
@@ -3537,6 +3504,53 @@
           </a:p>
         </p:txBody>
       </p:sp>
+      <p:pic>
+        <p:nvPicPr>
+          <p:cNvPr id="1026" name="Picture 2" descr="Trường Đại Học Sư Phạm Kỹ Thuật TPHCM">
+            <a:extLst>
+              <a:ext uri="{FF2B5EF4-FFF2-40B4-BE49-F238E27FC236}">
+                <a16:creationId xmlns:a16="http://schemas.microsoft.com/office/drawing/2014/main" id="{B4935700-0E6A-AB20-A749-E63757FDA174}"/>
+              </a:ext>
+            </a:extLst>
+          </p:cNvPr>
+          <p:cNvPicPr>
+            <a:picLocks noChangeAspect="1" noChangeArrowheads="1"/>
+          </p:cNvPicPr>
+          <p:nvPr/>
+        </p:nvPicPr>
+        <p:blipFill>
+          <a:blip r:embed="rId2">
+            <a:extLst>
+              <a:ext uri="{28A0092B-C50C-407E-A947-70E740481C1C}">
+                <a14:useLocalDpi xmlns:a14="http://schemas.microsoft.com/office/drawing/2010/main" val="0"/>
+              </a:ext>
+            </a:extLst>
+          </a:blip>
+          <a:srcRect/>
+          <a:stretch>
+            <a:fillRect/>
+          </a:stretch>
+        </p:blipFill>
+        <p:spPr bwMode="auto">
+          <a:xfrm>
+            <a:off x="4648200" y="104757"/>
+            <a:ext cx="13439811" cy="1431552"/>
+          </a:xfrm>
+          <a:prstGeom prst="rect">
+            <a:avLst/>
+          </a:prstGeom>
+          <a:noFill/>
+          <a:extLst>
+            <a:ext uri="{909E8E84-426E-40DD-AFC4-6F175D3DCCD1}">
+              <a14:hiddenFill xmlns:a14="http://schemas.microsoft.com/office/drawing/2010/main">
+                <a:solidFill>
+                  <a:srgbClr val="FFFFFF"/>
+                </a:solidFill>
+              </a14:hiddenFill>
+            </a:ext>
+          </a:extLst>
+        </p:spPr>
+      </p:pic>
     </p:spTree>
   </p:cSld>
   <p:clrMapOvr>
@@ -3546,13 +3560,14 @@
 </file>
 
 <file path=ppt/slides/slide10.xml><?xml version="1.0" encoding="utf-8"?>
-<p:sld xmlns:p="http://schemas.openxmlformats.org/presentationml/2006/main" xmlns:a="http://schemas.openxmlformats.org/drawingml/2006/main">
+<p:sld xmlns:a="http://schemas.openxmlformats.org/drawingml/2006/main" xmlns:r="http://schemas.openxmlformats.org/officeDocument/2006/relationships" xmlns:p="http://schemas.openxmlformats.org/presentationml/2006/main">
   <p:cSld>
     <p:bg>
       <p:bgPr>
         <a:solidFill>
           <a:srgbClr val="FBF3E4"/>
         </a:solidFill>
+        <a:effectLst/>
       </p:bgPr>
     </p:bg>
     <p:spTree>
@@ -3571,12 +3586,12 @@
       </p:grpSpPr>
       <p:sp>
         <p:nvSpPr>
-          <p:cNvPr name="TextBox 2" id="2"/>
-          <p:cNvSpPr txBox="true"/>
-          <p:nvPr/>
-        </p:nvSpPr>
-        <p:spPr>
-          <a:xfrm rot="0">
+          <p:cNvPr id="2" name="TextBox 2"/>
+          <p:cNvSpPr txBox="1"/>
+          <p:nvPr/>
+        </p:nvSpPr>
+        <p:spPr>
+          <a:xfrm>
             <a:off x="7442299" y="4114800"/>
             <a:ext cx="3403402" cy="1028700"/>
           </a:xfrm>
@@ -3585,7 +3600,7 @@
           </a:prstGeom>
         </p:spPr>
         <p:txBody>
-          <a:bodyPr anchor="t" rtlCol="false" tIns="0" lIns="0" bIns="0" rIns="0">
+          <a:bodyPr lIns="0" tIns="0" rIns="0" bIns="0" rtlCol="0" anchor="t">
             <a:spAutoFit/>
           </a:bodyPr>
           <a:lstStyle/>
@@ -3616,7 +3631,7 @@
 </file>
 
 <file path=ppt/slides/slide11.xml><?xml version="1.0" encoding="utf-8"?>
-<p:sld xmlns:p="http://schemas.openxmlformats.org/presentationml/2006/main" xmlns:a="http://schemas.openxmlformats.org/drawingml/2006/main" xmlns:r="http://schemas.openxmlformats.org/officeDocument/2006/relationships">
+<p:sld xmlns:a="http://schemas.openxmlformats.org/drawingml/2006/main" xmlns:r="http://schemas.openxmlformats.org/officeDocument/2006/relationships" xmlns:p="http://schemas.openxmlformats.org/presentationml/2006/main">
   <p:cSld>
     <p:spTree>
       <p:nvGrpSpPr>
@@ -3634,21 +3649,21 @@
       </p:grpSpPr>
       <p:pic>
         <p:nvPicPr>
-          <p:cNvPr name="Picture 2" id="2"/>
+          <p:cNvPr id="2" name="Picture 2"/>
           <p:cNvPicPr>
-            <a:picLocks noChangeAspect="true"/>
+            <a:picLocks noChangeAspect="1"/>
           </p:cNvPicPr>
           <p:nvPr/>
         </p:nvPicPr>
         <p:blipFill>
           <a:blip r:embed="rId2"/>
-          <a:srcRect l="0" t="1201" r="0" b="3875"/>
+          <a:srcRect t="1201" b="3875"/>
           <a:stretch>
             <a:fillRect/>
           </a:stretch>
         </p:blipFill>
         <p:spPr>
-          <a:xfrm flipH="false" flipV="false" rot="0">
+          <a:xfrm>
             <a:off x="0" y="2816541"/>
             <a:ext cx="2687937" cy="1913610"/>
           </a:xfrm>
@@ -3659,21 +3674,21 @@
       </p:pic>
       <p:pic>
         <p:nvPicPr>
-          <p:cNvPr name="Picture 3" id="3"/>
+          <p:cNvPr id="3" name="Picture 3"/>
           <p:cNvPicPr>
-            <a:picLocks noChangeAspect="true"/>
+            <a:picLocks noChangeAspect="1"/>
           </p:cNvPicPr>
           <p:nvPr/>
         </p:nvPicPr>
         <p:blipFill>
           <a:blip r:embed="rId3"/>
-          <a:srcRect l="0" t="0" r="0" b="0"/>
+          <a:srcRect/>
           <a:stretch>
             <a:fillRect/>
           </a:stretch>
         </p:blipFill>
         <p:spPr>
-          <a:xfrm flipH="false" flipV="false" rot="0">
+          <a:xfrm>
             <a:off x="4830795" y="2689803"/>
             <a:ext cx="2448802" cy="2448802"/>
           </a:xfrm>
@@ -3684,21 +3699,21 @@
       </p:pic>
       <p:pic>
         <p:nvPicPr>
-          <p:cNvPr name="Picture 4" id="4"/>
+          <p:cNvPr id="4" name="Picture 4"/>
           <p:cNvPicPr>
-            <a:picLocks noChangeAspect="true"/>
+            <a:picLocks noChangeAspect="1"/>
           </p:cNvPicPr>
           <p:nvPr/>
         </p:nvPicPr>
         <p:blipFill>
           <a:blip r:embed="rId4"/>
-          <a:srcRect l="31425" t="0" r="29432" b="0"/>
+          <a:srcRect l="31425" r="29432"/>
           <a:stretch>
             <a:fillRect/>
           </a:stretch>
         </p:blipFill>
         <p:spPr>
-          <a:xfrm flipH="false" flipV="false" rot="0">
+          <a:xfrm>
             <a:off x="9610651" y="2471073"/>
             <a:ext cx="2148972" cy="2886262"/>
           </a:xfrm>
@@ -3709,9 +3724,9 @@
       </p:pic>
       <p:pic>
         <p:nvPicPr>
-          <p:cNvPr name="Picture 5" id="5"/>
+          <p:cNvPr id="5" name="Picture 5"/>
           <p:cNvPicPr>
-            <a:picLocks noChangeAspect="true"/>
+            <a:picLocks noChangeAspect="1"/>
           </p:cNvPicPr>
           <p:nvPr/>
         </p:nvPicPr>
@@ -3723,7 +3738,7 @@
           </a:stretch>
         </p:blipFill>
         <p:spPr>
-          <a:xfrm flipH="false" flipV="false" rot="0">
+          <a:xfrm>
             <a:off x="13969097" y="3132892"/>
             <a:ext cx="3847061" cy="1770717"/>
           </a:xfrm>
@@ -3734,31 +3749,31 @@
       </p:pic>
       <p:sp>
         <p:nvSpPr>
-          <p:cNvPr name="AutoShape 6" id="6"/>
+          <p:cNvPr id="6" name="AutoShape 6"/>
           <p:cNvSpPr/>
           <p:nvPr/>
         </p:nvSpPr>
         <p:spPr>
-          <a:xfrm rot="0">
+          <a:xfrm>
             <a:off x="2687937" y="3773346"/>
             <a:ext cx="2842003" cy="0"/>
           </a:xfrm>
           <a:prstGeom prst="line">
             <a:avLst/>
           </a:prstGeom>
-          <a:ln cap="flat" w="47625">
+          <a:ln w="47625" cap="flat">
             <a:solidFill>
               <a:srgbClr val="000000"/>
             </a:solidFill>
             <a:prstDash val="solid"/>
-            <a:headEnd type="none" len="sm" w="sm"/>
-            <a:tailEnd type="triangle" len="med" w="lg"/>
+            <a:headEnd type="none" w="sm" len="sm"/>
+            <a:tailEnd type="triangle" w="lg" len="med"/>
           </a:ln>
         </p:spPr>
       </p:sp>
       <p:sp>
         <p:nvSpPr>
-          <p:cNvPr name="AutoShape 7" id="7"/>
+          <p:cNvPr id="7" name="AutoShape 7"/>
           <p:cNvSpPr/>
           <p:nvPr/>
         </p:nvSpPr>
@@ -3770,57 +3785,57 @@
           <a:prstGeom prst="line">
             <a:avLst/>
           </a:prstGeom>
-          <a:ln cap="flat" w="47625">
+          <a:ln w="47625" cap="flat">
             <a:solidFill>
               <a:srgbClr val="000000"/>
             </a:solidFill>
             <a:prstDash val="solid"/>
-            <a:headEnd type="none" len="sm" w="sm"/>
-            <a:tailEnd type="triangle" len="med" w="lg"/>
+            <a:headEnd type="none" w="sm" len="sm"/>
+            <a:tailEnd type="triangle" w="lg" len="med"/>
           </a:ln>
         </p:spPr>
       </p:sp>
       <p:sp>
         <p:nvSpPr>
-          <p:cNvPr name="AutoShape 8" id="8"/>
+          <p:cNvPr id="8" name="AutoShape 8"/>
           <p:cNvSpPr/>
           <p:nvPr/>
         </p:nvSpPr>
         <p:spPr>
-          <a:xfrm rot="0">
+          <a:xfrm>
             <a:off x="11127094" y="3866579"/>
             <a:ext cx="2842003" cy="0"/>
           </a:xfrm>
           <a:prstGeom prst="line">
             <a:avLst/>
           </a:prstGeom>
-          <a:ln cap="flat" w="47625">
+          <a:ln w="47625" cap="flat">
             <a:solidFill>
               <a:srgbClr val="000000"/>
             </a:solidFill>
             <a:prstDash val="solid"/>
-            <a:headEnd type="none" len="sm" w="sm"/>
-            <a:tailEnd type="triangle" len="med" w="lg"/>
+            <a:headEnd type="none" w="sm" len="sm"/>
+            <a:tailEnd type="triangle" w="lg" len="med"/>
           </a:ln>
         </p:spPr>
       </p:sp>
       <p:pic>
         <p:nvPicPr>
-          <p:cNvPr name="Picture 9" id="9"/>
+          <p:cNvPr id="9" name="Picture 9"/>
           <p:cNvPicPr>
-            <a:picLocks noChangeAspect="true"/>
+            <a:picLocks noChangeAspect="1"/>
           </p:cNvPicPr>
           <p:nvPr/>
         </p:nvPicPr>
         <p:blipFill>
           <a:blip r:embed="rId6"/>
-          <a:srcRect l="0" t="0" r="2249" b="0"/>
+          <a:srcRect r="2249"/>
           <a:stretch>
             <a:fillRect/>
           </a:stretch>
         </p:blipFill>
         <p:spPr>
-          <a:xfrm flipH="false" flipV="false" rot="0">
+          <a:xfrm>
             <a:off x="7473820" y="6057535"/>
             <a:ext cx="8015100" cy="3311366"/>
           </a:xfrm>
@@ -3831,12 +3846,12 @@
       </p:pic>
       <p:sp>
         <p:nvSpPr>
-          <p:cNvPr name="TextBox 10" id="10"/>
-          <p:cNvSpPr txBox="true"/>
-          <p:nvPr/>
-        </p:nvSpPr>
-        <p:spPr>
-          <a:xfrm rot="0">
+          <p:cNvPr id="10" name="TextBox 10"/>
+          <p:cNvSpPr txBox="1"/>
+          <p:nvPr/>
+        </p:nvSpPr>
+        <p:spPr>
+          <a:xfrm>
             <a:off x="3655385" y="669578"/>
             <a:ext cx="11486489" cy="887095"/>
           </a:xfrm>
@@ -3845,7 +3860,7 @@
           </a:prstGeom>
         </p:spPr>
         <p:txBody>
-          <a:bodyPr anchor="t" rtlCol="false" tIns="0" lIns="0" bIns="0" rIns="0">
+          <a:bodyPr lIns="0" tIns="0" rIns="0" bIns="0" rtlCol="0" anchor="t">
             <a:spAutoFit/>
           </a:bodyPr>
           <a:lstStyle/>
@@ -3869,12 +3884,12 @@
       </p:sp>
       <p:sp>
         <p:nvSpPr>
-          <p:cNvPr name="TextBox 11" id="11"/>
-          <p:cNvSpPr txBox="true"/>
-          <p:nvPr/>
-        </p:nvSpPr>
-        <p:spPr>
-          <a:xfrm rot="0">
+          <p:cNvPr id="11" name="TextBox 11"/>
+          <p:cNvSpPr txBox="1"/>
+          <p:nvPr/>
+        </p:nvSpPr>
+        <p:spPr>
+          <a:xfrm>
             <a:off x="3655385" y="3066217"/>
             <a:ext cx="907107" cy="580390"/>
           </a:xfrm>
@@ -3883,7 +3898,7 @@
           </a:prstGeom>
         </p:spPr>
         <p:txBody>
-          <a:bodyPr anchor="t" rtlCol="false" tIns="0" lIns="0" bIns="0" rIns="0">
+          <a:bodyPr lIns="0" tIns="0" rIns="0" bIns="0" rtlCol="0" anchor="t">
             <a:spAutoFit/>
           </a:bodyPr>
           <a:lstStyle/>
@@ -3907,12 +3922,12 @@
       </p:sp>
       <p:sp>
         <p:nvSpPr>
-          <p:cNvPr name="TextBox 12" id="12"/>
-          <p:cNvSpPr txBox="true"/>
-          <p:nvPr/>
-        </p:nvSpPr>
-        <p:spPr>
-          <a:xfrm rot="0">
+          <p:cNvPr id="12" name="TextBox 12"/>
+          <p:cNvSpPr txBox="1"/>
+          <p:nvPr/>
+        </p:nvSpPr>
+        <p:spPr>
+          <a:xfrm>
             <a:off x="6819754" y="3066217"/>
             <a:ext cx="2845147" cy="580390"/>
           </a:xfrm>
@@ -3921,7 +3936,7 @@
           </a:prstGeom>
         </p:spPr>
         <p:txBody>
-          <a:bodyPr anchor="t" rtlCol="false" tIns="0" lIns="0" bIns="0" rIns="0">
+          <a:bodyPr lIns="0" tIns="0" rIns="0" bIns="0" rtlCol="0" anchor="t">
             <a:spAutoFit/>
           </a:bodyPr>
           <a:lstStyle/>
@@ -3945,12 +3960,12 @@
       </p:sp>
       <p:sp>
         <p:nvSpPr>
-          <p:cNvPr name="TextBox 13" id="13"/>
-          <p:cNvSpPr txBox="true"/>
-          <p:nvPr/>
-        </p:nvSpPr>
-        <p:spPr>
-          <a:xfrm rot="0">
+          <p:cNvPr id="13" name="TextBox 13"/>
+          <p:cNvSpPr txBox="1"/>
+          <p:nvPr/>
+        </p:nvSpPr>
+        <p:spPr>
+          <a:xfrm>
             <a:off x="11481370" y="3192956"/>
             <a:ext cx="2133451" cy="580390"/>
           </a:xfrm>
@@ -3959,7 +3974,7 @@
           </a:prstGeom>
         </p:spPr>
         <p:txBody>
-          <a:bodyPr anchor="t" rtlCol="false" tIns="0" lIns="0" bIns="0" rIns="0">
+          <a:bodyPr lIns="0" tIns="0" rIns="0" bIns="0" rtlCol="0" anchor="t">
             <a:spAutoFit/>
           </a:bodyPr>
           <a:lstStyle/>
@@ -3983,7 +3998,7 @@
       </p:sp>
       <p:sp>
         <p:nvSpPr>
-          <p:cNvPr name="AutoShape 14" id="14"/>
+          <p:cNvPr id="14" name="AutoShape 14"/>
           <p:cNvSpPr/>
           <p:nvPr/>
         </p:nvSpPr>
@@ -3995,24 +4010,24 @@
           <a:prstGeom prst="line">
             <a:avLst/>
           </a:prstGeom>
-          <a:ln cap="flat" w="47625">
+          <a:ln w="47625" cap="flat">
             <a:solidFill>
               <a:srgbClr val="000000"/>
             </a:solidFill>
             <a:prstDash val="solid"/>
-            <a:headEnd type="none" len="sm" w="sm"/>
-            <a:tailEnd type="triangle" len="med" w="lg"/>
+            <a:headEnd type="none" w="sm" len="sm"/>
+            <a:tailEnd type="triangle" w="lg" len="med"/>
           </a:ln>
         </p:spPr>
       </p:sp>
       <p:sp>
         <p:nvSpPr>
-          <p:cNvPr name="TextBox 15" id="15"/>
-          <p:cNvSpPr txBox="true"/>
-          <p:nvPr/>
-        </p:nvSpPr>
-        <p:spPr>
-          <a:xfrm rot="0">
+          <p:cNvPr id="15" name="TextBox 15"/>
+          <p:cNvSpPr txBox="1"/>
+          <p:nvPr/>
+        </p:nvSpPr>
+        <p:spPr>
+          <a:xfrm>
             <a:off x="11127094" y="5290660"/>
             <a:ext cx="1681162" cy="580390"/>
           </a:xfrm>
@@ -4021,7 +4036,7 @@
           </a:prstGeom>
         </p:spPr>
         <p:txBody>
-          <a:bodyPr anchor="t" rtlCol="false" tIns="0" lIns="0" bIns="0" rIns="0">
+          <a:bodyPr lIns="0" tIns="0" rIns="0" bIns="0" rtlCol="0" anchor="t">
             <a:spAutoFit/>
           </a:bodyPr>
           <a:lstStyle/>
@@ -4045,7 +4060,7 @@
       </p:sp>
       <p:sp>
         <p:nvSpPr>
-          <p:cNvPr name="AutoShape 16" id="16"/>
+          <p:cNvPr id="16" name="AutoShape 16"/>
           <p:cNvSpPr/>
           <p:nvPr/>
         </p:nvSpPr>
@@ -4057,24 +4072,24 @@
           <a:prstGeom prst="line">
             <a:avLst/>
           </a:prstGeom>
-          <a:ln cap="flat" w="47625">
+          <a:ln w="47625" cap="flat">
             <a:solidFill>
               <a:srgbClr val="000000"/>
             </a:solidFill>
             <a:prstDash val="solid"/>
-            <a:headEnd type="none" len="sm" w="sm"/>
-            <a:tailEnd type="triangle" len="med" w="lg"/>
+            <a:headEnd type="none" w="sm" len="sm"/>
+            <a:tailEnd type="triangle" w="lg" len="med"/>
           </a:ln>
         </p:spPr>
       </p:sp>
       <p:sp>
         <p:nvSpPr>
-          <p:cNvPr name="TextBox 17" id="17"/>
-          <p:cNvSpPr txBox="true"/>
-          <p:nvPr/>
-        </p:nvSpPr>
-        <p:spPr>
-          <a:xfrm rot="0">
+          <p:cNvPr id="17" name="TextBox 17"/>
+          <p:cNvSpPr txBox="1"/>
+          <p:nvPr/>
+        </p:nvSpPr>
+        <p:spPr>
+          <a:xfrm>
             <a:off x="372419" y="6772890"/>
             <a:ext cx="1943100" cy="580390"/>
           </a:xfrm>
@@ -4083,7 +4098,7 @@
           </a:prstGeom>
         </p:spPr>
         <p:txBody>
-          <a:bodyPr anchor="t" rtlCol="false" tIns="0" lIns="0" bIns="0" rIns="0">
+          <a:bodyPr lIns="0" tIns="0" rIns="0" bIns="0" rtlCol="0" anchor="t">
             <a:spAutoFit/>
           </a:bodyPr>
           <a:lstStyle/>
@@ -4114,13 +4129,14 @@
 </file>
 
 <file path=ppt/slides/slide12.xml><?xml version="1.0" encoding="utf-8"?>
-<p:sld xmlns:p="http://schemas.openxmlformats.org/presentationml/2006/main" xmlns:a="http://schemas.openxmlformats.org/drawingml/2006/main" xmlns:r="http://schemas.openxmlformats.org/officeDocument/2006/relationships">
+<p:sld xmlns:a="http://schemas.openxmlformats.org/drawingml/2006/main" xmlns:r="http://schemas.openxmlformats.org/officeDocument/2006/relationships" xmlns:p="http://schemas.openxmlformats.org/presentationml/2006/main">
   <p:cSld>
     <p:bg>
       <p:bgPr>
         <a:solidFill>
           <a:srgbClr val="FBF3E4"/>
         </a:solidFill>
+        <a:effectLst/>
       </p:bgPr>
     </p:bg>
     <p:spTree>
@@ -4139,21 +4155,21 @@
       </p:grpSpPr>
       <p:pic>
         <p:nvPicPr>
-          <p:cNvPr name="Picture 2" id="2"/>
+          <p:cNvPr id="2" name="Picture 2"/>
           <p:cNvPicPr>
-            <a:picLocks noChangeAspect="true"/>
+            <a:picLocks noChangeAspect="1"/>
           </p:cNvPicPr>
           <p:nvPr/>
         </p:nvPicPr>
         <p:blipFill>
           <a:blip r:embed="rId2"/>
-          <a:srcRect l="0" t="0" r="0" b="0"/>
+          <a:srcRect/>
           <a:stretch>
             <a:fillRect/>
           </a:stretch>
         </p:blipFill>
         <p:spPr>
-          <a:xfrm flipH="false" flipV="false" rot="0">
+          <a:xfrm>
             <a:off x="1651580" y="2229485"/>
             <a:ext cx="2448802" cy="2448802"/>
           </a:xfrm>
@@ -4164,9 +4180,9 @@
       </p:pic>
       <p:pic>
         <p:nvPicPr>
-          <p:cNvPr name="Picture 3" id="3"/>
+          <p:cNvPr id="3" name="Picture 3"/>
           <p:cNvPicPr>
-            <a:picLocks noChangeAspect="true"/>
+            <a:picLocks noChangeAspect="1"/>
           </p:cNvPicPr>
           <p:nvPr/>
         </p:nvPicPr>
@@ -4178,7 +4194,7 @@
           </a:stretch>
         </p:blipFill>
         <p:spPr>
-          <a:xfrm flipH="false" flipV="false" rot="0">
+          <a:xfrm>
             <a:off x="4723261" y="7012446"/>
             <a:ext cx="3474076" cy="1599040"/>
           </a:xfrm>
@@ -4189,21 +4205,21 @@
       </p:pic>
       <p:pic>
         <p:nvPicPr>
-          <p:cNvPr name="Picture 4" id="4"/>
+          <p:cNvPr id="4" name="Picture 4"/>
           <p:cNvPicPr>
-            <a:picLocks noChangeAspect="true"/>
+            <a:picLocks noChangeAspect="1"/>
           </p:cNvPicPr>
           <p:nvPr/>
         </p:nvPicPr>
         <p:blipFill>
           <a:blip r:embed="rId2"/>
-          <a:srcRect l="0" t="0" r="0" b="0"/>
+          <a:srcRect/>
           <a:stretch>
             <a:fillRect/>
           </a:stretch>
         </p:blipFill>
         <p:spPr>
-          <a:xfrm flipH="false" flipV="false" rot="0">
+          <a:xfrm>
             <a:off x="10142258" y="2386275"/>
             <a:ext cx="2448802" cy="2448802"/>
           </a:xfrm>
@@ -4214,21 +4230,21 @@
       </p:pic>
       <p:pic>
         <p:nvPicPr>
-          <p:cNvPr name="Picture 5" id="5"/>
+          <p:cNvPr id="5" name="Picture 5"/>
           <p:cNvPicPr>
-            <a:picLocks noChangeAspect="true"/>
+            <a:picLocks noChangeAspect="1"/>
           </p:cNvPicPr>
           <p:nvPr/>
         </p:nvPicPr>
         <p:blipFill>
           <a:blip r:embed="rId4"/>
-          <a:srcRect l="31425" t="0" r="29432" b="0"/>
+          <a:srcRect l="31425" r="29432"/>
           <a:stretch>
             <a:fillRect/>
           </a:stretch>
         </p:blipFill>
         <p:spPr>
-          <a:xfrm flipH="false" flipV="false" rot="0">
+          <a:xfrm>
             <a:off x="5786678" y="1948815"/>
             <a:ext cx="2148972" cy="2886262"/>
           </a:xfrm>
@@ -4239,55 +4255,55 @@
       </p:pic>
       <p:sp>
         <p:nvSpPr>
-          <p:cNvPr name="AutoShape 6" id="6"/>
+          <p:cNvPr id="6" name="AutoShape 6"/>
           <p:cNvSpPr/>
           <p:nvPr/>
         </p:nvSpPr>
         <p:spPr>
-          <a:xfrm rot="0">
+          <a:xfrm>
             <a:off x="3735182" y="3368134"/>
             <a:ext cx="2244936" cy="0"/>
           </a:xfrm>
           <a:prstGeom prst="line">
             <a:avLst/>
           </a:prstGeom>
-          <a:ln cap="flat" w="47625">
+          <a:ln w="47625" cap="flat">
             <a:solidFill>
               <a:srgbClr val="000000"/>
             </a:solidFill>
             <a:prstDash val="solid"/>
-            <a:headEnd type="none" len="sm" w="sm"/>
-            <a:tailEnd type="triangle" len="med" w="lg"/>
+            <a:headEnd type="none" w="sm" len="sm"/>
+            <a:tailEnd type="triangle" w="lg" len="med"/>
           </a:ln>
         </p:spPr>
       </p:sp>
       <p:sp>
         <p:nvSpPr>
-          <p:cNvPr name="AutoShape 7" id="7"/>
+          <p:cNvPr id="7" name="AutoShape 7"/>
           <p:cNvSpPr/>
           <p:nvPr/>
         </p:nvSpPr>
         <p:spPr>
-          <a:xfrm rot="0">
+          <a:xfrm>
             <a:off x="7380396" y="3320509"/>
             <a:ext cx="2842003" cy="0"/>
           </a:xfrm>
           <a:prstGeom prst="line">
             <a:avLst/>
           </a:prstGeom>
-          <a:ln cap="flat" w="47625">
+          <a:ln w="47625" cap="flat">
             <a:solidFill>
               <a:srgbClr val="000000"/>
             </a:solidFill>
             <a:prstDash val="solid"/>
-            <a:headEnd type="none" len="sm" w="sm"/>
-            <a:tailEnd type="triangle" len="med" w="lg"/>
+            <a:headEnd type="none" w="sm" len="sm"/>
+            <a:tailEnd type="triangle" w="lg" len="med"/>
           </a:ln>
         </p:spPr>
       </p:sp>
       <p:sp>
         <p:nvSpPr>
-          <p:cNvPr name="AutoShape 8" id="8"/>
+          <p:cNvPr id="8" name="AutoShape 8"/>
           <p:cNvSpPr/>
           <p:nvPr/>
         </p:nvSpPr>
@@ -4299,19 +4315,19 @@
           <a:prstGeom prst="line">
             <a:avLst/>
           </a:prstGeom>
-          <a:ln cap="flat" w="47625">
+          <a:ln w="47625" cap="flat">
             <a:solidFill>
               <a:srgbClr val="000000"/>
             </a:solidFill>
             <a:prstDash val="solid"/>
-            <a:headEnd type="none" len="sm" w="sm"/>
-            <a:tailEnd type="triangle" len="med" w="lg"/>
+            <a:headEnd type="none" w="sm" len="sm"/>
+            <a:tailEnd type="triangle" w="lg" len="med"/>
           </a:ln>
         </p:spPr>
       </p:sp>
       <p:sp>
         <p:nvSpPr>
-          <p:cNvPr name="AutoShape 9" id="9"/>
+          <p:cNvPr id="9" name="AutoShape 9"/>
           <p:cNvSpPr/>
           <p:nvPr/>
         </p:nvSpPr>
@@ -4323,33 +4339,33 @@
           <a:prstGeom prst="line">
             <a:avLst/>
           </a:prstGeom>
-          <a:ln cap="flat" w="47625">
+          <a:ln w="47625" cap="flat">
             <a:solidFill>
               <a:srgbClr val="000000"/>
             </a:solidFill>
             <a:prstDash val="solid"/>
-            <a:headEnd type="none" len="sm" w="sm"/>
-            <a:tailEnd type="triangle" len="med" w="lg"/>
+            <a:headEnd type="none" w="sm" len="sm"/>
+            <a:tailEnd type="triangle" w="lg" len="med"/>
           </a:ln>
         </p:spPr>
       </p:sp>
       <p:pic>
         <p:nvPicPr>
-          <p:cNvPr name="Picture 10" id="10"/>
+          <p:cNvPr id="10" name="Picture 10"/>
           <p:cNvPicPr>
-            <a:picLocks noChangeAspect="true"/>
+            <a:picLocks noChangeAspect="1"/>
           </p:cNvPicPr>
           <p:nvPr/>
         </p:nvPicPr>
         <p:blipFill>
           <a:blip r:embed="rId5"/>
-          <a:srcRect l="0" t="1201" r="0" b="3875"/>
+          <a:srcRect t="1201" b="3875"/>
           <a:stretch>
             <a:fillRect/>
           </a:stretch>
         </p:blipFill>
         <p:spPr>
-          <a:xfrm flipH="false" flipV="false" rot="0">
+          <a:xfrm>
             <a:off x="14468210" y="2497081"/>
             <a:ext cx="2687937" cy="1913610"/>
           </a:xfrm>
@@ -4360,21 +4376,21 @@
       </p:pic>
       <p:pic>
         <p:nvPicPr>
-          <p:cNvPr name="Picture 11" id="11"/>
+          <p:cNvPr id="11" name="Picture 11"/>
           <p:cNvPicPr>
-            <a:picLocks noChangeAspect="true"/>
+            <a:picLocks noChangeAspect="1"/>
           </p:cNvPicPr>
           <p:nvPr/>
         </p:nvPicPr>
         <p:blipFill>
           <a:blip r:embed="rId6"/>
-          <a:srcRect l="0" t="0" r="0" b="0"/>
+          <a:srcRect/>
           <a:stretch>
             <a:fillRect/>
           </a:stretch>
         </p:blipFill>
         <p:spPr>
-          <a:xfrm flipH="false" flipV="false" rot="0">
+          <a:xfrm>
             <a:off x="9784820" y="4514099"/>
             <a:ext cx="8901643" cy="5126393"/>
           </a:xfrm>
@@ -4385,12 +4401,12 @@
       </p:pic>
       <p:sp>
         <p:nvSpPr>
-          <p:cNvPr name="TextBox 12" id="12"/>
-          <p:cNvSpPr txBox="true"/>
-          <p:nvPr/>
-        </p:nvSpPr>
-        <p:spPr>
-          <a:xfrm rot="0">
+          <p:cNvPr id="12" name="TextBox 12"/>
+          <p:cNvSpPr txBox="1"/>
+          <p:nvPr/>
+        </p:nvSpPr>
+        <p:spPr>
+          <a:xfrm>
             <a:off x="1800338" y="-95250"/>
             <a:ext cx="14208425" cy="1811020"/>
           </a:xfrm>
@@ -4399,7 +4415,7 @@
           </a:prstGeom>
         </p:spPr>
         <p:txBody>
-          <a:bodyPr anchor="t" rtlCol="false" tIns="0" lIns="0" bIns="0" rIns="0">
+          <a:bodyPr lIns="0" tIns="0" rIns="0" bIns="0" rtlCol="0" anchor="t">
             <a:spAutoFit/>
           </a:bodyPr>
           <a:lstStyle/>
@@ -4423,12 +4439,12 @@
       </p:sp>
       <p:sp>
         <p:nvSpPr>
-          <p:cNvPr name="TextBox 13" id="13"/>
-          <p:cNvSpPr txBox="true"/>
-          <p:nvPr/>
-        </p:nvSpPr>
-        <p:spPr>
-          <a:xfrm rot="0">
+          <p:cNvPr id="13" name="TextBox 13"/>
+          <p:cNvSpPr txBox="1"/>
+          <p:nvPr/>
+        </p:nvSpPr>
+        <p:spPr>
+          <a:xfrm>
             <a:off x="1028700" y="1649095"/>
             <a:ext cx="3694561" cy="580390"/>
           </a:xfrm>
@@ -4437,7 +4453,7 @@
           </a:prstGeom>
         </p:spPr>
         <p:txBody>
-          <a:bodyPr anchor="t" rtlCol="false" tIns="0" lIns="0" bIns="0" rIns="0">
+          <a:bodyPr lIns="0" tIns="0" rIns="0" bIns="0" rtlCol="0" anchor="t">
             <a:spAutoFit/>
           </a:bodyPr>
           <a:lstStyle/>
@@ -4461,12 +4477,12 @@
       </p:sp>
       <p:sp>
         <p:nvSpPr>
-          <p:cNvPr name="TextBox 14" id="14"/>
-          <p:cNvSpPr txBox="true"/>
-          <p:nvPr/>
-        </p:nvSpPr>
-        <p:spPr>
-          <a:xfrm rot="0">
+          <p:cNvPr id="14" name="TextBox 14"/>
+          <p:cNvSpPr txBox="1"/>
+          <p:nvPr/>
+        </p:nvSpPr>
+        <p:spPr>
+          <a:xfrm>
             <a:off x="4049070" y="2740119"/>
             <a:ext cx="1348383" cy="580390"/>
           </a:xfrm>
@@ -4475,7 +4491,7 @@
           </a:prstGeom>
         </p:spPr>
         <p:txBody>
-          <a:bodyPr anchor="t" rtlCol="false" tIns="0" lIns="0" bIns="0" rIns="0">
+          <a:bodyPr lIns="0" tIns="0" rIns="0" bIns="0" rtlCol="0" anchor="t">
             <a:spAutoFit/>
           </a:bodyPr>
           <a:lstStyle/>
@@ -4499,12 +4515,12 @@
       </p:sp>
       <p:sp>
         <p:nvSpPr>
-          <p:cNvPr name="TextBox 15" id="15"/>
-          <p:cNvSpPr txBox="true"/>
-          <p:nvPr/>
-        </p:nvSpPr>
-        <p:spPr>
-          <a:xfrm rot="0">
+          <p:cNvPr id="15" name="TextBox 15"/>
+          <p:cNvSpPr txBox="1"/>
+          <p:nvPr/>
+        </p:nvSpPr>
+        <p:spPr>
+          <a:xfrm>
             <a:off x="7462654" y="2740119"/>
             <a:ext cx="2644080" cy="580390"/>
           </a:xfrm>
@@ -4513,7 +4529,7 @@
           </a:prstGeom>
         </p:spPr>
         <p:txBody>
-          <a:bodyPr anchor="t" rtlCol="false" tIns="0" lIns="0" bIns="0" rIns="0">
+          <a:bodyPr lIns="0" tIns="0" rIns="0" bIns="0" rtlCol="0" anchor="t">
             <a:spAutoFit/>
           </a:bodyPr>
           <a:lstStyle/>
@@ -4537,12 +4553,12 @@
       </p:sp>
       <p:sp>
         <p:nvSpPr>
-          <p:cNvPr name="TextBox 16" id="16"/>
-          <p:cNvSpPr txBox="true"/>
-          <p:nvPr/>
-        </p:nvSpPr>
-        <p:spPr>
-          <a:xfrm rot="0">
+          <p:cNvPr id="16" name="TextBox 16"/>
+          <p:cNvSpPr txBox="1"/>
+          <p:nvPr/>
+        </p:nvSpPr>
+        <p:spPr>
+          <a:xfrm>
             <a:off x="9519378" y="1882140"/>
             <a:ext cx="3694561" cy="580390"/>
           </a:xfrm>
@@ -4551,7 +4567,7 @@
           </a:prstGeom>
         </p:spPr>
         <p:txBody>
-          <a:bodyPr anchor="t" rtlCol="false" tIns="0" lIns="0" bIns="0" rIns="0">
+          <a:bodyPr lIns="0" tIns="0" rIns="0" bIns="0" rtlCol="0" anchor="t">
             <a:spAutoFit/>
           </a:bodyPr>
           <a:lstStyle/>
@@ -4575,12 +4591,12 @@
       </p:sp>
       <p:sp>
         <p:nvSpPr>
-          <p:cNvPr name="TextBox 17" id="17"/>
-          <p:cNvSpPr txBox="true"/>
-          <p:nvPr/>
-        </p:nvSpPr>
-        <p:spPr>
-          <a:xfrm rot="0">
+          <p:cNvPr id="17" name="TextBox 17"/>
+          <p:cNvSpPr txBox="1"/>
+          <p:nvPr/>
+        </p:nvSpPr>
+        <p:spPr>
+          <a:xfrm>
             <a:off x="12192237" y="2740119"/>
             <a:ext cx="2043405" cy="580390"/>
           </a:xfrm>
@@ -4589,7 +4605,7 @@
           </a:prstGeom>
         </p:spPr>
         <p:txBody>
-          <a:bodyPr anchor="t" rtlCol="false" tIns="0" lIns="0" bIns="0" rIns="0">
+          <a:bodyPr lIns="0" tIns="0" rIns="0" bIns="0" rtlCol="0" anchor="t">
             <a:spAutoFit/>
           </a:bodyPr>
           <a:lstStyle/>
@@ -4613,7 +4629,7 @@
       </p:sp>
       <p:sp>
         <p:nvSpPr>
-          <p:cNvPr name="AutoShape 18" id="18"/>
+          <p:cNvPr id="18" name="AutoShape 18"/>
           <p:cNvSpPr/>
           <p:nvPr/>
         </p:nvSpPr>
@@ -4625,19 +4641,19 @@
           <a:prstGeom prst="line">
             <a:avLst/>
           </a:prstGeom>
-          <a:ln cap="flat" w="47625">
+          <a:ln w="47625" cap="flat">
             <a:solidFill>
               <a:srgbClr val="000000"/>
             </a:solidFill>
             <a:prstDash val="solid"/>
-            <a:headEnd type="none" len="sm" w="sm"/>
-            <a:tailEnd type="triangle" len="med" w="lg"/>
+            <a:headEnd type="none" w="sm" len="sm"/>
+            <a:tailEnd type="triangle" w="lg" len="med"/>
           </a:ln>
         </p:spPr>
       </p:sp>
       <p:sp>
         <p:nvSpPr>
-          <p:cNvPr name="AutoShape 19" id="19"/>
+          <p:cNvPr id="19" name="AutoShape 19"/>
           <p:cNvSpPr/>
           <p:nvPr/>
         </p:nvSpPr>
@@ -4649,24 +4665,24 @@
           <a:prstGeom prst="line">
             <a:avLst/>
           </a:prstGeom>
-          <a:ln cap="flat" w="47625">
+          <a:ln w="47625" cap="flat">
             <a:solidFill>
               <a:srgbClr val="000000"/>
             </a:solidFill>
             <a:prstDash val="solid"/>
-            <a:headEnd type="none" len="sm" w="sm"/>
-            <a:tailEnd type="triangle" len="med" w="lg"/>
+            <a:headEnd type="none" w="sm" len="sm"/>
+            <a:tailEnd type="triangle" w="lg" len="med"/>
           </a:ln>
         </p:spPr>
       </p:sp>
       <p:sp>
         <p:nvSpPr>
-          <p:cNvPr name="TextBox 20" id="20"/>
-          <p:cNvSpPr txBox="true"/>
-          <p:nvPr/>
-        </p:nvSpPr>
-        <p:spPr>
-          <a:xfrm rot="0">
+          <p:cNvPr id="20" name="TextBox 20"/>
+          <p:cNvSpPr txBox="1"/>
+          <p:nvPr/>
+        </p:nvSpPr>
+        <p:spPr>
+          <a:xfrm>
             <a:off x="4553228" y="5771249"/>
             <a:ext cx="2043405" cy="580390"/>
           </a:xfrm>
@@ -4675,7 +4691,7 @@
           </a:prstGeom>
         </p:spPr>
         <p:txBody>
-          <a:bodyPr anchor="t" rtlCol="false" tIns="0" lIns="0" bIns="0" rIns="0">
+          <a:bodyPr lIns="0" tIns="0" rIns="0" bIns="0" rtlCol="0" anchor="t">
             <a:spAutoFit/>
           </a:bodyPr>
           <a:lstStyle/>
@@ -4699,8 +4715,8 @@
       </p:sp>
       <p:sp>
         <p:nvSpPr>
-          <p:cNvPr name="TextBox 21" id="21"/>
-          <p:cNvSpPr txBox="true"/>
+          <p:cNvPr id="21" name="TextBox 21"/>
+          <p:cNvSpPr txBox="1"/>
           <p:nvPr/>
         </p:nvSpPr>
         <p:spPr>
@@ -4713,7 +4729,7 @@
           </a:prstGeom>
         </p:spPr>
         <p:txBody>
-          <a:bodyPr anchor="t" rtlCol="false" tIns="0" lIns="0" bIns="0" rIns="0">
+          <a:bodyPr lIns="0" tIns="0" rIns="0" bIns="0" rtlCol="0" anchor="t">
             <a:spAutoFit/>
           </a:bodyPr>
           <a:lstStyle/>
@@ -4737,8 +4753,8 @@
       </p:sp>
       <p:sp>
         <p:nvSpPr>
-          <p:cNvPr name="TextBox 22" id="22"/>
-          <p:cNvSpPr txBox="true"/>
+          <p:cNvPr id="22" name="TextBox 22"/>
+          <p:cNvSpPr txBox="1"/>
           <p:nvPr/>
         </p:nvSpPr>
         <p:spPr>
@@ -4751,7 +4767,7 @@
           </a:prstGeom>
         </p:spPr>
         <p:txBody>
-          <a:bodyPr anchor="t" rtlCol="false" tIns="0" lIns="0" bIns="0" rIns="0">
+          <a:bodyPr lIns="0" tIns="0" rIns="0" bIns="0" rtlCol="0" anchor="t">
             <a:spAutoFit/>
           </a:bodyPr>
           <a:lstStyle/>
@@ -4775,21 +4791,21 @@
       </p:sp>
       <p:pic>
         <p:nvPicPr>
-          <p:cNvPr name="Picture 23" id="23"/>
+          <p:cNvPr id="23" name="Picture 23"/>
           <p:cNvPicPr>
-            <a:picLocks noChangeAspect="true"/>
+            <a:picLocks noChangeAspect="1"/>
           </p:cNvPicPr>
           <p:nvPr/>
         </p:nvPicPr>
         <p:blipFill>
           <a:blip r:embed="rId5"/>
-          <a:srcRect l="0" t="1201" r="0" b="3875"/>
+          <a:srcRect t="1201" b="3875"/>
           <a:stretch>
             <a:fillRect/>
           </a:stretch>
         </p:blipFill>
         <p:spPr>
-          <a:xfrm flipH="false" flipV="false" rot="0">
+          <a:xfrm>
             <a:off x="1183655" y="7100589"/>
             <a:ext cx="2687937" cy="1913610"/>
           </a:xfrm>
@@ -4800,7 +4816,7 @@
       </p:pic>
       <p:sp>
         <p:nvSpPr>
-          <p:cNvPr name="AutoShape 24" id="24"/>
+          <p:cNvPr id="24" name="AutoShape 24"/>
           <p:cNvSpPr/>
           <p:nvPr/>
         </p:nvSpPr>
@@ -4812,24 +4828,24 @@
           <a:prstGeom prst="line">
             <a:avLst/>
           </a:prstGeom>
-          <a:ln cap="flat" w="47625">
+          <a:ln w="47625" cap="flat">
             <a:solidFill>
               <a:srgbClr val="000000"/>
             </a:solidFill>
             <a:prstDash val="solid"/>
-            <a:headEnd type="none" len="sm" w="sm"/>
-            <a:tailEnd type="triangle" len="med" w="lg"/>
+            <a:headEnd type="none" w="sm" len="sm"/>
+            <a:tailEnd type="triangle" w="lg" len="med"/>
           </a:ln>
         </p:spPr>
       </p:sp>
       <p:sp>
         <p:nvSpPr>
-          <p:cNvPr name="TextBox 25" id="25"/>
-          <p:cNvSpPr txBox="true"/>
-          <p:nvPr/>
-        </p:nvSpPr>
-        <p:spPr>
-          <a:xfrm rot="0">
+          <p:cNvPr id="25" name="TextBox 25"/>
+          <p:cNvSpPr txBox="1"/>
+          <p:nvPr/>
+        </p:nvSpPr>
+        <p:spPr>
+          <a:xfrm>
             <a:off x="155074" y="5771249"/>
             <a:ext cx="2673282" cy="580390"/>
           </a:xfrm>
@@ -4838,7 +4854,7 @@
           </a:prstGeom>
         </p:spPr>
         <p:txBody>
-          <a:bodyPr anchor="t" rtlCol="false" tIns="0" lIns="0" bIns="0" rIns="0">
+          <a:bodyPr lIns="0" tIns="0" rIns="0" bIns="0" rtlCol="0" anchor="t">
             <a:spAutoFit/>
           </a:bodyPr>
           <a:lstStyle/>
@@ -4869,13 +4885,14 @@
 </file>
 
 <file path=ppt/slides/slide13.xml><?xml version="1.0" encoding="utf-8"?>
-<p:sld xmlns:p="http://schemas.openxmlformats.org/presentationml/2006/main" xmlns:a="http://schemas.openxmlformats.org/drawingml/2006/main">
+<p:sld xmlns:a="http://schemas.openxmlformats.org/drawingml/2006/main" xmlns:r="http://schemas.openxmlformats.org/officeDocument/2006/relationships" xmlns:p="http://schemas.openxmlformats.org/presentationml/2006/main">
   <p:cSld>
     <p:bg>
       <p:bgPr>
         <a:solidFill>
           <a:srgbClr val="FBF3E4"/>
         </a:solidFill>
+        <a:effectLst/>
       </p:bgPr>
     </p:bg>
     <p:spTree>
@@ -4894,12 +4911,12 @@
       </p:grpSpPr>
       <p:sp>
         <p:nvSpPr>
-          <p:cNvPr name="TextBox 2" id="2"/>
-          <p:cNvSpPr txBox="true"/>
-          <p:nvPr/>
-        </p:nvSpPr>
-        <p:spPr>
-          <a:xfrm rot="0">
+          <p:cNvPr id="2" name="TextBox 2"/>
+          <p:cNvSpPr txBox="1"/>
+          <p:nvPr/>
+        </p:nvSpPr>
+        <p:spPr>
+          <a:xfrm>
             <a:off x="5233913" y="4114800"/>
             <a:ext cx="7820174" cy="1028700"/>
           </a:xfrm>
@@ -4908,7 +4925,7 @@
           </a:prstGeom>
         </p:spPr>
         <p:txBody>
-          <a:bodyPr anchor="t" rtlCol="false" tIns="0" lIns="0" bIns="0" rIns="0">
+          <a:bodyPr lIns="0" tIns="0" rIns="0" bIns="0" rtlCol="0" anchor="t">
             <a:spAutoFit/>
           </a:bodyPr>
           <a:lstStyle/>
@@ -4939,13 +4956,14 @@
 </file>
 
 <file path=ppt/slides/slide14.xml><?xml version="1.0" encoding="utf-8"?>
-<p:sld xmlns:p="http://schemas.openxmlformats.org/presentationml/2006/main" xmlns:a="http://schemas.openxmlformats.org/drawingml/2006/main" xmlns:r="http://schemas.openxmlformats.org/officeDocument/2006/relationships">
+<p:sld xmlns:a="http://schemas.openxmlformats.org/drawingml/2006/main" xmlns:r="http://schemas.openxmlformats.org/officeDocument/2006/relationships" xmlns:p="http://schemas.openxmlformats.org/presentationml/2006/main">
   <p:cSld>
     <p:bg>
       <p:bgPr>
         <a:solidFill>
           <a:srgbClr val="FBF3E4"/>
         </a:solidFill>
+        <a:effectLst/>
       </p:bgPr>
     </p:bg>
     <p:spTree>
@@ -4964,21 +4982,21 @@
       </p:grpSpPr>
       <p:pic>
         <p:nvPicPr>
-          <p:cNvPr name="Picture 2" id="2"/>
+          <p:cNvPr id="2" name="Picture 2"/>
           <p:cNvPicPr>
-            <a:picLocks noChangeAspect="true"/>
+            <a:picLocks noChangeAspect="1"/>
           </p:cNvPicPr>
           <p:nvPr/>
         </p:nvPicPr>
         <p:blipFill>
           <a:blip r:embed="rId2"/>
-          <a:srcRect l="0" t="0" r="0" b="0"/>
+          <a:srcRect/>
           <a:stretch>
             <a:fillRect/>
           </a:stretch>
         </p:blipFill>
         <p:spPr>
-          <a:xfrm flipH="false" flipV="false" rot="0">
+          <a:xfrm>
             <a:off x="1644952" y="1235985"/>
             <a:ext cx="15614348" cy="7225789"/>
           </a:xfrm>
@@ -4996,13 +5014,14 @@
 </file>
 
 <file path=ppt/slides/slide15.xml><?xml version="1.0" encoding="utf-8"?>
-<p:sld xmlns:p="http://schemas.openxmlformats.org/presentationml/2006/main" xmlns:a="http://schemas.openxmlformats.org/drawingml/2006/main" xmlns:r="http://schemas.openxmlformats.org/officeDocument/2006/relationships">
+<p:sld xmlns:a="http://schemas.openxmlformats.org/drawingml/2006/main" xmlns:r="http://schemas.openxmlformats.org/officeDocument/2006/relationships" xmlns:p="http://schemas.openxmlformats.org/presentationml/2006/main">
   <p:cSld>
     <p:bg>
       <p:bgPr>
         <a:solidFill>
           <a:srgbClr val="FBF3E4"/>
         </a:solidFill>
+        <a:effectLst/>
       </p:bgPr>
     </p:bg>
     <p:spTree>
@@ -5021,21 +5040,21 @@
       </p:grpSpPr>
       <p:pic>
         <p:nvPicPr>
-          <p:cNvPr name="Picture 2" id="2"/>
+          <p:cNvPr id="2" name="Picture 2"/>
           <p:cNvPicPr>
-            <a:picLocks noChangeAspect="true"/>
+            <a:picLocks noChangeAspect="1"/>
           </p:cNvPicPr>
           <p:nvPr/>
         </p:nvPicPr>
         <p:blipFill>
           <a:blip r:embed="rId2"/>
-          <a:srcRect l="0" t="0" r="0" b="0"/>
+          <a:srcRect/>
           <a:stretch>
             <a:fillRect/>
           </a:stretch>
         </p:blipFill>
         <p:spPr>
-          <a:xfrm flipH="false" flipV="false" rot="0">
+          <a:xfrm>
             <a:off x="1789535" y="1724456"/>
             <a:ext cx="14708929" cy="6838087"/>
           </a:xfrm>
@@ -5053,13 +5072,14 @@
 </file>
 
 <file path=ppt/slides/slide16.xml><?xml version="1.0" encoding="utf-8"?>
-<p:sld xmlns:p="http://schemas.openxmlformats.org/presentationml/2006/main" xmlns:a="http://schemas.openxmlformats.org/drawingml/2006/main" xmlns:r="http://schemas.openxmlformats.org/officeDocument/2006/relationships">
+<p:sld xmlns:a="http://schemas.openxmlformats.org/drawingml/2006/main" xmlns:r="http://schemas.openxmlformats.org/officeDocument/2006/relationships" xmlns:p="http://schemas.openxmlformats.org/presentationml/2006/main">
   <p:cSld>
     <p:bg>
       <p:bgPr>
         <a:solidFill>
           <a:srgbClr val="FBF3E4"/>
         </a:solidFill>
+        <a:effectLst/>
       </p:bgPr>
     </p:bg>
     <p:spTree>
@@ -5078,21 +5098,21 @@
       </p:grpSpPr>
       <p:pic>
         <p:nvPicPr>
-          <p:cNvPr name="Picture 2" id="2"/>
+          <p:cNvPr id="2" name="Picture 2"/>
           <p:cNvPicPr>
-            <a:picLocks noChangeAspect="true"/>
+            <a:picLocks noChangeAspect="1"/>
           </p:cNvPicPr>
           <p:nvPr/>
         </p:nvPicPr>
         <p:blipFill>
           <a:blip r:embed="rId2"/>
-          <a:srcRect l="0" t="0" r="0" b="0"/>
+          <a:srcRect/>
           <a:stretch>
             <a:fillRect/>
           </a:stretch>
         </p:blipFill>
         <p:spPr>
-          <a:xfrm flipH="false" flipV="false" rot="0">
+          <a:xfrm>
             <a:off x="307720" y="1028700"/>
             <a:ext cx="17259300" cy="8023738"/>
           </a:xfrm>
@@ -5110,13 +5130,14 @@
 </file>
 
 <file path=ppt/slides/slide17.xml><?xml version="1.0" encoding="utf-8"?>
-<p:sld xmlns:p="http://schemas.openxmlformats.org/presentationml/2006/main" xmlns:a="http://schemas.openxmlformats.org/drawingml/2006/main" xmlns:r="http://schemas.openxmlformats.org/officeDocument/2006/relationships">
+<p:sld xmlns:a="http://schemas.openxmlformats.org/drawingml/2006/main" xmlns:r="http://schemas.openxmlformats.org/officeDocument/2006/relationships" xmlns:p="http://schemas.openxmlformats.org/presentationml/2006/main">
   <p:cSld>
     <p:bg>
       <p:bgPr>
         <a:solidFill>
           <a:srgbClr val="FBF3E4"/>
         </a:solidFill>
+        <a:effectLst/>
       </p:bgPr>
     </p:bg>
     <p:spTree>
@@ -5135,21 +5156,21 @@
       </p:grpSpPr>
       <p:pic>
         <p:nvPicPr>
-          <p:cNvPr name="Picture 2" id="2"/>
+          <p:cNvPr id="2" name="Picture 2"/>
           <p:cNvPicPr>
-            <a:picLocks noChangeAspect="true"/>
+            <a:picLocks noChangeAspect="1"/>
           </p:cNvPicPr>
           <p:nvPr/>
         </p:nvPicPr>
         <p:blipFill>
           <a:blip r:embed="rId2"/>
-          <a:srcRect l="0" t="0" r="0" b="0"/>
+          <a:srcRect/>
           <a:stretch>
             <a:fillRect/>
           </a:stretch>
         </p:blipFill>
         <p:spPr>
-          <a:xfrm flipH="false" flipV="false" rot="0">
+          <a:xfrm>
             <a:off x="1083840" y="1413532"/>
             <a:ext cx="16729366" cy="7741781"/>
           </a:xfrm>
@@ -5167,13 +5188,14 @@
 </file>
 
 <file path=ppt/slides/slide18.xml><?xml version="1.0" encoding="utf-8"?>
-<p:sld xmlns:p="http://schemas.openxmlformats.org/presentationml/2006/main" xmlns:a="http://schemas.openxmlformats.org/drawingml/2006/main">
+<p:sld xmlns:a="http://schemas.openxmlformats.org/drawingml/2006/main" xmlns:r="http://schemas.openxmlformats.org/officeDocument/2006/relationships" xmlns:p="http://schemas.openxmlformats.org/presentationml/2006/main">
   <p:cSld>
     <p:bg>
       <p:bgPr>
         <a:solidFill>
           <a:srgbClr val="FBF3E4"/>
         </a:solidFill>
+        <a:effectLst/>
       </p:bgPr>
     </p:bg>
     <p:spTree>
@@ -5192,12 +5214,12 @@
       </p:grpSpPr>
       <p:sp>
         <p:nvSpPr>
-          <p:cNvPr name="TextBox 2" id="2"/>
-          <p:cNvSpPr txBox="true"/>
-          <p:nvPr/>
-        </p:nvSpPr>
-        <p:spPr>
-          <a:xfrm rot="0">
+          <p:cNvPr id="2" name="TextBox 2"/>
+          <p:cNvSpPr txBox="1"/>
+          <p:nvPr/>
+        </p:nvSpPr>
+        <p:spPr>
+          <a:xfrm>
             <a:off x="5272013" y="914400"/>
             <a:ext cx="7743974" cy="1028700"/>
           </a:xfrm>
@@ -5206,7 +5228,7 @@
           </a:prstGeom>
         </p:spPr>
         <p:txBody>
-          <a:bodyPr anchor="t" rtlCol="false" tIns="0" lIns="0" bIns="0" rIns="0">
+          <a:bodyPr lIns="0" tIns="0" rIns="0" bIns="0" rtlCol="0" anchor="t">
             <a:spAutoFit/>
           </a:bodyPr>
           <a:lstStyle/>
@@ -5230,12 +5252,12 @@
       </p:sp>
       <p:sp>
         <p:nvSpPr>
-          <p:cNvPr name="TextBox 3" id="3"/>
-          <p:cNvSpPr txBox="true"/>
-          <p:nvPr/>
-        </p:nvSpPr>
-        <p:spPr>
-          <a:xfrm rot="0">
+          <p:cNvPr id="3" name="TextBox 3"/>
+          <p:cNvSpPr txBox="1"/>
+          <p:nvPr/>
+        </p:nvSpPr>
+        <p:spPr>
+          <a:xfrm>
             <a:off x="1028700" y="2077794"/>
             <a:ext cx="16230600" cy="12321168"/>
           </a:xfrm>
@@ -5244,12 +5266,12 @@
           </a:prstGeom>
         </p:spPr>
         <p:txBody>
-          <a:bodyPr anchor="t" rtlCol="false" tIns="0" lIns="0" bIns="0" rIns="0">
+          <a:bodyPr lIns="0" tIns="0" rIns="0" bIns="0" rtlCol="0" anchor="t">
             <a:spAutoFit/>
           </a:bodyPr>
           <a:lstStyle/>
           <a:p>
-            <a:pPr algn="just" marL="1249982" indent="-624991" lvl="1">
+            <a:pPr marL="1249982" lvl="1" indent="-624991" algn="just">
               <a:lnSpc>
                 <a:spcPts val="8105"/>
               </a:lnSpc>
@@ -5267,7 +5289,7 @@
             </a:r>
           </a:p>
           <a:p>
-            <a:pPr algn="just" marL="1249982" indent="-624991" lvl="1">
+            <a:pPr marL="1249982" lvl="1" indent="-624991" algn="just">
               <a:lnSpc>
                 <a:spcPts val="8105"/>
               </a:lnSpc>
@@ -5285,7 +5307,7 @@
             </a:r>
           </a:p>
           <a:p>
-            <a:pPr algn="just" marL="1249982" indent="-624991" lvl="1">
+            <a:pPr marL="1249982" lvl="1" indent="-624991" algn="just">
               <a:lnSpc>
                 <a:spcPts val="8105"/>
               </a:lnSpc>
@@ -5372,6 +5394,12 @@
                 <a:spcPts val="8105"/>
               </a:lnSpc>
             </a:pPr>
+            <a:endParaRPr lang="en-US" sz="5789">
+              <a:solidFill>
+                <a:srgbClr val="000000"/>
+              </a:solidFill>
+              <a:latin typeface="Open Sans Light"/>
+            </a:endParaRPr>
           </a:p>
           <a:p>
             <a:pPr algn="just">
@@ -5379,6 +5407,12 @@
                 <a:spcPts val="8105"/>
               </a:lnSpc>
             </a:pPr>
+            <a:endParaRPr lang="en-US" sz="5789">
+              <a:solidFill>
+                <a:srgbClr val="000000"/>
+              </a:solidFill>
+              <a:latin typeface="Open Sans Light"/>
+            </a:endParaRPr>
           </a:p>
           <a:p>
             <a:pPr algn="just">
@@ -5386,6 +5420,12 @@
                 <a:spcPts val="8105"/>
               </a:lnSpc>
             </a:pPr>
+            <a:endParaRPr lang="en-US" sz="5789">
+              <a:solidFill>
+                <a:srgbClr val="000000"/>
+              </a:solidFill>
+              <a:latin typeface="Open Sans Light"/>
+            </a:endParaRPr>
           </a:p>
           <a:p>
             <a:pPr algn="just">
@@ -5393,6 +5433,12 @@
                 <a:spcPts val="8105"/>
               </a:lnSpc>
             </a:pPr>
+            <a:endParaRPr lang="en-US" sz="5789">
+              <a:solidFill>
+                <a:srgbClr val="000000"/>
+              </a:solidFill>
+              <a:latin typeface="Open Sans Light"/>
+            </a:endParaRPr>
           </a:p>
           <a:p>
             <a:pPr algn="just">
@@ -5400,6 +5446,12 @@
                 <a:spcPts val="8105"/>
               </a:lnSpc>
             </a:pPr>
+            <a:endParaRPr lang="en-US" sz="5789">
+              <a:solidFill>
+                <a:srgbClr val="000000"/>
+              </a:solidFill>
+              <a:latin typeface="Open Sans Light"/>
+            </a:endParaRPr>
           </a:p>
         </p:txBody>
       </p:sp>
@@ -5412,13 +5464,14 @@
 </file>
 
 <file path=ppt/slides/slide19.xml><?xml version="1.0" encoding="utf-8"?>
-<p:sld xmlns:p="http://schemas.openxmlformats.org/presentationml/2006/main" xmlns:a="http://schemas.openxmlformats.org/drawingml/2006/main">
+<p:sld xmlns:a="http://schemas.openxmlformats.org/drawingml/2006/main" xmlns:r="http://schemas.openxmlformats.org/officeDocument/2006/relationships" xmlns:p="http://schemas.openxmlformats.org/presentationml/2006/main">
   <p:cSld>
     <p:bg>
       <p:bgPr>
         <a:solidFill>
           <a:srgbClr val="FBF3E4"/>
         </a:solidFill>
+        <a:effectLst/>
       </p:bgPr>
     </p:bg>
     <p:spTree>
@@ -5437,12 +5490,12 @@
       </p:grpSpPr>
       <p:sp>
         <p:nvSpPr>
-          <p:cNvPr name="TextBox 2" id="2"/>
-          <p:cNvSpPr txBox="true"/>
-          <p:nvPr/>
-        </p:nvSpPr>
-        <p:spPr>
-          <a:xfrm rot="0">
+          <p:cNvPr id="2" name="TextBox 2"/>
+          <p:cNvSpPr txBox="1"/>
+          <p:nvPr/>
+        </p:nvSpPr>
+        <p:spPr>
+          <a:xfrm>
             <a:off x="4413126" y="4114800"/>
             <a:ext cx="9461748" cy="1028700"/>
           </a:xfrm>
@@ -5451,7 +5504,7 @@
           </a:prstGeom>
         </p:spPr>
         <p:txBody>
-          <a:bodyPr anchor="t" rtlCol="false" tIns="0" lIns="0" bIns="0" rIns="0">
+          <a:bodyPr lIns="0" tIns="0" rIns="0" bIns="0" rtlCol="0" anchor="t">
             <a:spAutoFit/>
           </a:bodyPr>
           <a:lstStyle/>
@@ -5482,13 +5535,14 @@
 </file>
 
 <file path=ppt/slides/slide2.xml><?xml version="1.0" encoding="utf-8"?>
-<p:sld xmlns:p="http://schemas.openxmlformats.org/presentationml/2006/main" xmlns:a="http://schemas.openxmlformats.org/drawingml/2006/main">
+<p:sld xmlns:a="http://schemas.openxmlformats.org/drawingml/2006/main" xmlns:r="http://schemas.openxmlformats.org/officeDocument/2006/relationships" xmlns:p="http://schemas.openxmlformats.org/presentationml/2006/main">
   <p:cSld>
     <p:bg>
       <p:bgPr>
         <a:solidFill>
           <a:srgbClr val="FBF3E4"/>
         </a:solidFill>
+        <a:effectLst/>
       </p:bgPr>
     </p:bg>
     <p:spTree>
@@ -5507,36 +5561,36 @@
       </p:grpSpPr>
       <p:sp>
         <p:nvSpPr>
-          <p:cNvPr name="AutoShape 2" id="2"/>
+          <p:cNvPr id="2" name="AutoShape 2"/>
           <p:cNvSpPr/>
           <p:nvPr/>
         </p:nvSpPr>
         <p:spPr>
-          <a:xfrm rot="0">
+          <a:xfrm>
             <a:off x="15992183" y="9097962"/>
             <a:ext cx="1267117" cy="0"/>
           </a:xfrm>
           <a:prstGeom prst="line">
             <a:avLst/>
           </a:prstGeom>
-          <a:ln cap="flat" w="19050">
+          <a:ln w="19050" cap="flat">
             <a:solidFill>
               <a:srgbClr val="000000"/>
             </a:solidFill>
             <a:prstDash val="solid"/>
-            <a:headEnd type="none" len="sm" w="sm"/>
-            <a:tailEnd type="arrow" len="sm" w="med"/>
+            <a:headEnd type="none" w="sm" len="sm"/>
+            <a:tailEnd type="arrow" w="med" len="sm"/>
           </a:ln>
         </p:spPr>
       </p:sp>
       <p:grpSp>
         <p:nvGrpSpPr>
-          <p:cNvPr name="Group 3" id="3"/>
+          <p:cNvPr id="3" name="Group 3"/>
           <p:cNvGrpSpPr/>
           <p:nvPr/>
         </p:nvGrpSpPr>
         <p:grpSpPr>
-          <a:xfrm rot="0">
+          <a:xfrm>
             <a:off x="16981873" y="1121493"/>
             <a:ext cx="277427" cy="277427"/>
             <a:chOff x="0" y="0"/>
@@ -5545,7 +5599,7 @@
         </p:grpSpPr>
         <p:sp>
           <p:nvSpPr>
-            <p:cNvPr name="Freeform 4" id="4"/>
+            <p:cNvPr id="4" name="Freeform 4"/>
             <p:cNvSpPr/>
             <p:nvPr/>
           </p:nvSpPr>
@@ -5559,9 +5613,9 @@
               <a:gdLst/>
               <a:ahLst/>
               <a:cxnLst/>
-              <a:rect r="r" b="b" t="t" l="l"/>
+              <a:rect l="l" t="t" r="r" b="b"/>
               <a:pathLst>
-                <a:path h="6350000" w="6321665">
+                <a:path w="6321665" h="6350000">
                   <a:moveTo>
                     <a:pt x="3160833" y="0"/>
                   </a:moveTo>
@@ -5600,12 +5654,12 @@
       </p:grpSp>
       <p:grpSp>
         <p:nvGrpSpPr>
-          <p:cNvPr name="Group 5" id="5"/>
+          <p:cNvPr id="5" name="Group 5"/>
           <p:cNvGrpSpPr/>
           <p:nvPr/>
         </p:nvGrpSpPr>
         <p:grpSpPr>
-          <a:xfrm rot="0">
+          <a:xfrm>
             <a:off x="16575495" y="1121493"/>
             <a:ext cx="277427" cy="277427"/>
             <a:chOff x="0" y="0"/>
@@ -5614,7 +5668,7 @@
         </p:grpSpPr>
         <p:sp>
           <p:nvSpPr>
-            <p:cNvPr name="Freeform 6" id="6"/>
+            <p:cNvPr id="6" name="Freeform 6"/>
             <p:cNvSpPr/>
             <p:nvPr/>
           </p:nvSpPr>
@@ -5628,9 +5682,9 @@
               <a:gdLst/>
               <a:ahLst/>
               <a:cxnLst/>
-              <a:rect r="r" b="b" t="t" l="l"/>
+              <a:rect l="l" t="t" r="r" b="b"/>
               <a:pathLst>
-                <a:path h="6350000" w="6321665">
+                <a:path w="6321665" h="6350000">
                   <a:moveTo>
                     <a:pt x="3160833" y="0"/>
                   </a:moveTo>
@@ -5669,12 +5723,12 @@
       </p:grpSp>
       <p:grpSp>
         <p:nvGrpSpPr>
-          <p:cNvPr name="Group 7" id="7"/>
+          <p:cNvPr id="7" name="Group 7"/>
           <p:cNvGrpSpPr/>
           <p:nvPr/>
         </p:nvGrpSpPr>
         <p:grpSpPr>
-          <a:xfrm rot="0">
+          <a:xfrm>
             <a:off x="16169118" y="1121493"/>
             <a:ext cx="277427" cy="277427"/>
             <a:chOff x="0" y="0"/>
@@ -5683,7 +5737,7 @@
         </p:grpSpPr>
         <p:sp>
           <p:nvSpPr>
-            <p:cNvPr name="Freeform 8" id="8"/>
+            <p:cNvPr id="8" name="Freeform 8"/>
             <p:cNvSpPr/>
             <p:nvPr/>
           </p:nvSpPr>
@@ -5697,9 +5751,9 @@
               <a:gdLst/>
               <a:ahLst/>
               <a:cxnLst/>
-              <a:rect r="r" b="b" t="t" l="l"/>
+              <a:rect l="l" t="t" r="r" b="b"/>
               <a:pathLst>
-                <a:path h="6350000" w="6321665">
+                <a:path w="6321665" h="6350000">
                   <a:moveTo>
                     <a:pt x="3160833" y="0"/>
                   </a:moveTo>
@@ -5738,12 +5792,12 @@
       </p:grpSp>
       <p:sp>
         <p:nvSpPr>
-          <p:cNvPr name="TextBox 9" id="9"/>
-          <p:cNvSpPr txBox="true"/>
-          <p:nvPr/>
-        </p:nvSpPr>
-        <p:spPr>
-          <a:xfrm rot="0">
+          <p:cNvPr id="9" name="TextBox 9"/>
+          <p:cNvSpPr txBox="1"/>
+          <p:nvPr/>
+        </p:nvSpPr>
+        <p:spPr>
+          <a:xfrm>
             <a:off x="1028700" y="2711238"/>
             <a:ext cx="15235074" cy="2089150"/>
           </a:xfrm>
@@ -5752,7 +5806,7 @@
           </a:prstGeom>
         </p:spPr>
         <p:txBody>
-          <a:bodyPr anchor="t" rtlCol="false" tIns="0" lIns="0" bIns="0" rIns="0">
+          <a:bodyPr lIns="0" tIns="0" rIns="0" bIns="0" rtlCol="0" anchor="t">
             <a:spAutoFit/>
           </a:bodyPr>
           <a:lstStyle/>
@@ -5808,12 +5862,12 @@
       </p:sp>
       <p:sp>
         <p:nvSpPr>
-          <p:cNvPr name="TextBox 10" id="10"/>
-          <p:cNvSpPr txBox="true"/>
-          <p:nvPr/>
-        </p:nvSpPr>
-        <p:spPr>
-          <a:xfrm rot="0">
+          <p:cNvPr id="10" name="TextBox 10"/>
+          <p:cNvSpPr txBox="1"/>
+          <p:nvPr/>
+        </p:nvSpPr>
+        <p:spPr>
+          <a:xfrm>
             <a:off x="232285" y="180975"/>
             <a:ext cx="10656317" cy="1533525"/>
           </a:xfrm>
@@ -5822,7 +5876,7 @@
           </a:prstGeom>
         </p:spPr>
         <p:txBody>
-          <a:bodyPr anchor="t" rtlCol="false" tIns="0" lIns="0" bIns="0" rIns="0">
+          <a:bodyPr lIns="0" tIns="0" rIns="0" bIns="0" rtlCol="0" anchor="t">
             <a:spAutoFit/>
           </a:bodyPr>
           <a:lstStyle/>
@@ -5853,13 +5907,14 @@
 </file>
 
 <file path=ppt/slides/slide20.xml><?xml version="1.0" encoding="utf-8"?>
-<p:sld xmlns:p="http://schemas.openxmlformats.org/presentationml/2006/main" xmlns:a="http://schemas.openxmlformats.org/drawingml/2006/main" xmlns:r="http://schemas.openxmlformats.org/officeDocument/2006/relationships">
+<p:sld xmlns:a="http://schemas.openxmlformats.org/drawingml/2006/main" xmlns:r="http://schemas.openxmlformats.org/officeDocument/2006/relationships" xmlns:p="http://schemas.openxmlformats.org/presentationml/2006/main">
   <p:cSld>
     <p:bg>
       <p:bgPr>
         <a:solidFill>
           <a:srgbClr val="FBF3E4"/>
         </a:solidFill>
+        <a:effectLst/>
       </p:bgPr>
     </p:bg>
     <p:spTree>
@@ -5878,21 +5933,21 @@
       </p:grpSpPr>
       <p:pic>
         <p:nvPicPr>
-          <p:cNvPr name="Picture 2" id="2"/>
+          <p:cNvPr id="2" name="Picture 2"/>
           <p:cNvPicPr>
-            <a:picLocks noChangeAspect="true"/>
+            <a:picLocks noChangeAspect="1"/>
           </p:cNvPicPr>
           <p:nvPr/>
         </p:nvPicPr>
         <p:blipFill>
           <a:blip r:embed="rId2"/>
-          <a:srcRect l="0" t="0" r="0" b="0"/>
+          <a:srcRect/>
           <a:stretch>
             <a:fillRect/>
           </a:stretch>
         </p:blipFill>
         <p:spPr>
-          <a:xfrm flipH="false" flipV="false" rot="0">
+          <a:xfrm>
             <a:off x="12187268" y="1603953"/>
             <a:ext cx="5708068" cy="6132096"/>
           </a:xfrm>
@@ -5903,12 +5958,12 @@
       </p:pic>
       <p:sp>
         <p:nvSpPr>
-          <p:cNvPr name="TextBox 3" id="3"/>
-          <p:cNvSpPr txBox="true"/>
-          <p:nvPr/>
-        </p:nvSpPr>
-        <p:spPr>
-          <a:xfrm rot="0">
+          <p:cNvPr id="3" name="TextBox 3"/>
+          <p:cNvSpPr txBox="1"/>
+          <p:nvPr/>
+        </p:nvSpPr>
+        <p:spPr>
+          <a:xfrm>
             <a:off x="176187" y="141605"/>
             <a:ext cx="2860774" cy="887095"/>
           </a:xfrm>
@@ -5917,7 +5972,7 @@
           </a:prstGeom>
         </p:spPr>
         <p:txBody>
-          <a:bodyPr anchor="t" rtlCol="false" tIns="0" lIns="0" bIns="0" rIns="0">
+          <a:bodyPr lIns="0" tIns="0" rIns="0" bIns="0" rtlCol="0" anchor="t">
             <a:spAutoFit/>
           </a:bodyPr>
           <a:lstStyle/>
@@ -5941,12 +5996,12 @@
       </p:sp>
       <p:sp>
         <p:nvSpPr>
-          <p:cNvPr name="TextBox 4" id="4"/>
-          <p:cNvSpPr txBox="true"/>
-          <p:nvPr/>
-        </p:nvSpPr>
-        <p:spPr>
-          <a:xfrm rot="0">
+          <p:cNvPr id="4" name="TextBox 4"/>
+          <p:cNvSpPr txBox="1"/>
+          <p:nvPr/>
+        </p:nvSpPr>
+        <p:spPr>
+          <a:xfrm>
             <a:off x="185712" y="2958021"/>
             <a:ext cx="11224130" cy="3580765"/>
           </a:xfrm>
@@ -5955,7 +6010,7 @@
           </a:prstGeom>
         </p:spPr>
         <p:txBody>
-          <a:bodyPr anchor="t" rtlCol="false" tIns="0" lIns="0" bIns="0" rIns="0">
+          <a:bodyPr lIns="0" tIns="0" rIns="0" bIns="0" rtlCol="0" anchor="t">
             <a:spAutoFit/>
           </a:bodyPr>
           <a:lstStyle/>
@@ -6027,13 +6082,14 @@
 </file>
 
 <file path=ppt/slides/slide21.xml><?xml version="1.0" encoding="utf-8"?>
-<p:sld xmlns:p="http://schemas.openxmlformats.org/presentationml/2006/main" xmlns:a="http://schemas.openxmlformats.org/drawingml/2006/main" xmlns:r="http://schemas.openxmlformats.org/officeDocument/2006/relationships">
+<p:sld xmlns:a="http://schemas.openxmlformats.org/drawingml/2006/main" xmlns:r="http://schemas.openxmlformats.org/officeDocument/2006/relationships" xmlns:p="http://schemas.openxmlformats.org/presentationml/2006/main">
   <p:cSld>
     <p:bg>
       <p:bgPr>
         <a:solidFill>
           <a:srgbClr val="FBF3E4"/>
         </a:solidFill>
+        <a:effectLst/>
       </p:bgPr>
     </p:bg>
     <p:spTree>
@@ -6052,12 +6108,12 @@
       </p:grpSpPr>
       <p:sp>
         <p:nvSpPr>
-          <p:cNvPr name="TextBox 2" id="2"/>
-          <p:cNvSpPr txBox="true"/>
-          <p:nvPr/>
-        </p:nvSpPr>
-        <p:spPr>
-          <a:xfrm rot="0">
+          <p:cNvPr id="2" name="TextBox 2"/>
+          <p:cNvSpPr txBox="1"/>
+          <p:nvPr/>
+        </p:nvSpPr>
+        <p:spPr>
+          <a:xfrm>
             <a:off x="304101" y="1827547"/>
             <a:ext cx="11224130" cy="7181215"/>
           </a:xfrm>
@@ -6066,7 +6122,7 @@
           </a:prstGeom>
         </p:spPr>
         <p:txBody>
-          <a:bodyPr anchor="t" rtlCol="false" tIns="0" lIns="0" bIns="0" rIns="0">
+          <a:bodyPr lIns="0" tIns="0" rIns="0" bIns="0" rtlCol="0" anchor="t">
             <a:spAutoFit/>
           </a:bodyPr>
           <a:lstStyle/>
@@ -6199,6 +6255,12 @@
                 <a:spcPts val="4759"/>
               </a:lnSpc>
             </a:pPr>
+            <a:endParaRPr lang="en-US" sz="3399">
+              <a:solidFill>
+                <a:srgbClr val="000000"/>
+              </a:solidFill>
+              <a:latin typeface="Arimo"/>
+            </a:endParaRPr>
           </a:p>
           <a:p>
             <a:pPr>
@@ -6206,26 +6268,32 @@
                 <a:spcPts val="4759"/>
               </a:lnSpc>
             </a:pPr>
+            <a:endParaRPr lang="en-US" sz="3399">
+              <a:solidFill>
+                <a:srgbClr val="000000"/>
+              </a:solidFill>
+              <a:latin typeface="Arimo"/>
+            </a:endParaRPr>
           </a:p>
         </p:txBody>
       </p:sp>
       <p:pic>
         <p:nvPicPr>
-          <p:cNvPr name="Picture 3" id="3"/>
+          <p:cNvPr id="3" name="Picture 3"/>
           <p:cNvPicPr>
-            <a:picLocks noChangeAspect="true"/>
+            <a:picLocks noChangeAspect="1"/>
           </p:cNvPicPr>
           <p:nvPr/>
         </p:nvPicPr>
         <p:blipFill>
           <a:blip r:embed="rId2"/>
-          <a:srcRect l="0" t="0" r="0" b="0"/>
+          <a:srcRect/>
           <a:stretch>
             <a:fillRect/>
           </a:stretch>
         </p:blipFill>
         <p:spPr>
-          <a:xfrm flipH="false" flipV="false" rot="0">
+          <a:xfrm>
             <a:off x="12440764" y="2249389"/>
             <a:ext cx="5245361" cy="5245361"/>
           </a:xfrm>
@@ -6236,12 +6304,12 @@
       </p:pic>
       <p:sp>
         <p:nvSpPr>
-          <p:cNvPr name="TextBox 4" id="4"/>
-          <p:cNvSpPr txBox="true"/>
-          <p:nvPr/>
-        </p:nvSpPr>
-        <p:spPr>
-          <a:xfrm rot="0">
+          <p:cNvPr id="4" name="TextBox 4"/>
+          <p:cNvSpPr txBox="1"/>
+          <p:nvPr/>
+        </p:nvSpPr>
+        <p:spPr>
+          <a:xfrm>
             <a:off x="177583" y="141605"/>
             <a:ext cx="6646426" cy="887095"/>
           </a:xfrm>
@@ -6250,7 +6318,7 @@
           </a:prstGeom>
         </p:spPr>
         <p:txBody>
-          <a:bodyPr anchor="t" rtlCol="false" tIns="0" lIns="0" bIns="0" rIns="0">
+          <a:bodyPr lIns="0" tIns="0" rIns="0" bIns="0" rtlCol="0" anchor="t">
             <a:spAutoFit/>
           </a:bodyPr>
           <a:lstStyle/>
@@ -6281,13 +6349,14 @@
 </file>
 
 <file path=ppt/slides/slide22.xml><?xml version="1.0" encoding="utf-8"?>
-<p:sld xmlns:p="http://schemas.openxmlformats.org/presentationml/2006/main" xmlns:a="http://schemas.openxmlformats.org/drawingml/2006/main" xmlns:r="http://schemas.openxmlformats.org/officeDocument/2006/relationships">
+<p:sld xmlns:a="http://schemas.openxmlformats.org/drawingml/2006/main" xmlns:r="http://schemas.openxmlformats.org/officeDocument/2006/relationships" xmlns:p="http://schemas.openxmlformats.org/presentationml/2006/main">
   <p:cSld>
     <p:bg>
       <p:bgPr>
         <a:solidFill>
           <a:srgbClr val="FBF3E4"/>
         </a:solidFill>
+        <a:effectLst/>
       </p:bgPr>
     </p:bg>
     <p:spTree>
@@ -6306,12 +6375,12 @@
       </p:grpSpPr>
       <p:sp>
         <p:nvSpPr>
-          <p:cNvPr name="TextBox 2" id="2"/>
-          <p:cNvSpPr txBox="true"/>
-          <p:nvPr/>
-        </p:nvSpPr>
-        <p:spPr>
-          <a:xfrm rot="0">
+          <p:cNvPr id="2" name="TextBox 2"/>
+          <p:cNvSpPr txBox="1"/>
+          <p:nvPr/>
+        </p:nvSpPr>
+        <p:spPr>
+          <a:xfrm>
             <a:off x="276241" y="1698478"/>
             <a:ext cx="9578093" cy="6581140"/>
           </a:xfrm>
@@ -6320,7 +6389,7 @@
           </a:prstGeom>
         </p:spPr>
         <p:txBody>
-          <a:bodyPr anchor="t" rtlCol="false" tIns="0" lIns="0" bIns="0" rIns="0">
+          <a:bodyPr lIns="0" tIns="0" rIns="0" bIns="0" rtlCol="0" anchor="t">
             <a:spAutoFit/>
           </a:bodyPr>
           <a:lstStyle/>
@@ -6394,26 +6463,32 @@
                 <a:spcPts val="4759"/>
               </a:lnSpc>
             </a:pPr>
+            <a:endParaRPr lang="en-US" sz="3399">
+              <a:solidFill>
+                <a:srgbClr val="000000"/>
+              </a:solidFill>
+              <a:latin typeface="Arimo"/>
+            </a:endParaRPr>
           </a:p>
         </p:txBody>
       </p:sp>
       <p:pic>
         <p:nvPicPr>
-          <p:cNvPr name="Picture 3" id="3"/>
+          <p:cNvPr id="3" name="Picture 3"/>
           <p:cNvPicPr>
-            <a:picLocks noChangeAspect="true"/>
+            <a:picLocks noChangeAspect="1"/>
           </p:cNvPicPr>
           <p:nvPr/>
         </p:nvPicPr>
         <p:blipFill>
           <a:blip r:embed="rId2"/>
-          <a:srcRect l="0" t="0" r="0" b="0"/>
+          <a:srcRect/>
           <a:stretch>
             <a:fillRect/>
           </a:stretch>
         </p:blipFill>
         <p:spPr>
-          <a:xfrm flipH="false" flipV="false" rot="0">
+          <a:xfrm>
             <a:off x="10282022" y="1922399"/>
             <a:ext cx="8005978" cy="6240881"/>
           </a:xfrm>
@@ -6424,12 +6499,12 @@
       </p:pic>
       <p:sp>
         <p:nvSpPr>
-          <p:cNvPr name="TextBox 4" id="4"/>
-          <p:cNvSpPr txBox="true"/>
-          <p:nvPr/>
-        </p:nvSpPr>
-        <p:spPr>
-          <a:xfrm rot="0">
+          <p:cNvPr id="4" name="TextBox 4"/>
+          <p:cNvSpPr txBox="1"/>
+          <p:nvPr/>
+        </p:nvSpPr>
+        <p:spPr>
+          <a:xfrm>
             <a:off x="0" y="141605"/>
             <a:ext cx="8639306" cy="887095"/>
           </a:xfrm>
@@ -6438,7 +6513,7 @@
           </a:prstGeom>
         </p:spPr>
         <p:txBody>
-          <a:bodyPr anchor="t" rtlCol="false" tIns="0" lIns="0" bIns="0" rIns="0">
+          <a:bodyPr lIns="0" tIns="0" rIns="0" bIns="0" rtlCol="0" anchor="t">
             <a:spAutoFit/>
           </a:bodyPr>
           <a:lstStyle/>
@@ -6469,7 +6544,7 @@
 </file>
 
 <file path=ppt/slides/slide23.xml><?xml version="1.0" encoding="utf-8"?>
-<p:sld xmlns:p="http://schemas.openxmlformats.org/presentationml/2006/main" xmlns:a="http://schemas.openxmlformats.org/drawingml/2006/main" xmlns:r="http://schemas.openxmlformats.org/officeDocument/2006/relationships">
+<p:sld xmlns:a="http://schemas.openxmlformats.org/drawingml/2006/main" xmlns:r="http://schemas.openxmlformats.org/officeDocument/2006/relationships" xmlns:p="http://schemas.openxmlformats.org/presentationml/2006/main">
   <p:cSld>
     <p:spTree>
       <p:nvGrpSpPr>
@@ -6487,21 +6562,21 @@
       </p:grpSpPr>
       <p:pic>
         <p:nvPicPr>
-          <p:cNvPr name="Picture 2" id="2"/>
+          <p:cNvPr id="2" name="Picture 2"/>
           <p:cNvPicPr>
-            <a:picLocks noChangeAspect="true"/>
+            <a:picLocks noChangeAspect="1"/>
           </p:cNvPicPr>
           <p:nvPr/>
         </p:nvPicPr>
         <p:blipFill>
           <a:blip r:embed="rId2"/>
-          <a:srcRect l="0" t="1201" r="0" b="3875"/>
+          <a:srcRect t="1201" b="3875"/>
           <a:stretch>
             <a:fillRect/>
           </a:stretch>
         </p:blipFill>
         <p:spPr>
-          <a:xfrm flipH="false" flipV="false" rot="0">
+          <a:xfrm>
             <a:off x="-228654" y="3996372"/>
             <a:ext cx="2687937" cy="1913610"/>
           </a:xfrm>
@@ -6512,21 +6587,21 @@
       </p:pic>
       <p:pic>
         <p:nvPicPr>
-          <p:cNvPr name="Picture 3" id="3"/>
+          <p:cNvPr id="3" name="Picture 3"/>
           <p:cNvPicPr>
-            <a:picLocks noChangeAspect="true"/>
+            <a:picLocks noChangeAspect="1"/>
           </p:cNvPicPr>
           <p:nvPr/>
         </p:nvPicPr>
         <p:blipFill>
           <a:blip r:embed="rId3"/>
-          <a:srcRect l="31425" t="0" r="29432" b="0"/>
+          <a:srcRect l="31425" r="29432"/>
           <a:stretch>
             <a:fillRect/>
           </a:stretch>
         </p:blipFill>
         <p:spPr>
-          <a:xfrm flipH="false" flipV="false" rot="0">
+          <a:xfrm>
             <a:off x="9199476" y="-284638"/>
             <a:ext cx="2148972" cy="2886262"/>
           </a:xfrm>
@@ -6537,9 +6612,9 @@
       </p:pic>
       <p:pic>
         <p:nvPicPr>
-          <p:cNvPr name="Picture 4" id="4"/>
+          <p:cNvPr id="4" name="Picture 4"/>
           <p:cNvPicPr>
-            <a:picLocks noChangeAspect="true"/>
+            <a:picLocks noChangeAspect="1"/>
           </p:cNvPicPr>
           <p:nvPr/>
         </p:nvPicPr>
@@ -6551,7 +6626,7 @@
           </a:stretch>
         </p:blipFill>
         <p:spPr>
-          <a:xfrm flipH="false" flipV="false" rot="0">
+          <a:xfrm>
             <a:off x="14694612" y="4346698"/>
             <a:ext cx="3593388" cy="1653957"/>
           </a:xfrm>
@@ -6562,7 +6637,7 @@
       </p:pic>
       <p:sp>
         <p:nvSpPr>
-          <p:cNvPr name="AutoShape 5" id="5"/>
+          <p:cNvPr id="5" name="AutoShape 5"/>
           <p:cNvSpPr/>
           <p:nvPr/>
         </p:nvSpPr>
@@ -6574,57 +6649,57 @@
           <a:prstGeom prst="line">
             <a:avLst/>
           </a:prstGeom>
-          <a:ln cap="flat" w="47625">
+          <a:ln w="47625" cap="flat">
             <a:solidFill>
               <a:srgbClr val="000000"/>
             </a:solidFill>
             <a:prstDash val="solid"/>
-            <a:headEnd type="none" len="sm" w="sm"/>
-            <a:tailEnd type="triangle" len="med" w="lg"/>
+            <a:headEnd type="none" w="sm" len="sm"/>
+            <a:tailEnd type="triangle" w="lg" len="med"/>
           </a:ln>
         </p:spPr>
       </p:sp>
       <p:sp>
         <p:nvSpPr>
-          <p:cNvPr name="AutoShape 6" id="6"/>
+          <p:cNvPr id="6" name="AutoShape 6"/>
           <p:cNvSpPr/>
           <p:nvPr/>
         </p:nvSpPr>
         <p:spPr>
-          <a:xfrm rot="0">
+          <a:xfrm>
             <a:off x="2303609" y="5126052"/>
             <a:ext cx="1053268" cy="0"/>
           </a:xfrm>
           <a:prstGeom prst="line">
             <a:avLst/>
           </a:prstGeom>
-          <a:ln cap="flat" w="47625">
+          <a:ln w="47625" cap="flat">
             <a:solidFill>
               <a:srgbClr val="000000"/>
             </a:solidFill>
             <a:prstDash val="solid"/>
-            <a:headEnd type="arrow" len="sm" w="med"/>
-            <a:tailEnd type="arrow" len="sm" w="med"/>
+            <a:headEnd type="arrow" w="med" len="sm"/>
+            <a:tailEnd type="arrow" w="med" len="sm"/>
           </a:ln>
         </p:spPr>
       </p:sp>
       <p:pic>
         <p:nvPicPr>
-          <p:cNvPr name="Picture 7" id="7"/>
+          <p:cNvPr id="7" name="Picture 7"/>
           <p:cNvPicPr>
-            <a:picLocks noChangeAspect="true"/>
+            <a:picLocks noChangeAspect="1"/>
           </p:cNvPicPr>
           <p:nvPr/>
         </p:nvPicPr>
         <p:blipFill>
           <a:blip r:embed="rId5"/>
-          <a:srcRect l="0" t="0" r="0" b="0"/>
+          <a:srcRect/>
           <a:stretch>
             <a:fillRect/>
           </a:stretch>
         </p:blipFill>
         <p:spPr>
-          <a:xfrm flipH="false" flipV="false" rot="0">
+          <a:xfrm>
             <a:off x="3580994" y="4043543"/>
             <a:ext cx="2350995" cy="2525640"/>
           </a:xfrm>
@@ -6635,12 +6710,12 @@
       </p:pic>
       <p:sp>
         <p:nvSpPr>
-          <p:cNvPr name="TextBox 8" id="8"/>
-          <p:cNvSpPr txBox="true"/>
-          <p:nvPr/>
-        </p:nvSpPr>
-        <p:spPr>
-          <a:xfrm rot="0">
+          <p:cNvPr id="8" name="TextBox 8"/>
+          <p:cNvSpPr txBox="1"/>
+          <p:nvPr/>
+        </p:nvSpPr>
+        <p:spPr>
+          <a:xfrm>
             <a:off x="2205388" y="4299073"/>
             <a:ext cx="1249710" cy="475780"/>
           </a:xfrm>
@@ -6649,7 +6724,7 @@
           </a:prstGeom>
         </p:spPr>
         <p:txBody>
-          <a:bodyPr anchor="t" rtlCol="false" tIns="0" lIns="0" bIns="0" rIns="0">
+          <a:bodyPr lIns="0" tIns="0" rIns="0" bIns="0" rtlCol="0" anchor="t">
             <a:spAutoFit/>
           </a:bodyPr>
           <a:lstStyle/>
@@ -6673,12 +6748,12 @@
       </p:sp>
       <p:sp>
         <p:nvSpPr>
-          <p:cNvPr name="TextBox 9" id="9"/>
-          <p:cNvSpPr txBox="true"/>
-          <p:nvPr/>
-        </p:nvSpPr>
-        <p:spPr>
-          <a:xfrm rot="0">
+          <p:cNvPr id="9" name="TextBox 9"/>
+          <p:cNvSpPr txBox="1"/>
+          <p:nvPr/>
+        </p:nvSpPr>
+        <p:spPr>
+          <a:xfrm>
             <a:off x="7484235" y="310507"/>
             <a:ext cx="693837" cy="580390"/>
           </a:xfrm>
@@ -6687,7 +6762,7 @@
           </a:prstGeom>
         </p:spPr>
         <p:txBody>
-          <a:bodyPr anchor="t" rtlCol="false" tIns="0" lIns="0" bIns="0" rIns="0">
+          <a:bodyPr lIns="0" tIns="0" rIns="0" bIns="0" rtlCol="0" anchor="t">
             <a:spAutoFit/>
           </a:bodyPr>
           <a:lstStyle/>
@@ -6711,21 +6786,21 @@
       </p:sp>
       <p:pic>
         <p:nvPicPr>
-          <p:cNvPr name="Picture 10" id="10"/>
+          <p:cNvPr id="10" name="Picture 10"/>
           <p:cNvPicPr>
-            <a:picLocks noChangeAspect="true"/>
+            <a:picLocks noChangeAspect="1"/>
           </p:cNvPicPr>
           <p:nvPr/>
         </p:nvPicPr>
         <p:blipFill>
           <a:blip r:embed="rId3"/>
-          <a:srcRect l="31425" t="0" r="29432" b="0"/>
+          <a:srcRect l="31425" r="29432"/>
           <a:stretch>
             <a:fillRect/>
           </a:stretch>
         </p:blipFill>
         <p:spPr>
-          <a:xfrm flipH="false" flipV="false" rot="0">
+          <a:xfrm>
             <a:off x="9199476" y="2147140"/>
             <a:ext cx="2148972" cy="2886262"/>
           </a:xfrm>
@@ -6736,7 +6811,7 @@
       </p:pic>
       <p:sp>
         <p:nvSpPr>
-          <p:cNvPr name="AutoShape 11" id="11"/>
+          <p:cNvPr id="11" name="AutoShape 11"/>
           <p:cNvSpPr/>
           <p:nvPr/>
         </p:nvSpPr>
@@ -6748,24 +6823,24 @@
           <a:prstGeom prst="line">
             <a:avLst/>
           </a:prstGeom>
-          <a:ln cap="flat" w="47625">
+          <a:ln w="47625" cap="flat">
             <a:solidFill>
               <a:srgbClr val="000000"/>
             </a:solidFill>
             <a:prstDash val="solid"/>
-            <a:headEnd type="none" len="sm" w="sm"/>
-            <a:tailEnd type="triangle" len="med" w="lg"/>
+            <a:headEnd type="none" w="sm" len="sm"/>
+            <a:tailEnd type="triangle" w="lg" len="med"/>
           </a:ln>
         </p:spPr>
       </p:sp>
       <p:sp>
         <p:nvSpPr>
-          <p:cNvPr name="TextBox 12" id="12"/>
-          <p:cNvSpPr txBox="true"/>
-          <p:nvPr/>
-        </p:nvSpPr>
-        <p:spPr>
-          <a:xfrm rot="0">
+          <p:cNvPr id="12" name="TextBox 12"/>
+          <p:cNvSpPr txBox="1"/>
+          <p:nvPr/>
+        </p:nvSpPr>
+        <p:spPr>
+          <a:xfrm>
             <a:off x="7405430" y="2742285"/>
             <a:ext cx="851446" cy="580390"/>
           </a:xfrm>
@@ -6774,7 +6849,7 @@
           </a:prstGeom>
         </p:spPr>
         <p:txBody>
-          <a:bodyPr anchor="t" rtlCol="false" tIns="0" lIns="0" bIns="0" rIns="0">
+          <a:bodyPr lIns="0" tIns="0" rIns="0" bIns="0" rtlCol="0" anchor="t">
             <a:spAutoFit/>
           </a:bodyPr>
           <a:lstStyle/>
@@ -6798,21 +6873,21 @@
       </p:sp>
       <p:pic>
         <p:nvPicPr>
-          <p:cNvPr name="Picture 13" id="13"/>
+          <p:cNvPr id="13" name="Picture 13"/>
           <p:cNvPicPr>
-            <a:picLocks noChangeAspect="true"/>
+            <a:picLocks noChangeAspect="1"/>
           </p:cNvPicPr>
           <p:nvPr/>
         </p:nvPicPr>
         <p:blipFill>
           <a:blip r:embed="rId3"/>
-          <a:srcRect l="31425" t="0" r="29432" b="0"/>
+          <a:srcRect l="31425" r="29432"/>
           <a:stretch>
             <a:fillRect/>
           </a:stretch>
         </p:blipFill>
         <p:spPr>
-          <a:xfrm flipH="false" flipV="false" rot="0">
+          <a:xfrm>
             <a:off x="9199679" y="5126052"/>
             <a:ext cx="2148972" cy="2886262"/>
           </a:xfrm>
@@ -6823,36 +6898,36 @@
       </p:pic>
       <p:sp>
         <p:nvSpPr>
-          <p:cNvPr name="AutoShape 14" id="14"/>
+          <p:cNvPr id="14" name="AutoShape 14"/>
           <p:cNvSpPr/>
           <p:nvPr/>
         </p:nvSpPr>
         <p:spPr>
-          <a:xfrm rot="0">
+          <a:xfrm>
             <a:off x="6408579" y="6290353"/>
             <a:ext cx="2791100" cy="0"/>
           </a:xfrm>
           <a:prstGeom prst="line">
             <a:avLst/>
           </a:prstGeom>
-          <a:ln cap="flat" w="47625">
+          <a:ln w="47625" cap="flat">
             <a:solidFill>
               <a:srgbClr val="000000"/>
             </a:solidFill>
             <a:prstDash val="solid"/>
-            <a:headEnd type="none" len="sm" w="sm"/>
-            <a:tailEnd type="triangle" len="med" w="lg"/>
+            <a:headEnd type="none" w="sm" len="sm"/>
+            <a:tailEnd type="triangle" w="lg" len="med"/>
           </a:ln>
         </p:spPr>
       </p:sp>
       <p:sp>
         <p:nvSpPr>
-          <p:cNvPr name="TextBox 15" id="15"/>
-          <p:cNvSpPr txBox="true"/>
-          <p:nvPr/>
-        </p:nvSpPr>
-        <p:spPr>
-          <a:xfrm rot="0">
+          <p:cNvPr id="15" name="TextBox 15"/>
+          <p:cNvSpPr txBox="1"/>
+          <p:nvPr/>
+        </p:nvSpPr>
+        <p:spPr>
+          <a:xfrm>
             <a:off x="7526055" y="5586449"/>
             <a:ext cx="652016" cy="580390"/>
           </a:xfrm>
@@ -6861,7 +6936,7 @@
           </a:prstGeom>
         </p:spPr>
         <p:txBody>
-          <a:bodyPr anchor="t" rtlCol="false" tIns="0" lIns="0" bIns="0" rIns="0">
+          <a:bodyPr lIns="0" tIns="0" rIns="0" bIns="0" rtlCol="0" anchor="t">
             <a:spAutoFit/>
           </a:bodyPr>
           <a:lstStyle/>
@@ -6885,21 +6960,21 @@
       </p:sp>
       <p:pic>
         <p:nvPicPr>
-          <p:cNvPr name="Picture 16" id="16"/>
+          <p:cNvPr id="16" name="Picture 16"/>
           <p:cNvPicPr>
-            <a:picLocks noChangeAspect="true"/>
+            <a:picLocks noChangeAspect="1"/>
           </p:cNvPicPr>
           <p:nvPr/>
         </p:nvPicPr>
         <p:blipFill>
           <a:blip r:embed="rId3"/>
-          <a:srcRect l="31425" t="0" r="29432" b="0"/>
+          <a:srcRect l="31425" r="29432"/>
           <a:stretch>
             <a:fillRect/>
           </a:stretch>
         </p:blipFill>
         <p:spPr>
-          <a:xfrm flipH="false" flipV="false" rot="0">
+          <a:xfrm>
             <a:off x="9144000" y="7400738"/>
             <a:ext cx="2148972" cy="2886262"/>
           </a:xfrm>
@@ -6910,36 +6985,36 @@
       </p:pic>
       <p:sp>
         <p:nvSpPr>
-          <p:cNvPr name="AutoShape 17" id="17"/>
+          <p:cNvPr id="17" name="AutoShape 17"/>
           <p:cNvSpPr/>
           <p:nvPr/>
         </p:nvSpPr>
         <p:spPr>
-          <a:xfrm rot="0">
+          <a:xfrm>
             <a:off x="6385246" y="8805769"/>
             <a:ext cx="2814433" cy="0"/>
           </a:xfrm>
           <a:prstGeom prst="line">
             <a:avLst/>
           </a:prstGeom>
-          <a:ln cap="flat" w="47625">
+          <a:ln w="47625" cap="flat">
             <a:solidFill>
               <a:srgbClr val="000000"/>
             </a:solidFill>
             <a:prstDash val="solid"/>
-            <a:headEnd type="none" len="sm" w="sm"/>
-            <a:tailEnd type="triangle" len="med" w="lg"/>
+            <a:headEnd type="none" w="sm" len="sm"/>
+            <a:tailEnd type="triangle" w="lg" len="med"/>
           </a:ln>
         </p:spPr>
       </p:sp>
       <p:sp>
         <p:nvSpPr>
-          <p:cNvPr name="TextBox 18" id="18"/>
-          <p:cNvSpPr txBox="true"/>
-          <p:nvPr/>
-        </p:nvSpPr>
-        <p:spPr>
-          <a:xfrm rot="0">
+          <p:cNvPr id="18" name="TextBox 18"/>
+          <p:cNvSpPr txBox="1"/>
+          <p:nvPr/>
+        </p:nvSpPr>
+        <p:spPr>
+          <a:xfrm>
             <a:off x="7492842" y="7995883"/>
             <a:ext cx="1258044" cy="580390"/>
           </a:xfrm>
@@ -6948,7 +7023,7 @@
           </a:prstGeom>
         </p:spPr>
         <p:txBody>
-          <a:bodyPr anchor="t" rtlCol="false" tIns="0" lIns="0" bIns="0" rIns="0">
+          <a:bodyPr lIns="0" tIns="0" rIns="0" bIns="0" rtlCol="0" anchor="t">
             <a:spAutoFit/>
           </a:bodyPr>
           <a:lstStyle/>
@@ -6972,7 +7047,7 @@
       </p:sp>
       <p:sp>
         <p:nvSpPr>
-          <p:cNvPr name="AutoShape 19" id="19"/>
+          <p:cNvPr id="19" name="AutoShape 19"/>
           <p:cNvSpPr/>
           <p:nvPr/>
         </p:nvSpPr>
@@ -6984,139 +7059,139 @@
           <a:prstGeom prst="line">
             <a:avLst/>
           </a:prstGeom>
-          <a:ln cap="flat" w="47625">
+          <a:ln w="47625" cap="flat">
             <a:solidFill>
               <a:srgbClr val="000000"/>
             </a:solidFill>
             <a:prstDash val="solid"/>
-            <a:headEnd type="none" len="sm" w="sm"/>
-            <a:tailEnd type="none" len="sm" w="sm"/>
+            <a:headEnd type="none" w="sm" len="sm"/>
+            <a:tailEnd type="none" w="sm" len="sm"/>
           </a:ln>
         </p:spPr>
       </p:sp>
       <p:sp>
         <p:nvSpPr>
-          <p:cNvPr name="AutoShape 20" id="20"/>
+          <p:cNvPr id="20" name="AutoShape 20"/>
           <p:cNvSpPr/>
           <p:nvPr/>
         </p:nvSpPr>
         <p:spPr>
-          <a:xfrm rot="0">
+          <a:xfrm>
             <a:off x="5478733" y="5149864"/>
             <a:ext cx="906513" cy="0"/>
           </a:xfrm>
           <a:prstGeom prst="line">
             <a:avLst/>
           </a:prstGeom>
-          <a:ln cap="flat" w="47625">
+          <a:ln w="47625" cap="flat">
             <a:solidFill>
               <a:srgbClr val="000000"/>
             </a:solidFill>
             <a:prstDash val="solid"/>
-            <a:headEnd type="none" len="sm" w="sm"/>
-            <a:tailEnd type="none" len="sm" w="sm"/>
+            <a:headEnd type="none" w="sm" len="sm"/>
+            <a:tailEnd type="none" w="sm" len="sm"/>
           </a:ln>
         </p:spPr>
       </p:sp>
       <p:sp>
         <p:nvSpPr>
-          <p:cNvPr name="AutoShape 21" id="21"/>
+          <p:cNvPr id="21" name="AutoShape 21"/>
           <p:cNvSpPr/>
           <p:nvPr/>
         </p:nvSpPr>
         <p:spPr>
-          <a:xfrm rot="0">
+          <a:xfrm>
             <a:off x="11067476" y="1070022"/>
             <a:ext cx="3173842" cy="0"/>
           </a:xfrm>
           <a:prstGeom prst="line">
             <a:avLst/>
           </a:prstGeom>
-          <a:ln cap="flat" w="47625">
+          <a:ln w="47625" cap="flat">
             <a:solidFill>
               <a:srgbClr val="000000"/>
             </a:solidFill>
             <a:prstDash val="solid"/>
-            <a:headEnd type="none" len="sm" w="sm"/>
-            <a:tailEnd type="none" len="sm" w="sm"/>
+            <a:headEnd type="none" w="sm" len="sm"/>
+            <a:tailEnd type="none" w="sm" len="sm"/>
           </a:ln>
         </p:spPr>
       </p:sp>
       <p:sp>
         <p:nvSpPr>
-          <p:cNvPr name="AutoShape 22" id="22"/>
+          <p:cNvPr id="22" name="AutoShape 22"/>
           <p:cNvSpPr/>
           <p:nvPr/>
         </p:nvSpPr>
         <p:spPr>
-          <a:xfrm rot="0">
+          <a:xfrm>
             <a:off x="11067476" y="3764713"/>
             <a:ext cx="3173842" cy="0"/>
           </a:xfrm>
           <a:prstGeom prst="line">
             <a:avLst/>
           </a:prstGeom>
-          <a:ln cap="flat" w="47625">
+          <a:ln w="47625" cap="flat">
             <a:solidFill>
               <a:srgbClr val="000000"/>
             </a:solidFill>
             <a:prstDash val="solid"/>
-            <a:headEnd type="none" len="sm" w="sm"/>
-            <a:tailEnd type="none" len="sm" w="sm"/>
+            <a:headEnd type="none" w="sm" len="sm"/>
+            <a:tailEnd type="none" w="sm" len="sm"/>
           </a:ln>
         </p:spPr>
       </p:sp>
       <p:sp>
         <p:nvSpPr>
-          <p:cNvPr name="AutoShape 23" id="23"/>
+          <p:cNvPr id="23" name="AutoShape 23"/>
           <p:cNvSpPr/>
           <p:nvPr/>
         </p:nvSpPr>
         <p:spPr>
-          <a:xfrm rot="0">
+          <a:xfrm>
             <a:off x="11067476" y="6242728"/>
             <a:ext cx="3173842" cy="0"/>
           </a:xfrm>
           <a:prstGeom prst="line">
             <a:avLst/>
           </a:prstGeom>
-          <a:ln cap="flat" w="47625">
+          <a:ln w="47625" cap="flat">
             <a:solidFill>
               <a:srgbClr val="000000"/>
             </a:solidFill>
             <a:prstDash val="solid"/>
-            <a:headEnd type="none" len="sm" w="sm"/>
-            <a:tailEnd type="none" len="sm" w="sm"/>
+            <a:headEnd type="none" w="sm" len="sm"/>
+            <a:tailEnd type="none" w="sm" len="sm"/>
           </a:ln>
         </p:spPr>
       </p:sp>
       <p:sp>
         <p:nvSpPr>
-          <p:cNvPr name="AutoShape 24" id="24"/>
+          <p:cNvPr id="24" name="AutoShape 24"/>
           <p:cNvSpPr/>
           <p:nvPr/>
         </p:nvSpPr>
         <p:spPr>
-          <a:xfrm rot="0">
+          <a:xfrm>
             <a:off x="11067476" y="8758144"/>
             <a:ext cx="3173842" cy="0"/>
           </a:xfrm>
           <a:prstGeom prst="line">
             <a:avLst/>
           </a:prstGeom>
-          <a:ln cap="flat" w="47625">
+          <a:ln w="47625" cap="flat">
             <a:solidFill>
               <a:srgbClr val="000000"/>
             </a:solidFill>
             <a:prstDash val="solid"/>
-            <a:headEnd type="none" len="sm" w="sm"/>
-            <a:tailEnd type="none" len="sm" w="sm"/>
+            <a:headEnd type="none" w="sm" len="sm"/>
+            <a:tailEnd type="none" w="sm" len="sm"/>
           </a:ln>
         </p:spPr>
       </p:sp>
       <p:sp>
         <p:nvSpPr>
-          <p:cNvPr name="AutoShape 25" id="25"/>
+          <p:cNvPr id="25" name="AutoShape 25"/>
           <p:cNvSpPr/>
           <p:nvPr/>
         </p:nvSpPr>
@@ -7128,48 +7203,48 @@
           <a:prstGeom prst="line">
             <a:avLst/>
           </a:prstGeom>
-          <a:ln cap="flat" w="47625">
+          <a:ln w="47625" cap="flat">
             <a:solidFill>
               <a:srgbClr val="000000"/>
             </a:solidFill>
             <a:prstDash val="solid"/>
-            <a:headEnd type="none" len="sm" w="sm"/>
-            <a:tailEnd type="none" len="sm" w="sm"/>
+            <a:headEnd type="none" w="sm" len="sm"/>
+            <a:tailEnd type="none" w="sm" len="sm"/>
           </a:ln>
         </p:spPr>
       </p:sp>
       <p:sp>
         <p:nvSpPr>
-          <p:cNvPr name="AutoShape 26" id="26"/>
+          <p:cNvPr id="26" name="AutoShape 26"/>
           <p:cNvSpPr/>
           <p:nvPr/>
         </p:nvSpPr>
         <p:spPr>
-          <a:xfrm rot="0">
+          <a:xfrm>
             <a:off x="14193693" y="5249481"/>
             <a:ext cx="700023" cy="0"/>
           </a:xfrm>
           <a:prstGeom prst="line">
             <a:avLst/>
           </a:prstGeom>
-          <a:ln cap="flat" w="47625">
+          <a:ln w="47625" cap="flat">
             <a:solidFill>
               <a:srgbClr val="000000"/>
             </a:solidFill>
             <a:prstDash val="solid"/>
-            <a:headEnd type="none" len="sm" w="sm"/>
-            <a:tailEnd type="arrow" len="sm" w="med"/>
+            <a:headEnd type="none" w="sm" len="sm"/>
+            <a:tailEnd type="arrow" w="med" len="sm"/>
           </a:ln>
         </p:spPr>
       </p:sp>
       <p:sp>
         <p:nvSpPr>
-          <p:cNvPr name="TextBox 27" id="27"/>
-          <p:cNvSpPr txBox="true"/>
-          <p:nvPr/>
-        </p:nvSpPr>
-        <p:spPr>
-          <a:xfrm rot="0">
+          <p:cNvPr id="27" name="TextBox 27"/>
+          <p:cNvSpPr txBox="1"/>
+          <p:nvPr/>
+        </p:nvSpPr>
+        <p:spPr>
+          <a:xfrm>
             <a:off x="0" y="249602"/>
             <a:ext cx="5931989" cy="887095"/>
           </a:xfrm>
@@ -7178,7 +7253,7 @@
           </a:prstGeom>
         </p:spPr>
         <p:txBody>
-          <a:bodyPr anchor="t" rtlCol="false" tIns="0" lIns="0" bIns="0" rIns="0">
+          <a:bodyPr lIns="0" tIns="0" rIns="0" bIns="0" rtlCol="0" anchor="t">
             <a:spAutoFit/>
           </a:bodyPr>
           <a:lstStyle/>
@@ -7209,13 +7284,14 @@
 </file>
 
 <file path=ppt/slides/slide24.xml><?xml version="1.0" encoding="utf-8"?>
-<p:sld xmlns:p="http://schemas.openxmlformats.org/presentationml/2006/main" xmlns:a="http://schemas.openxmlformats.org/drawingml/2006/main">
+<p:sld xmlns:a="http://schemas.openxmlformats.org/drawingml/2006/main" xmlns:r="http://schemas.openxmlformats.org/officeDocument/2006/relationships" xmlns:p="http://schemas.openxmlformats.org/presentationml/2006/main">
   <p:cSld>
     <p:bg>
       <p:bgPr>
         <a:solidFill>
           <a:srgbClr val="FBF3E4"/>
         </a:solidFill>
+        <a:effectLst/>
       </p:bgPr>
     </p:bg>
     <p:spTree>
@@ -7234,12 +7310,12 @@
       </p:grpSpPr>
       <p:sp>
         <p:nvSpPr>
-          <p:cNvPr name="TextBox 2" id="2"/>
-          <p:cNvSpPr txBox="true"/>
-          <p:nvPr/>
-        </p:nvSpPr>
-        <p:spPr>
-          <a:xfrm rot="0">
+          <p:cNvPr id="2" name="TextBox 2"/>
+          <p:cNvSpPr txBox="1"/>
+          <p:nvPr/>
+        </p:nvSpPr>
+        <p:spPr>
+          <a:xfrm>
             <a:off x="9139238" y="4819967"/>
             <a:ext cx="9525" cy="580390"/>
           </a:xfrm>
@@ -7248,7 +7324,7 @@
           </a:prstGeom>
         </p:spPr>
         <p:txBody>
-          <a:bodyPr anchor="t" rtlCol="false" tIns="0" lIns="0" bIns="0" rIns="0">
+          <a:bodyPr lIns="0" tIns="0" rIns="0" bIns="0" rtlCol="0" anchor="t">
             <a:spAutoFit/>
           </a:bodyPr>
           <a:lstStyle/>
@@ -7258,17 +7334,18 @@
                 <a:spcPts val="4759"/>
               </a:lnSpc>
             </a:pPr>
-          </a:p>
-        </p:txBody>
-      </p:sp>
-      <p:sp>
-        <p:nvSpPr>
-          <p:cNvPr name="TextBox 3" id="3"/>
-          <p:cNvSpPr txBox="true"/>
-          <p:nvPr/>
-        </p:nvSpPr>
-        <p:spPr>
-          <a:xfrm rot="0">
+            <a:endParaRPr/>
+          </a:p>
+        </p:txBody>
+      </p:sp>
+      <p:sp>
+        <p:nvSpPr>
+          <p:cNvPr id="3" name="TextBox 3"/>
+          <p:cNvSpPr txBox="1"/>
+          <p:nvPr/>
+        </p:nvSpPr>
+        <p:spPr>
+          <a:xfrm>
             <a:off x="4707880" y="4295775"/>
             <a:ext cx="8872240" cy="1533525"/>
           </a:xfrm>
@@ -7277,7 +7354,7 @@
           </a:prstGeom>
         </p:spPr>
         <p:txBody>
-          <a:bodyPr anchor="t" rtlCol="false" tIns="0" lIns="0" bIns="0" rIns="0">
+          <a:bodyPr lIns="0" tIns="0" rIns="0" bIns="0" rtlCol="0" anchor="t">
             <a:spAutoFit/>
           </a:bodyPr>
           <a:lstStyle/>
@@ -7308,13 +7385,14 @@
 </file>
 
 <file path=ppt/slides/slide25.xml><?xml version="1.0" encoding="utf-8"?>
-<p:sld xmlns:p="http://schemas.openxmlformats.org/presentationml/2006/main" xmlns:a="http://schemas.openxmlformats.org/drawingml/2006/main">
+<p:sld xmlns:a="http://schemas.openxmlformats.org/drawingml/2006/main" xmlns:r="http://schemas.openxmlformats.org/officeDocument/2006/relationships" xmlns:p="http://schemas.openxmlformats.org/presentationml/2006/main">
   <p:cSld>
     <p:bg>
       <p:bgPr>
         <a:solidFill>
           <a:srgbClr val="FBF3E4"/>
         </a:solidFill>
+        <a:effectLst/>
       </p:bgPr>
     </p:bg>
     <p:spTree>
@@ -7333,12 +7411,12 @@
       </p:grpSpPr>
       <p:sp>
         <p:nvSpPr>
-          <p:cNvPr name="TextBox 2" id="2"/>
-          <p:cNvSpPr txBox="true"/>
-          <p:nvPr/>
-        </p:nvSpPr>
-        <p:spPr>
-          <a:xfrm rot="0">
+          <p:cNvPr id="2" name="TextBox 2"/>
+          <p:cNvSpPr txBox="1"/>
+          <p:nvPr/>
+        </p:nvSpPr>
+        <p:spPr>
+          <a:xfrm>
             <a:off x="497760" y="440610"/>
             <a:ext cx="16263784" cy="6915150"/>
           </a:xfrm>
@@ -7347,7 +7425,7 @@
           </a:prstGeom>
         </p:spPr>
         <p:txBody>
-          <a:bodyPr anchor="t" rtlCol="false" tIns="0" lIns="0" bIns="0" rIns="0">
+          <a:bodyPr lIns="0" tIns="0" rIns="0" bIns="0" rtlCol="0" anchor="t">
             <a:spAutoFit/>
           </a:bodyPr>
           <a:lstStyle/>
@@ -7357,6 +7435,7 @@
                 <a:spcPts val="4200"/>
               </a:lnSpc>
             </a:pPr>
+            <a:endParaRPr/>
           </a:p>
           <a:p>
             <a:pPr>
@@ -7364,6 +7443,7 @@
                 <a:spcPts val="4200"/>
               </a:lnSpc>
             </a:pPr>
+            <a:endParaRPr/>
           </a:p>
           <a:p>
             <a:pPr>
@@ -7596,6 +7676,12 @@
                 <a:spcPts val="4200"/>
               </a:lnSpc>
             </a:pPr>
+            <a:endParaRPr lang="en-US" sz="3000">
+              <a:solidFill>
+                <a:srgbClr val="000000"/>
+              </a:solidFill>
+              <a:latin typeface="Arimo"/>
+            </a:endParaRPr>
           </a:p>
         </p:txBody>
       </p:sp>
@@ -7608,13 +7694,14 @@
 </file>
 
 <file path=ppt/slides/slide26.xml><?xml version="1.0" encoding="utf-8"?>
-<p:sld xmlns:p="http://schemas.openxmlformats.org/presentationml/2006/main" xmlns:a="http://schemas.openxmlformats.org/drawingml/2006/main">
+<p:sld xmlns:a="http://schemas.openxmlformats.org/drawingml/2006/main" xmlns:r="http://schemas.openxmlformats.org/officeDocument/2006/relationships" xmlns:p="http://schemas.openxmlformats.org/presentationml/2006/main">
   <p:cSld>
     <p:bg>
       <p:bgPr>
         <a:solidFill>
           <a:srgbClr val="FBF3E4"/>
         </a:solidFill>
+        <a:effectLst/>
       </p:bgPr>
     </p:bg>
     <p:spTree>
@@ -7633,12 +7720,12 @@
       </p:grpSpPr>
       <p:sp>
         <p:nvSpPr>
-          <p:cNvPr name="TextBox 2" id="2"/>
-          <p:cNvSpPr txBox="true"/>
-          <p:nvPr/>
-        </p:nvSpPr>
-        <p:spPr>
-          <a:xfrm rot="0">
+          <p:cNvPr id="2" name="TextBox 2"/>
+          <p:cNvSpPr txBox="1"/>
+          <p:nvPr/>
+        </p:nvSpPr>
+        <p:spPr>
+          <a:xfrm>
             <a:off x="564128" y="971550"/>
             <a:ext cx="17425217" cy="514350"/>
           </a:xfrm>
@@ -7647,7 +7734,7 @@
           </a:prstGeom>
         </p:spPr>
         <p:txBody>
-          <a:bodyPr anchor="t" rtlCol="false" tIns="0" lIns="0" bIns="0" rIns="0">
+          <a:bodyPr lIns="0" tIns="0" rIns="0" bIns="0" rtlCol="0" anchor="t">
             <a:spAutoFit/>
           </a:bodyPr>
           <a:lstStyle/>
@@ -7660,17 +7747,18 @@
                 <a:spcPct val="0"/>
               </a:spcBef>
             </a:pPr>
-          </a:p>
-        </p:txBody>
-      </p:sp>
-      <p:sp>
-        <p:nvSpPr>
-          <p:cNvPr name="TextBox 3" id="3"/>
-          <p:cNvSpPr txBox="true"/>
-          <p:nvPr/>
-        </p:nvSpPr>
-        <p:spPr>
-          <a:xfrm rot="0">
+            <a:endParaRPr/>
+          </a:p>
+        </p:txBody>
+      </p:sp>
+      <p:sp>
+        <p:nvSpPr>
+          <p:cNvPr id="3" name="TextBox 3"/>
+          <p:cNvSpPr txBox="1"/>
+          <p:nvPr/>
+        </p:nvSpPr>
+        <p:spPr>
+          <a:xfrm>
             <a:off x="431392" y="705485"/>
             <a:ext cx="17425217" cy="9581515"/>
           </a:xfrm>
@@ -7679,7 +7767,7 @@
           </a:prstGeom>
         </p:spPr>
         <p:txBody>
-          <a:bodyPr anchor="t" rtlCol="false" tIns="0" lIns="0" bIns="0" rIns="0">
+          <a:bodyPr lIns="0" tIns="0" rIns="0" bIns="0" rtlCol="0" anchor="t">
             <a:spAutoFit/>
           </a:bodyPr>
           <a:lstStyle/>
@@ -7894,6 +7982,12 @@
                 <a:spcPts val="4759"/>
               </a:lnSpc>
             </a:pPr>
+            <a:endParaRPr lang="en-US" sz="3399">
+              <a:solidFill>
+                <a:srgbClr val="000000"/>
+              </a:solidFill>
+              <a:latin typeface="Arimo"/>
+            </a:endParaRPr>
           </a:p>
         </p:txBody>
       </p:sp>
@@ -7906,13 +8000,14 @@
 </file>
 
 <file path=ppt/slides/slide27.xml><?xml version="1.0" encoding="utf-8"?>
-<p:sld xmlns:p="http://schemas.openxmlformats.org/presentationml/2006/main" xmlns:a="http://schemas.openxmlformats.org/drawingml/2006/main" xmlns:r="http://schemas.openxmlformats.org/officeDocument/2006/relationships">
+<p:sld xmlns:a="http://schemas.openxmlformats.org/drawingml/2006/main" xmlns:r="http://schemas.openxmlformats.org/officeDocument/2006/relationships" xmlns:p="http://schemas.openxmlformats.org/presentationml/2006/main">
   <p:cSld>
     <p:bg>
       <p:bgPr>
         <a:solidFill>
           <a:srgbClr val="FBF3E4"/>
         </a:solidFill>
+        <a:effectLst/>
       </p:bgPr>
     </p:bg>
     <p:spTree>
@@ -7931,21 +8026,21 @@
       </p:grpSpPr>
       <p:pic>
         <p:nvPicPr>
-          <p:cNvPr name="Picture 2" id="2"/>
+          <p:cNvPr id="2" name="Picture 2"/>
           <p:cNvPicPr>
-            <a:picLocks noChangeAspect="true"/>
+            <a:picLocks noChangeAspect="1"/>
           </p:cNvPicPr>
           <p:nvPr/>
         </p:nvPicPr>
         <p:blipFill>
           <a:blip r:embed="rId2"/>
-          <a:srcRect l="0" t="0" r="0" b="0"/>
+          <a:srcRect/>
           <a:stretch>
             <a:fillRect/>
           </a:stretch>
         </p:blipFill>
         <p:spPr>
-          <a:xfrm flipH="false" flipV="false" rot="0">
+          <a:xfrm>
             <a:off x="416517" y="-743971"/>
             <a:ext cx="17871483" cy="13403612"/>
           </a:xfrm>
@@ -7956,12 +8051,12 @@
       </p:pic>
       <p:sp>
         <p:nvSpPr>
-          <p:cNvPr name="TextBox 3" id="3"/>
-          <p:cNvSpPr txBox="true"/>
-          <p:nvPr/>
-        </p:nvSpPr>
-        <p:spPr>
-          <a:xfrm rot="0">
+          <p:cNvPr id="3" name="TextBox 3"/>
+          <p:cNvSpPr txBox="1"/>
+          <p:nvPr/>
+        </p:nvSpPr>
+        <p:spPr>
+          <a:xfrm>
             <a:off x="9139238" y="4819967"/>
             <a:ext cx="9525" cy="580390"/>
           </a:xfrm>
@@ -7970,7 +8065,7 @@
           </a:prstGeom>
         </p:spPr>
         <p:txBody>
-          <a:bodyPr anchor="t" rtlCol="false" tIns="0" lIns="0" bIns="0" rIns="0">
+          <a:bodyPr lIns="0" tIns="0" rIns="0" bIns="0" rtlCol="0" anchor="t">
             <a:spAutoFit/>
           </a:bodyPr>
           <a:lstStyle/>
@@ -7980,6 +8075,7 @@
                 <a:spcPts val="4759"/>
               </a:lnSpc>
             </a:pPr>
+            <a:endParaRPr/>
           </a:p>
         </p:txBody>
       </p:sp>
@@ -7992,13 +8088,14 @@
 </file>
 
 <file path=ppt/slides/slide3.xml><?xml version="1.0" encoding="utf-8"?>
-<p:sld xmlns:p="http://schemas.openxmlformats.org/presentationml/2006/main" xmlns:a="http://schemas.openxmlformats.org/drawingml/2006/main">
+<p:sld xmlns:a="http://schemas.openxmlformats.org/drawingml/2006/main" xmlns:r="http://schemas.openxmlformats.org/officeDocument/2006/relationships" xmlns:p="http://schemas.openxmlformats.org/presentationml/2006/main">
   <p:cSld>
     <p:bg>
       <p:bgPr>
         <a:solidFill>
           <a:srgbClr val="FBF3E4"/>
         </a:solidFill>
+        <a:effectLst/>
       </p:bgPr>
     </p:bg>
     <p:spTree>
@@ -8017,12 +8114,12 @@
       </p:grpSpPr>
       <p:sp>
         <p:nvSpPr>
-          <p:cNvPr name="TextBox 2" id="2"/>
-          <p:cNvSpPr txBox="true"/>
-          <p:nvPr/>
-        </p:nvSpPr>
-        <p:spPr>
-          <a:xfrm rot="0">
+          <p:cNvPr id="2" name="TextBox 2"/>
+          <p:cNvSpPr txBox="1"/>
+          <p:nvPr/>
+        </p:nvSpPr>
+        <p:spPr>
+          <a:xfrm>
             <a:off x="5756300" y="0"/>
             <a:ext cx="6775400" cy="1028700"/>
           </a:xfrm>
@@ -8031,7 +8128,7 @@
           </a:prstGeom>
         </p:spPr>
         <p:txBody>
-          <a:bodyPr anchor="t" rtlCol="false" tIns="0" lIns="0" bIns="0" rIns="0">
+          <a:bodyPr lIns="0" tIns="0" rIns="0" bIns="0" rtlCol="0" anchor="t">
             <a:spAutoFit/>
           </a:bodyPr>
           <a:lstStyle/>
@@ -8055,12 +8152,12 @@
       </p:sp>
       <p:sp>
         <p:nvSpPr>
-          <p:cNvPr name="TextBox 3" id="3"/>
-          <p:cNvSpPr txBox="true"/>
-          <p:nvPr/>
-        </p:nvSpPr>
-        <p:spPr>
-          <a:xfrm rot="0">
+          <p:cNvPr id="3" name="TextBox 3"/>
+          <p:cNvSpPr txBox="1"/>
+          <p:nvPr/>
+        </p:nvSpPr>
+        <p:spPr>
+          <a:xfrm>
             <a:off x="677264" y="1112790"/>
             <a:ext cx="15298542" cy="11601674"/>
           </a:xfrm>
@@ -8069,12 +8166,12 @@
           </a:prstGeom>
         </p:spPr>
         <p:txBody>
-          <a:bodyPr anchor="t" rtlCol="false" tIns="0" lIns="0" bIns="0" rIns="0">
+          <a:bodyPr lIns="0" tIns="0" rIns="0" bIns="0" rtlCol="0" anchor="t">
             <a:spAutoFit/>
           </a:bodyPr>
           <a:lstStyle/>
           <a:p>
-            <a:pPr marL="1178200" indent="-589100" lvl="1">
+            <a:pPr marL="1178200" lvl="1" indent="-589100">
               <a:lnSpc>
                 <a:spcPts val="7640"/>
               </a:lnSpc>
@@ -8193,6 +8290,12 @@
                 <a:spcPts val="7640"/>
               </a:lnSpc>
             </a:pPr>
+            <a:endParaRPr lang="en-US" sz="5457">
+              <a:solidFill>
+                <a:srgbClr val="000000"/>
+              </a:solidFill>
+              <a:latin typeface="Open Sans Light"/>
+            </a:endParaRPr>
           </a:p>
           <a:p>
             <a:pPr>
@@ -8200,6 +8303,12 @@
                 <a:spcPts val="7640"/>
               </a:lnSpc>
             </a:pPr>
+            <a:endParaRPr lang="en-US" sz="5457">
+              <a:solidFill>
+                <a:srgbClr val="000000"/>
+              </a:solidFill>
+              <a:latin typeface="Open Sans Light"/>
+            </a:endParaRPr>
           </a:p>
           <a:p>
             <a:pPr>
@@ -8207,6 +8316,12 @@
                 <a:spcPts val="7640"/>
               </a:lnSpc>
             </a:pPr>
+            <a:endParaRPr lang="en-US" sz="5457">
+              <a:solidFill>
+                <a:srgbClr val="000000"/>
+              </a:solidFill>
+              <a:latin typeface="Open Sans Light"/>
+            </a:endParaRPr>
           </a:p>
           <a:p>
             <a:pPr>
@@ -8214,6 +8329,12 @@
                 <a:spcPts val="7640"/>
               </a:lnSpc>
             </a:pPr>
+            <a:endParaRPr lang="en-US" sz="5457">
+              <a:solidFill>
+                <a:srgbClr val="000000"/>
+              </a:solidFill>
+              <a:latin typeface="Open Sans Light"/>
+            </a:endParaRPr>
           </a:p>
           <a:p>
             <a:pPr>
@@ -8221,6 +8342,12 @@
                 <a:spcPts val="7640"/>
               </a:lnSpc>
             </a:pPr>
+            <a:endParaRPr lang="en-US" sz="5457">
+              <a:solidFill>
+                <a:srgbClr val="000000"/>
+              </a:solidFill>
+              <a:latin typeface="Open Sans Light"/>
+            </a:endParaRPr>
           </a:p>
         </p:txBody>
       </p:sp>
@@ -8233,13 +8360,14 @@
 </file>
 
 <file path=ppt/slides/slide4.xml><?xml version="1.0" encoding="utf-8"?>
-<p:sld xmlns:p="http://schemas.openxmlformats.org/presentationml/2006/main" xmlns:a="http://schemas.openxmlformats.org/drawingml/2006/main">
+<p:sld xmlns:a="http://schemas.openxmlformats.org/drawingml/2006/main" xmlns:r="http://schemas.openxmlformats.org/officeDocument/2006/relationships" xmlns:p="http://schemas.openxmlformats.org/presentationml/2006/main">
   <p:cSld>
     <p:bg>
       <p:bgPr>
         <a:solidFill>
           <a:srgbClr val="FBF3E4"/>
         </a:solidFill>
+        <a:effectLst/>
       </p:bgPr>
     </p:bg>
     <p:spTree>
@@ -8258,12 +8386,12 @@
       </p:grpSpPr>
       <p:sp>
         <p:nvSpPr>
-          <p:cNvPr name="TextBox 2" id="2"/>
-          <p:cNvSpPr txBox="true"/>
-          <p:nvPr/>
-        </p:nvSpPr>
-        <p:spPr>
-          <a:xfrm rot="0">
+          <p:cNvPr id="2" name="TextBox 2"/>
+          <p:cNvSpPr txBox="1"/>
+          <p:nvPr/>
+        </p:nvSpPr>
+        <p:spPr>
+          <a:xfrm>
             <a:off x="5722739" y="4238958"/>
             <a:ext cx="6842522" cy="1177291"/>
           </a:xfrm>
@@ -8272,7 +8400,7 @@
           </a:prstGeom>
         </p:spPr>
         <p:txBody>
-          <a:bodyPr anchor="t" rtlCol="false" tIns="0" lIns="0" bIns="0" rIns="0">
+          <a:bodyPr lIns="0" tIns="0" rIns="0" bIns="0" rtlCol="0" anchor="t">
             <a:spAutoFit/>
           </a:bodyPr>
           <a:lstStyle/>
@@ -8303,7 +8431,7 @@
 </file>
 
 <file path=ppt/slides/slide5.xml><?xml version="1.0" encoding="utf-8"?>
-<p:sld xmlns:p="http://schemas.openxmlformats.org/presentationml/2006/main" xmlns:a="http://schemas.openxmlformats.org/drawingml/2006/main" xmlns:r="http://schemas.openxmlformats.org/officeDocument/2006/relationships">
+<p:sld xmlns:a="http://schemas.openxmlformats.org/drawingml/2006/main" xmlns:r="http://schemas.openxmlformats.org/officeDocument/2006/relationships" xmlns:p="http://schemas.openxmlformats.org/presentationml/2006/main">
   <p:cSld>
     <p:spTree>
       <p:nvGrpSpPr>
@@ -8321,21 +8449,21 @@
       </p:grpSpPr>
       <p:pic>
         <p:nvPicPr>
-          <p:cNvPr name="Picture 2" id="2"/>
+          <p:cNvPr id="2" name="Picture 2"/>
           <p:cNvPicPr>
-            <a:picLocks noChangeAspect="true"/>
+            <a:picLocks noChangeAspect="1"/>
           </p:cNvPicPr>
           <p:nvPr/>
         </p:nvPicPr>
         <p:blipFill>
           <a:blip r:embed="rId2"/>
-          <a:srcRect l="0" t="1201" r="0" b="3875"/>
+          <a:srcRect t="1201" b="3875"/>
           <a:stretch>
             <a:fillRect/>
           </a:stretch>
         </p:blipFill>
         <p:spPr>
-          <a:xfrm flipH="false" flipV="false" rot="0">
+          <a:xfrm>
             <a:off x="0" y="2816541"/>
             <a:ext cx="2687937" cy="1913610"/>
           </a:xfrm>
@@ -8346,21 +8474,21 @@
       </p:pic>
       <p:pic>
         <p:nvPicPr>
-          <p:cNvPr name="Picture 3" id="3"/>
+          <p:cNvPr id="3" name="Picture 3"/>
           <p:cNvPicPr>
-            <a:picLocks noChangeAspect="true"/>
+            <a:picLocks noChangeAspect="1"/>
           </p:cNvPicPr>
           <p:nvPr/>
         </p:nvPicPr>
         <p:blipFill>
           <a:blip r:embed="rId3"/>
-          <a:srcRect l="0" t="0" r="0" b="0"/>
+          <a:srcRect/>
           <a:stretch>
             <a:fillRect/>
           </a:stretch>
         </p:blipFill>
         <p:spPr>
-          <a:xfrm flipH="false" flipV="false" rot="0">
+          <a:xfrm>
             <a:off x="4830795" y="2689803"/>
             <a:ext cx="2448802" cy="2448802"/>
           </a:xfrm>
@@ -8371,21 +8499,21 @@
       </p:pic>
       <p:pic>
         <p:nvPicPr>
-          <p:cNvPr name="Picture 4" id="4"/>
+          <p:cNvPr id="4" name="Picture 4"/>
           <p:cNvPicPr>
-            <a:picLocks noChangeAspect="true"/>
+            <a:picLocks noChangeAspect="1"/>
           </p:cNvPicPr>
           <p:nvPr/>
         </p:nvPicPr>
         <p:blipFill>
           <a:blip r:embed="rId4"/>
-          <a:srcRect l="31425" t="0" r="29432" b="0"/>
+          <a:srcRect l="31425" r="29432"/>
           <a:stretch>
             <a:fillRect/>
           </a:stretch>
         </p:blipFill>
         <p:spPr>
-          <a:xfrm flipH="false" flipV="false" rot="0">
+          <a:xfrm>
             <a:off x="9610651" y="2471073"/>
             <a:ext cx="2148972" cy="2886262"/>
           </a:xfrm>
@@ -8396,9 +8524,9 @@
       </p:pic>
       <p:pic>
         <p:nvPicPr>
-          <p:cNvPr name="Picture 5" id="5"/>
+          <p:cNvPr id="5" name="Picture 5"/>
           <p:cNvPicPr>
-            <a:picLocks noChangeAspect="true"/>
+            <a:picLocks noChangeAspect="1"/>
           </p:cNvPicPr>
           <p:nvPr/>
         </p:nvPicPr>
@@ -8410,7 +8538,7 @@
           </a:stretch>
         </p:blipFill>
         <p:spPr>
-          <a:xfrm flipH="false" flipV="false" rot="0">
+          <a:xfrm>
             <a:off x="13969097" y="3132892"/>
             <a:ext cx="3847061" cy="1770717"/>
           </a:xfrm>
@@ -8421,31 +8549,31 @@
       </p:pic>
       <p:sp>
         <p:nvSpPr>
-          <p:cNvPr name="AutoShape 6" id="6"/>
+          <p:cNvPr id="6" name="AutoShape 6"/>
           <p:cNvSpPr/>
           <p:nvPr/>
         </p:nvSpPr>
         <p:spPr>
-          <a:xfrm rot="0">
+          <a:xfrm>
             <a:off x="2687937" y="3773346"/>
             <a:ext cx="2842003" cy="0"/>
           </a:xfrm>
           <a:prstGeom prst="line">
             <a:avLst/>
           </a:prstGeom>
-          <a:ln cap="flat" w="47625">
+          <a:ln w="47625" cap="flat">
             <a:solidFill>
               <a:srgbClr val="000000"/>
             </a:solidFill>
             <a:prstDash val="solid"/>
-            <a:headEnd type="none" len="sm" w="sm"/>
-            <a:tailEnd type="triangle" len="med" w="lg"/>
+            <a:headEnd type="none" w="sm" len="sm"/>
+            <a:tailEnd type="triangle" w="lg" len="med"/>
           </a:ln>
         </p:spPr>
       </p:sp>
       <p:sp>
         <p:nvSpPr>
-          <p:cNvPr name="AutoShape 7" id="7"/>
+          <p:cNvPr id="7" name="AutoShape 7"/>
           <p:cNvSpPr/>
           <p:nvPr/>
         </p:nvSpPr>
@@ -8457,57 +8585,57 @@
           <a:prstGeom prst="line">
             <a:avLst/>
           </a:prstGeom>
-          <a:ln cap="flat" w="47625">
+          <a:ln w="47625" cap="flat">
             <a:solidFill>
               <a:srgbClr val="000000"/>
             </a:solidFill>
             <a:prstDash val="solid"/>
-            <a:headEnd type="none" len="sm" w="sm"/>
-            <a:tailEnd type="triangle" len="med" w="lg"/>
+            <a:headEnd type="none" w="sm" len="sm"/>
+            <a:tailEnd type="triangle" w="lg" len="med"/>
           </a:ln>
         </p:spPr>
       </p:sp>
       <p:sp>
         <p:nvSpPr>
-          <p:cNvPr name="AutoShape 8" id="8"/>
+          <p:cNvPr id="8" name="AutoShape 8"/>
           <p:cNvSpPr/>
           <p:nvPr/>
         </p:nvSpPr>
         <p:spPr>
-          <a:xfrm rot="0">
+          <a:xfrm>
             <a:off x="11127094" y="3866579"/>
             <a:ext cx="2842003" cy="0"/>
           </a:xfrm>
           <a:prstGeom prst="line">
             <a:avLst/>
           </a:prstGeom>
-          <a:ln cap="flat" w="47625">
+          <a:ln w="47625" cap="flat">
             <a:solidFill>
               <a:srgbClr val="000000"/>
             </a:solidFill>
             <a:prstDash val="solid"/>
-            <a:headEnd type="none" len="sm" w="sm"/>
-            <a:tailEnd type="triangle" len="med" w="lg"/>
+            <a:headEnd type="none" w="sm" len="sm"/>
+            <a:tailEnd type="triangle" w="lg" len="med"/>
           </a:ln>
         </p:spPr>
       </p:sp>
       <p:pic>
         <p:nvPicPr>
-          <p:cNvPr name="Picture 9" id="9"/>
+          <p:cNvPr id="9" name="Picture 9"/>
           <p:cNvPicPr>
-            <a:picLocks noChangeAspect="true"/>
+            <a:picLocks noChangeAspect="1"/>
           </p:cNvPicPr>
           <p:nvPr/>
         </p:nvPicPr>
         <p:blipFill>
           <a:blip r:embed="rId6"/>
-          <a:srcRect l="0" t="0" r="2249" b="0"/>
+          <a:srcRect r="2249"/>
           <a:stretch>
             <a:fillRect/>
           </a:stretch>
         </p:blipFill>
         <p:spPr>
-          <a:xfrm flipH="false" flipV="false" rot="0">
+          <a:xfrm>
             <a:off x="7473820" y="6057535"/>
             <a:ext cx="8015100" cy="3311366"/>
           </a:xfrm>
@@ -8518,12 +8646,12 @@
       </p:pic>
       <p:sp>
         <p:nvSpPr>
-          <p:cNvPr name="TextBox 10" id="10"/>
-          <p:cNvSpPr txBox="true"/>
-          <p:nvPr/>
-        </p:nvSpPr>
-        <p:spPr>
-          <a:xfrm rot="0">
+          <p:cNvPr id="10" name="TextBox 10"/>
+          <p:cNvSpPr txBox="1"/>
+          <p:nvPr/>
+        </p:nvSpPr>
+        <p:spPr>
+          <a:xfrm>
             <a:off x="3655385" y="669578"/>
             <a:ext cx="11486489" cy="887095"/>
           </a:xfrm>
@@ -8532,7 +8660,7 @@
           </a:prstGeom>
         </p:spPr>
         <p:txBody>
-          <a:bodyPr anchor="t" rtlCol="false" tIns="0" lIns="0" bIns="0" rIns="0">
+          <a:bodyPr lIns="0" tIns="0" rIns="0" bIns="0" rtlCol="0" anchor="t">
             <a:spAutoFit/>
           </a:bodyPr>
           <a:lstStyle/>
@@ -8556,12 +8684,12 @@
       </p:sp>
       <p:sp>
         <p:nvSpPr>
-          <p:cNvPr name="TextBox 11" id="11"/>
-          <p:cNvSpPr txBox="true"/>
-          <p:nvPr/>
-        </p:nvSpPr>
-        <p:spPr>
-          <a:xfrm rot="0">
+          <p:cNvPr id="11" name="TextBox 11"/>
+          <p:cNvSpPr txBox="1"/>
+          <p:nvPr/>
+        </p:nvSpPr>
+        <p:spPr>
+          <a:xfrm>
             <a:off x="3655385" y="3066217"/>
             <a:ext cx="907107" cy="580390"/>
           </a:xfrm>
@@ -8570,7 +8698,7 @@
           </a:prstGeom>
         </p:spPr>
         <p:txBody>
-          <a:bodyPr anchor="t" rtlCol="false" tIns="0" lIns="0" bIns="0" rIns="0">
+          <a:bodyPr lIns="0" tIns="0" rIns="0" bIns="0" rtlCol="0" anchor="t">
             <a:spAutoFit/>
           </a:bodyPr>
           <a:lstStyle/>
@@ -8594,12 +8722,12 @@
       </p:sp>
       <p:sp>
         <p:nvSpPr>
-          <p:cNvPr name="TextBox 12" id="12"/>
-          <p:cNvSpPr txBox="true"/>
-          <p:nvPr/>
-        </p:nvSpPr>
-        <p:spPr>
-          <a:xfrm rot="0">
+          <p:cNvPr id="12" name="TextBox 12"/>
+          <p:cNvSpPr txBox="1"/>
+          <p:nvPr/>
+        </p:nvSpPr>
+        <p:spPr>
+          <a:xfrm>
             <a:off x="6819754" y="3066217"/>
             <a:ext cx="2845147" cy="580390"/>
           </a:xfrm>
@@ -8608,7 +8736,7 @@
           </a:prstGeom>
         </p:spPr>
         <p:txBody>
-          <a:bodyPr anchor="t" rtlCol="false" tIns="0" lIns="0" bIns="0" rIns="0">
+          <a:bodyPr lIns="0" tIns="0" rIns="0" bIns="0" rtlCol="0" anchor="t">
             <a:spAutoFit/>
           </a:bodyPr>
           <a:lstStyle/>
@@ -8632,12 +8760,12 @@
       </p:sp>
       <p:sp>
         <p:nvSpPr>
-          <p:cNvPr name="TextBox 13" id="13"/>
-          <p:cNvSpPr txBox="true"/>
-          <p:nvPr/>
-        </p:nvSpPr>
-        <p:spPr>
-          <a:xfrm rot="0">
+          <p:cNvPr id="13" name="TextBox 13"/>
+          <p:cNvSpPr txBox="1"/>
+          <p:nvPr/>
+        </p:nvSpPr>
+        <p:spPr>
+          <a:xfrm>
             <a:off x="11481370" y="3192956"/>
             <a:ext cx="2133451" cy="580390"/>
           </a:xfrm>
@@ -8646,7 +8774,7 @@
           </a:prstGeom>
         </p:spPr>
         <p:txBody>
-          <a:bodyPr anchor="t" rtlCol="false" tIns="0" lIns="0" bIns="0" rIns="0">
+          <a:bodyPr lIns="0" tIns="0" rIns="0" bIns="0" rtlCol="0" anchor="t">
             <a:spAutoFit/>
           </a:bodyPr>
           <a:lstStyle/>
@@ -8670,7 +8798,7 @@
       </p:sp>
       <p:sp>
         <p:nvSpPr>
-          <p:cNvPr name="AutoShape 14" id="14"/>
+          <p:cNvPr id="14" name="AutoShape 14"/>
           <p:cNvSpPr/>
           <p:nvPr/>
         </p:nvSpPr>
@@ -8682,24 +8810,24 @@
           <a:prstGeom prst="line">
             <a:avLst/>
           </a:prstGeom>
-          <a:ln cap="flat" w="47625">
+          <a:ln w="47625" cap="flat">
             <a:solidFill>
               <a:srgbClr val="000000"/>
             </a:solidFill>
             <a:prstDash val="solid"/>
-            <a:headEnd type="none" len="sm" w="sm"/>
-            <a:tailEnd type="triangle" len="med" w="lg"/>
+            <a:headEnd type="none" w="sm" len="sm"/>
+            <a:tailEnd type="triangle" w="lg" len="med"/>
           </a:ln>
         </p:spPr>
       </p:sp>
       <p:sp>
         <p:nvSpPr>
-          <p:cNvPr name="TextBox 15" id="15"/>
-          <p:cNvSpPr txBox="true"/>
-          <p:nvPr/>
-        </p:nvSpPr>
-        <p:spPr>
-          <a:xfrm rot="0">
+          <p:cNvPr id="15" name="TextBox 15"/>
+          <p:cNvSpPr txBox="1"/>
+          <p:nvPr/>
+        </p:nvSpPr>
+        <p:spPr>
+          <a:xfrm>
             <a:off x="11127094" y="5290660"/>
             <a:ext cx="1681162" cy="580390"/>
           </a:xfrm>
@@ -8708,7 +8836,7 @@
           </a:prstGeom>
         </p:spPr>
         <p:txBody>
-          <a:bodyPr anchor="t" rtlCol="false" tIns="0" lIns="0" bIns="0" rIns="0">
+          <a:bodyPr lIns="0" tIns="0" rIns="0" bIns="0" rtlCol="0" anchor="t">
             <a:spAutoFit/>
           </a:bodyPr>
           <a:lstStyle/>
@@ -8732,7 +8860,7 @@
       </p:sp>
       <p:sp>
         <p:nvSpPr>
-          <p:cNvPr name="AutoShape 16" id="16"/>
+          <p:cNvPr id="16" name="AutoShape 16"/>
           <p:cNvSpPr/>
           <p:nvPr/>
         </p:nvSpPr>
@@ -8744,24 +8872,24 @@
           <a:prstGeom prst="line">
             <a:avLst/>
           </a:prstGeom>
-          <a:ln cap="flat" w="47625">
+          <a:ln w="47625" cap="flat">
             <a:solidFill>
               <a:srgbClr val="000000"/>
             </a:solidFill>
             <a:prstDash val="solid"/>
-            <a:headEnd type="none" len="sm" w="sm"/>
-            <a:tailEnd type="triangle" len="med" w="lg"/>
+            <a:headEnd type="none" w="sm" len="sm"/>
+            <a:tailEnd type="triangle" w="lg" len="med"/>
           </a:ln>
         </p:spPr>
       </p:sp>
       <p:sp>
         <p:nvSpPr>
-          <p:cNvPr name="TextBox 17" id="17"/>
-          <p:cNvSpPr txBox="true"/>
-          <p:nvPr/>
-        </p:nvSpPr>
-        <p:spPr>
-          <a:xfrm rot="0">
+          <p:cNvPr id="17" name="TextBox 17"/>
+          <p:cNvSpPr txBox="1"/>
+          <p:nvPr/>
+        </p:nvSpPr>
+        <p:spPr>
+          <a:xfrm>
             <a:off x="372419" y="6772890"/>
             <a:ext cx="1943100" cy="580390"/>
           </a:xfrm>
@@ -8770,7 +8898,7 @@
           </a:prstGeom>
         </p:spPr>
         <p:txBody>
-          <a:bodyPr anchor="t" rtlCol="false" tIns="0" lIns="0" bIns="0" rIns="0">
+          <a:bodyPr lIns="0" tIns="0" rIns="0" bIns="0" rtlCol="0" anchor="t">
             <a:spAutoFit/>
           </a:bodyPr>
           <a:lstStyle/>
@@ -8801,13 +8929,14 @@
 </file>
 
 <file path=ppt/slides/slide6.xml><?xml version="1.0" encoding="utf-8"?>
-<p:sld xmlns:p="http://schemas.openxmlformats.org/presentationml/2006/main" xmlns:a="http://schemas.openxmlformats.org/drawingml/2006/main" xmlns:r="http://schemas.openxmlformats.org/officeDocument/2006/relationships">
+<p:sld xmlns:a="http://schemas.openxmlformats.org/drawingml/2006/main" xmlns:r="http://schemas.openxmlformats.org/officeDocument/2006/relationships" xmlns:p="http://schemas.openxmlformats.org/presentationml/2006/main">
   <p:cSld>
     <p:bg>
       <p:bgPr>
         <a:solidFill>
           <a:srgbClr val="FBF3E4"/>
         </a:solidFill>
+        <a:effectLst/>
       </p:bgPr>
     </p:bg>
     <p:spTree>
@@ -8826,21 +8955,21 @@
       </p:grpSpPr>
       <p:pic>
         <p:nvPicPr>
-          <p:cNvPr name="Picture 2" id="2"/>
+          <p:cNvPr id="2" name="Picture 2"/>
           <p:cNvPicPr>
-            <a:picLocks noChangeAspect="true"/>
+            <a:picLocks noChangeAspect="1"/>
           </p:cNvPicPr>
           <p:nvPr/>
         </p:nvPicPr>
         <p:blipFill>
           <a:blip r:embed="rId2"/>
-          <a:srcRect l="0" t="0" r="0" b="0"/>
+          <a:srcRect/>
           <a:stretch>
             <a:fillRect/>
           </a:stretch>
         </p:blipFill>
         <p:spPr>
-          <a:xfrm flipH="false" flipV="false" rot="0">
+          <a:xfrm>
             <a:off x="1651580" y="2229485"/>
             <a:ext cx="2448802" cy="2448802"/>
           </a:xfrm>
@@ -8851,9 +8980,9 @@
       </p:pic>
       <p:pic>
         <p:nvPicPr>
-          <p:cNvPr name="Picture 3" id="3"/>
+          <p:cNvPr id="3" name="Picture 3"/>
           <p:cNvPicPr>
-            <a:picLocks noChangeAspect="true"/>
+            <a:picLocks noChangeAspect="1"/>
           </p:cNvPicPr>
           <p:nvPr/>
         </p:nvPicPr>
@@ -8865,7 +8994,7 @@
           </a:stretch>
         </p:blipFill>
         <p:spPr>
-          <a:xfrm flipH="false" flipV="false" rot="0">
+          <a:xfrm>
             <a:off x="4723261" y="7012446"/>
             <a:ext cx="3474076" cy="1599040"/>
           </a:xfrm>
@@ -8876,21 +9005,21 @@
       </p:pic>
       <p:pic>
         <p:nvPicPr>
-          <p:cNvPr name="Picture 4" id="4"/>
+          <p:cNvPr id="4" name="Picture 4"/>
           <p:cNvPicPr>
-            <a:picLocks noChangeAspect="true"/>
+            <a:picLocks noChangeAspect="1"/>
           </p:cNvPicPr>
           <p:nvPr/>
         </p:nvPicPr>
         <p:blipFill>
           <a:blip r:embed="rId2"/>
-          <a:srcRect l="0" t="0" r="0" b="0"/>
+          <a:srcRect/>
           <a:stretch>
             <a:fillRect/>
           </a:stretch>
         </p:blipFill>
         <p:spPr>
-          <a:xfrm flipH="false" flipV="false" rot="0">
+          <a:xfrm>
             <a:off x="10142258" y="2386275"/>
             <a:ext cx="2448802" cy="2448802"/>
           </a:xfrm>
@@ -8901,21 +9030,21 @@
       </p:pic>
       <p:pic>
         <p:nvPicPr>
-          <p:cNvPr name="Picture 5" id="5"/>
+          <p:cNvPr id="5" name="Picture 5"/>
           <p:cNvPicPr>
-            <a:picLocks noChangeAspect="true"/>
+            <a:picLocks noChangeAspect="1"/>
           </p:cNvPicPr>
           <p:nvPr/>
         </p:nvPicPr>
         <p:blipFill>
           <a:blip r:embed="rId4"/>
-          <a:srcRect l="31425" t="0" r="29432" b="0"/>
+          <a:srcRect l="31425" r="29432"/>
           <a:stretch>
             <a:fillRect/>
           </a:stretch>
         </p:blipFill>
         <p:spPr>
-          <a:xfrm flipH="false" flipV="false" rot="0">
+          <a:xfrm>
             <a:off x="5786678" y="1948815"/>
             <a:ext cx="2148972" cy="2886262"/>
           </a:xfrm>
@@ -8926,55 +9055,55 @@
       </p:pic>
       <p:sp>
         <p:nvSpPr>
-          <p:cNvPr name="AutoShape 6" id="6"/>
+          <p:cNvPr id="6" name="AutoShape 6"/>
           <p:cNvSpPr/>
           <p:nvPr/>
         </p:nvSpPr>
         <p:spPr>
-          <a:xfrm rot="0">
+          <a:xfrm>
             <a:off x="3735182" y="3368134"/>
             <a:ext cx="2244936" cy="0"/>
           </a:xfrm>
           <a:prstGeom prst="line">
             <a:avLst/>
           </a:prstGeom>
-          <a:ln cap="flat" w="47625">
+          <a:ln w="47625" cap="flat">
             <a:solidFill>
               <a:srgbClr val="000000"/>
             </a:solidFill>
             <a:prstDash val="solid"/>
-            <a:headEnd type="none" len="sm" w="sm"/>
-            <a:tailEnd type="triangle" len="med" w="lg"/>
+            <a:headEnd type="none" w="sm" len="sm"/>
+            <a:tailEnd type="triangle" w="lg" len="med"/>
           </a:ln>
         </p:spPr>
       </p:sp>
       <p:sp>
         <p:nvSpPr>
-          <p:cNvPr name="AutoShape 7" id="7"/>
+          <p:cNvPr id="7" name="AutoShape 7"/>
           <p:cNvSpPr/>
           <p:nvPr/>
         </p:nvSpPr>
         <p:spPr>
-          <a:xfrm rot="0">
+          <a:xfrm>
             <a:off x="7380396" y="3320509"/>
             <a:ext cx="2842003" cy="0"/>
           </a:xfrm>
           <a:prstGeom prst="line">
             <a:avLst/>
           </a:prstGeom>
-          <a:ln cap="flat" w="47625">
+          <a:ln w="47625" cap="flat">
             <a:solidFill>
               <a:srgbClr val="000000"/>
             </a:solidFill>
             <a:prstDash val="solid"/>
-            <a:headEnd type="none" len="sm" w="sm"/>
-            <a:tailEnd type="triangle" len="med" w="lg"/>
+            <a:headEnd type="none" w="sm" len="sm"/>
+            <a:tailEnd type="triangle" w="lg" len="med"/>
           </a:ln>
         </p:spPr>
       </p:sp>
       <p:sp>
         <p:nvSpPr>
-          <p:cNvPr name="AutoShape 8" id="8"/>
+          <p:cNvPr id="8" name="AutoShape 8"/>
           <p:cNvSpPr/>
           <p:nvPr/>
         </p:nvSpPr>
@@ -8986,19 +9115,19 @@
           <a:prstGeom prst="line">
             <a:avLst/>
           </a:prstGeom>
-          <a:ln cap="flat" w="47625">
+          <a:ln w="47625" cap="flat">
             <a:solidFill>
               <a:srgbClr val="000000"/>
             </a:solidFill>
             <a:prstDash val="solid"/>
-            <a:headEnd type="none" len="sm" w="sm"/>
-            <a:tailEnd type="triangle" len="med" w="lg"/>
+            <a:headEnd type="none" w="sm" len="sm"/>
+            <a:tailEnd type="triangle" w="lg" len="med"/>
           </a:ln>
         </p:spPr>
       </p:sp>
       <p:sp>
         <p:nvSpPr>
-          <p:cNvPr name="AutoShape 9" id="9"/>
+          <p:cNvPr id="9" name="AutoShape 9"/>
           <p:cNvSpPr/>
           <p:nvPr/>
         </p:nvSpPr>
@@ -9010,33 +9139,33 @@
           <a:prstGeom prst="line">
             <a:avLst/>
           </a:prstGeom>
-          <a:ln cap="flat" w="47625">
+          <a:ln w="47625" cap="flat">
             <a:solidFill>
               <a:srgbClr val="000000"/>
             </a:solidFill>
             <a:prstDash val="solid"/>
-            <a:headEnd type="none" len="sm" w="sm"/>
-            <a:tailEnd type="triangle" len="med" w="lg"/>
+            <a:headEnd type="none" w="sm" len="sm"/>
+            <a:tailEnd type="triangle" w="lg" len="med"/>
           </a:ln>
         </p:spPr>
       </p:sp>
       <p:pic>
         <p:nvPicPr>
-          <p:cNvPr name="Picture 10" id="10"/>
+          <p:cNvPr id="10" name="Picture 10"/>
           <p:cNvPicPr>
-            <a:picLocks noChangeAspect="true"/>
+            <a:picLocks noChangeAspect="1"/>
           </p:cNvPicPr>
           <p:nvPr/>
         </p:nvPicPr>
         <p:blipFill>
           <a:blip r:embed="rId5"/>
-          <a:srcRect l="0" t="1201" r="0" b="3875"/>
+          <a:srcRect t="1201" b="3875"/>
           <a:stretch>
             <a:fillRect/>
           </a:stretch>
         </p:blipFill>
         <p:spPr>
-          <a:xfrm flipH="false" flipV="false" rot="0">
+          <a:xfrm>
             <a:off x="14468210" y="2497081"/>
             <a:ext cx="2687937" cy="1913610"/>
           </a:xfrm>
@@ -9047,21 +9176,21 @@
       </p:pic>
       <p:pic>
         <p:nvPicPr>
-          <p:cNvPr name="Picture 11" id="11"/>
+          <p:cNvPr id="11" name="Picture 11"/>
           <p:cNvPicPr>
-            <a:picLocks noChangeAspect="true"/>
+            <a:picLocks noChangeAspect="1"/>
           </p:cNvPicPr>
           <p:nvPr/>
         </p:nvPicPr>
         <p:blipFill>
           <a:blip r:embed="rId6"/>
-          <a:srcRect l="0" t="0" r="0" b="0"/>
+          <a:srcRect/>
           <a:stretch>
             <a:fillRect/>
           </a:stretch>
         </p:blipFill>
         <p:spPr>
-          <a:xfrm flipH="false" flipV="false" rot="0">
+          <a:xfrm>
             <a:off x="9784820" y="4514099"/>
             <a:ext cx="8901643" cy="5126393"/>
           </a:xfrm>
@@ -9072,12 +9201,12 @@
       </p:pic>
       <p:sp>
         <p:nvSpPr>
-          <p:cNvPr name="TextBox 12" id="12"/>
-          <p:cNvSpPr txBox="true"/>
-          <p:nvPr/>
-        </p:nvSpPr>
-        <p:spPr>
-          <a:xfrm rot="0">
+          <p:cNvPr id="12" name="TextBox 12"/>
+          <p:cNvSpPr txBox="1"/>
+          <p:nvPr/>
+        </p:nvSpPr>
+        <p:spPr>
+          <a:xfrm>
             <a:off x="1800338" y="-95250"/>
             <a:ext cx="14208425" cy="1811020"/>
           </a:xfrm>
@@ -9086,7 +9215,7 @@
           </a:prstGeom>
         </p:spPr>
         <p:txBody>
-          <a:bodyPr anchor="t" rtlCol="false" tIns="0" lIns="0" bIns="0" rIns="0">
+          <a:bodyPr lIns="0" tIns="0" rIns="0" bIns="0" rtlCol="0" anchor="t">
             <a:spAutoFit/>
           </a:bodyPr>
           <a:lstStyle/>
@@ -9110,12 +9239,12 @@
       </p:sp>
       <p:sp>
         <p:nvSpPr>
-          <p:cNvPr name="TextBox 13" id="13"/>
-          <p:cNvSpPr txBox="true"/>
-          <p:nvPr/>
-        </p:nvSpPr>
-        <p:spPr>
-          <a:xfrm rot="0">
+          <p:cNvPr id="13" name="TextBox 13"/>
+          <p:cNvSpPr txBox="1"/>
+          <p:nvPr/>
+        </p:nvSpPr>
+        <p:spPr>
+          <a:xfrm>
             <a:off x="1028700" y="1649095"/>
             <a:ext cx="3694561" cy="580390"/>
           </a:xfrm>
@@ -9124,7 +9253,7 @@
           </a:prstGeom>
         </p:spPr>
         <p:txBody>
-          <a:bodyPr anchor="t" rtlCol="false" tIns="0" lIns="0" bIns="0" rIns="0">
+          <a:bodyPr lIns="0" tIns="0" rIns="0" bIns="0" rtlCol="0" anchor="t">
             <a:spAutoFit/>
           </a:bodyPr>
           <a:lstStyle/>
@@ -9148,12 +9277,12 @@
       </p:sp>
       <p:sp>
         <p:nvSpPr>
-          <p:cNvPr name="TextBox 14" id="14"/>
-          <p:cNvSpPr txBox="true"/>
-          <p:nvPr/>
-        </p:nvSpPr>
-        <p:spPr>
-          <a:xfrm rot="0">
+          <p:cNvPr id="14" name="TextBox 14"/>
+          <p:cNvSpPr txBox="1"/>
+          <p:nvPr/>
+        </p:nvSpPr>
+        <p:spPr>
+          <a:xfrm>
             <a:off x="4049070" y="2740119"/>
             <a:ext cx="1348383" cy="580390"/>
           </a:xfrm>
@@ -9162,7 +9291,7 @@
           </a:prstGeom>
         </p:spPr>
         <p:txBody>
-          <a:bodyPr anchor="t" rtlCol="false" tIns="0" lIns="0" bIns="0" rIns="0">
+          <a:bodyPr lIns="0" tIns="0" rIns="0" bIns="0" rtlCol="0" anchor="t">
             <a:spAutoFit/>
           </a:bodyPr>
           <a:lstStyle/>
@@ -9186,12 +9315,12 @@
       </p:sp>
       <p:sp>
         <p:nvSpPr>
-          <p:cNvPr name="TextBox 15" id="15"/>
-          <p:cNvSpPr txBox="true"/>
-          <p:nvPr/>
-        </p:nvSpPr>
-        <p:spPr>
-          <a:xfrm rot="0">
+          <p:cNvPr id="15" name="TextBox 15"/>
+          <p:cNvSpPr txBox="1"/>
+          <p:nvPr/>
+        </p:nvSpPr>
+        <p:spPr>
+          <a:xfrm>
             <a:off x="7462654" y="2740119"/>
             <a:ext cx="2644080" cy="580390"/>
           </a:xfrm>
@@ -9200,7 +9329,7 @@
           </a:prstGeom>
         </p:spPr>
         <p:txBody>
-          <a:bodyPr anchor="t" rtlCol="false" tIns="0" lIns="0" bIns="0" rIns="0">
+          <a:bodyPr lIns="0" tIns="0" rIns="0" bIns="0" rtlCol="0" anchor="t">
             <a:spAutoFit/>
           </a:bodyPr>
           <a:lstStyle/>
@@ -9224,12 +9353,12 @@
       </p:sp>
       <p:sp>
         <p:nvSpPr>
-          <p:cNvPr name="TextBox 16" id="16"/>
-          <p:cNvSpPr txBox="true"/>
-          <p:nvPr/>
-        </p:nvSpPr>
-        <p:spPr>
-          <a:xfrm rot="0">
+          <p:cNvPr id="16" name="TextBox 16"/>
+          <p:cNvSpPr txBox="1"/>
+          <p:nvPr/>
+        </p:nvSpPr>
+        <p:spPr>
+          <a:xfrm>
             <a:off x="9519378" y="1882140"/>
             <a:ext cx="3694561" cy="580390"/>
           </a:xfrm>
@@ -9238,7 +9367,7 @@
           </a:prstGeom>
         </p:spPr>
         <p:txBody>
-          <a:bodyPr anchor="t" rtlCol="false" tIns="0" lIns="0" bIns="0" rIns="0">
+          <a:bodyPr lIns="0" tIns="0" rIns="0" bIns="0" rtlCol="0" anchor="t">
             <a:spAutoFit/>
           </a:bodyPr>
           <a:lstStyle/>
@@ -9262,12 +9391,12 @@
       </p:sp>
       <p:sp>
         <p:nvSpPr>
-          <p:cNvPr name="TextBox 17" id="17"/>
-          <p:cNvSpPr txBox="true"/>
-          <p:nvPr/>
-        </p:nvSpPr>
-        <p:spPr>
-          <a:xfrm rot="0">
+          <p:cNvPr id="17" name="TextBox 17"/>
+          <p:cNvSpPr txBox="1"/>
+          <p:nvPr/>
+        </p:nvSpPr>
+        <p:spPr>
+          <a:xfrm>
             <a:off x="12192237" y="2740119"/>
             <a:ext cx="2043405" cy="580390"/>
           </a:xfrm>
@@ -9276,7 +9405,7 @@
           </a:prstGeom>
         </p:spPr>
         <p:txBody>
-          <a:bodyPr anchor="t" rtlCol="false" tIns="0" lIns="0" bIns="0" rIns="0">
+          <a:bodyPr lIns="0" tIns="0" rIns="0" bIns="0" rtlCol="0" anchor="t">
             <a:spAutoFit/>
           </a:bodyPr>
           <a:lstStyle/>
@@ -9300,7 +9429,7 @@
       </p:sp>
       <p:sp>
         <p:nvSpPr>
-          <p:cNvPr name="AutoShape 18" id="18"/>
+          <p:cNvPr id="18" name="AutoShape 18"/>
           <p:cNvSpPr/>
           <p:nvPr/>
         </p:nvSpPr>
@@ -9312,19 +9441,19 @@
           <a:prstGeom prst="line">
             <a:avLst/>
           </a:prstGeom>
-          <a:ln cap="flat" w="47625">
+          <a:ln w="47625" cap="flat">
             <a:solidFill>
               <a:srgbClr val="000000"/>
             </a:solidFill>
             <a:prstDash val="solid"/>
-            <a:headEnd type="none" len="sm" w="sm"/>
-            <a:tailEnd type="triangle" len="med" w="lg"/>
+            <a:headEnd type="none" w="sm" len="sm"/>
+            <a:tailEnd type="triangle" w="lg" len="med"/>
           </a:ln>
         </p:spPr>
       </p:sp>
       <p:sp>
         <p:nvSpPr>
-          <p:cNvPr name="AutoShape 19" id="19"/>
+          <p:cNvPr id="19" name="AutoShape 19"/>
           <p:cNvSpPr/>
           <p:nvPr/>
         </p:nvSpPr>
@@ -9336,24 +9465,24 @@
           <a:prstGeom prst="line">
             <a:avLst/>
           </a:prstGeom>
-          <a:ln cap="flat" w="47625">
+          <a:ln w="47625" cap="flat">
             <a:solidFill>
               <a:srgbClr val="000000"/>
             </a:solidFill>
             <a:prstDash val="solid"/>
-            <a:headEnd type="none" len="sm" w="sm"/>
-            <a:tailEnd type="triangle" len="med" w="lg"/>
+            <a:headEnd type="none" w="sm" len="sm"/>
+            <a:tailEnd type="triangle" w="lg" len="med"/>
           </a:ln>
         </p:spPr>
       </p:sp>
       <p:sp>
         <p:nvSpPr>
-          <p:cNvPr name="TextBox 20" id="20"/>
-          <p:cNvSpPr txBox="true"/>
-          <p:nvPr/>
-        </p:nvSpPr>
-        <p:spPr>
-          <a:xfrm rot="0">
+          <p:cNvPr id="20" name="TextBox 20"/>
+          <p:cNvSpPr txBox="1"/>
+          <p:nvPr/>
+        </p:nvSpPr>
+        <p:spPr>
+          <a:xfrm>
             <a:off x="4553228" y="5771249"/>
             <a:ext cx="2043405" cy="580390"/>
           </a:xfrm>
@@ -9362,7 +9491,7 @@
           </a:prstGeom>
         </p:spPr>
         <p:txBody>
-          <a:bodyPr anchor="t" rtlCol="false" tIns="0" lIns="0" bIns="0" rIns="0">
+          <a:bodyPr lIns="0" tIns="0" rIns="0" bIns="0" rtlCol="0" anchor="t">
             <a:spAutoFit/>
           </a:bodyPr>
           <a:lstStyle/>
@@ -9386,8 +9515,8 @@
       </p:sp>
       <p:sp>
         <p:nvSpPr>
-          <p:cNvPr name="TextBox 21" id="21"/>
-          <p:cNvSpPr txBox="true"/>
+          <p:cNvPr id="21" name="TextBox 21"/>
+          <p:cNvSpPr txBox="1"/>
           <p:nvPr/>
         </p:nvSpPr>
         <p:spPr>
@@ -9400,7 +9529,7 @@
           </a:prstGeom>
         </p:spPr>
         <p:txBody>
-          <a:bodyPr anchor="t" rtlCol="false" tIns="0" lIns="0" bIns="0" rIns="0">
+          <a:bodyPr lIns="0" tIns="0" rIns="0" bIns="0" rtlCol="0" anchor="t">
             <a:spAutoFit/>
           </a:bodyPr>
           <a:lstStyle/>
@@ -9424,8 +9553,8 @@
       </p:sp>
       <p:sp>
         <p:nvSpPr>
-          <p:cNvPr name="TextBox 22" id="22"/>
-          <p:cNvSpPr txBox="true"/>
+          <p:cNvPr id="22" name="TextBox 22"/>
+          <p:cNvSpPr txBox="1"/>
           <p:nvPr/>
         </p:nvSpPr>
         <p:spPr>
@@ -9438,7 +9567,7 @@
           </a:prstGeom>
         </p:spPr>
         <p:txBody>
-          <a:bodyPr anchor="t" rtlCol="false" tIns="0" lIns="0" bIns="0" rIns="0">
+          <a:bodyPr lIns="0" tIns="0" rIns="0" bIns="0" rtlCol="0" anchor="t">
             <a:spAutoFit/>
           </a:bodyPr>
           <a:lstStyle/>
@@ -9462,21 +9591,21 @@
       </p:sp>
       <p:pic>
         <p:nvPicPr>
-          <p:cNvPr name="Picture 23" id="23"/>
+          <p:cNvPr id="23" name="Picture 23"/>
           <p:cNvPicPr>
-            <a:picLocks noChangeAspect="true"/>
+            <a:picLocks noChangeAspect="1"/>
           </p:cNvPicPr>
           <p:nvPr/>
         </p:nvPicPr>
         <p:blipFill>
           <a:blip r:embed="rId5"/>
-          <a:srcRect l="0" t="1201" r="0" b="3875"/>
+          <a:srcRect t="1201" b="3875"/>
           <a:stretch>
             <a:fillRect/>
           </a:stretch>
         </p:blipFill>
         <p:spPr>
-          <a:xfrm flipH="false" flipV="false" rot="0">
+          <a:xfrm>
             <a:off x="1183655" y="7100589"/>
             <a:ext cx="2687937" cy="1913610"/>
           </a:xfrm>
@@ -9487,7 +9616,7 @@
       </p:pic>
       <p:sp>
         <p:nvSpPr>
-          <p:cNvPr name="AutoShape 24" id="24"/>
+          <p:cNvPr id="24" name="AutoShape 24"/>
           <p:cNvSpPr/>
           <p:nvPr/>
         </p:nvSpPr>
@@ -9499,24 +9628,24 @@
           <a:prstGeom prst="line">
             <a:avLst/>
           </a:prstGeom>
-          <a:ln cap="flat" w="47625">
+          <a:ln w="47625" cap="flat">
             <a:solidFill>
               <a:srgbClr val="000000"/>
             </a:solidFill>
             <a:prstDash val="solid"/>
-            <a:headEnd type="none" len="sm" w="sm"/>
-            <a:tailEnd type="triangle" len="med" w="lg"/>
+            <a:headEnd type="none" w="sm" len="sm"/>
+            <a:tailEnd type="triangle" w="lg" len="med"/>
           </a:ln>
         </p:spPr>
       </p:sp>
       <p:sp>
         <p:nvSpPr>
-          <p:cNvPr name="TextBox 25" id="25"/>
-          <p:cNvSpPr txBox="true"/>
-          <p:nvPr/>
-        </p:nvSpPr>
-        <p:spPr>
-          <a:xfrm rot="0">
+          <p:cNvPr id="25" name="TextBox 25"/>
+          <p:cNvSpPr txBox="1"/>
+          <p:nvPr/>
+        </p:nvSpPr>
+        <p:spPr>
+          <a:xfrm>
             <a:off x="155074" y="5771249"/>
             <a:ext cx="2673282" cy="580390"/>
           </a:xfrm>
@@ -9525,7 +9654,7 @@
           </a:prstGeom>
         </p:spPr>
         <p:txBody>
-          <a:bodyPr anchor="t" rtlCol="false" tIns="0" lIns="0" bIns="0" rIns="0">
+          <a:bodyPr lIns="0" tIns="0" rIns="0" bIns="0" rtlCol="0" anchor="t">
             <a:spAutoFit/>
           </a:bodyPr>
           <a:lstStyle/>
@@ -9556,7 +9685,7 @@
 </file>
 
 <file path=ppt/slides/slide7.xml><?xml version="1.0" encoding="utf-8"?>
-<p:sld xmlns:p="http://schemas.openxmlformats.org/presentationml/2006/main" xmlns:a="http://schemas.openxmlformats.org/drawingml/2006/main" xmlns:r="http://schemas.openxmlformats.org/officeDocument/2006/relationships">
+<p:sld xmlns:a="http://schemas.openxmlformats.org/drawingml/2006/main" xmlns:r="http://schemas.openxmlformats.org/officeDocument/2006/relationships" xmlns:p="http://schemas.openxmlformats.org/presentationml/2006/main">
   <p:cSld>
     <p:spTree>
       <p:nvGrpSpPr>
@@ -9574,21 +9703,21 @@
       </p:grpSpPr>
       <p:pic>
         <p:nvPicPr>
-          <p:cNvPr name="Picture 2" id="2"/>
+          <p:cNvPr id="2" name="Picture 2"/>
           <p:cNvPicPr>
-            <a:picLocks noChangeAspect="true"/>
+            <a:picLocks noChangeAspect="1"/>
           </p:cNvPicPr>
           <p:nvPr/>
         </p:nvPicPr>
         <p:blipFill>
           <a:blip r:embed="rId2"/>
-          <a:srcRect l="0" t="1201" r="0" b="3875"/>
+          <a:srcRect t="1201" b="3875"/>
           <a:stretch>
             <a:fillRect/>
           </a:stretch>
         </p:blipFill>
         <p:spPr>
-          <a:xfrm flipH="false" flipV="false" rot="0">
+          <a:xfrm>
             <a:off x="-228654" y="3996372"/>
             <a:ext cx="2687937" cy="1913610"/>
           </a:xfrm>
@@ -9599,21 +9728,21 @@
       </p:pic>
       <p:pic>
         <p:nvPicPr>
-          <p:cNvPr name="Picture 3" id="3"/>
+          <p:cNvPr id="3" name="Picture 3"/>
           <p:cNvPicPr>
-            <a:picLocks noChangeAspect="true"/>
+            <a:picLocks noChangeAspect="1"/>
           </p:cNvPicPr>
           <p:nvPr/>
         </p:nvPicPr>
         <p:blipFill>
           <a:blip r:embed="rId3"/>
-          <a:srcRect l="31425" t="0" r="29432" b="0"/>
+          <a:srcRect l="31425" r="29432"/>
           <a:stretch>
             <a:fillRect/>
           </a:stretch>
         </p:blipFill>
         <p:spPr>
-          <a:xfrm flipH="false" flipV="false" rot="0">
+          <a:xfrm>
             <a:off x="9199476" y="-284638"/>
             <a:ext cx="2148972" cy="2886262"/>
           </a:xfrm>
@@ -9624,9 +9753,9 @@
       </p:pic>
       <p:pic>
         <p:nvPicPr>
-          <p:cNvPr name="Picture 4" id="4"/>
+          <p:cNvPr id="4" name="Picture 4"/>
           <p:cNvPicPr>
-            <a:picLocks noChangeAspect="true"/>
+            <a:picLocks noChangeAspect="1"/>
           </p:cNvPicPr>
           <p:nvPr/>
         </p:nvPicPr>
@@ -9638,7 +9767,7 @@
           </a:stretch>
         </p:blipFill>
         <p:spPr>
-          <a:xfrm flipH="false" flipV="false" rot="0">
+          <a:xfrm>
             <a:off x="14694612" y="4346698"/>
             <a:ext cx="3593388" cy="1653957"/>
           </a:xfrm>
@@ -9649,7 +9778,7 @@
       </p:pic>
       <p:sp>
         <p:nvSpPr>
-          <p:cNvPr name="AutoShape 5" id="5"/>
+          <p:cNvPr id="5" name="AutoShape 5"/>
           <p:cNvSpPr/>
           <p:nvPr/>
         </p:nvSpPr>
@@ -9661,57 +9790,57 @@
           <a:prstGeom prst="line">
             <a:avLst/>
           </a:prstGeom>
-          <a:ln cap="flat" w="47625">
+          <a:ln w="47625" cap="flat">
             <a:solidFill>
               <a:srgbClr val="000000"/>
             </a:solidFill>
             <a:prstDash val="solid"/>
-            <a:headEnd type="none" len="sm" w="sm"/>
-            <a:tailEnd type="triangle" len="med" w="lg"/>
+            <a:headEnd type="none" w="sm" len="sm"/>
+            <a:tailEnd type="triangle" w="lg" len="med"/>
           </a:ln>
         </p:spPr>
       </p:sp>
       <p:sp>
         <p:nvSpPr>
-          <p:cNvPr name="AutoShape 6" id="6"/>
+          <p:cNvPr id="6" name="AutoShape 6"/>
           <p:cNvSpPr/>
           <p:nvPr/>
         </p:nvSpPr>
         <p:spPr>
-          <a:xfrm rot="0">
+          <a:xfrm>
             <a:off x="2303609" y="5126052"/>
             <a:ext cx="1053268" cy="0"/>
           </a:xfrm>
           <a:prstGeom prst="line">
             <a:avLst/>
           </a:prstGeom>
-          <a:ln cap="flat" w="47625">
+          <a:ln w="47625" cap="flat">
             <a:solidFill>
               <a:srgbClr val="000000"/>
             </a:solidFill>
             <a:prstDash val="solid"/>
-            <a:headEnd type="arrow" len="sm" w="med"/>
-            <a:tailEnd type="arrow" len="sm" w="med"/>
+            <a:headEnd type="arrow" w="med" len="sm"/>
+            <a:tailEnd type="arrow" w="med" len="sm"/>
           </a:ln>
         </p:spPr>
       </p:sp>
       <p:pic>
         <p:nvPicPr>
-          <p:cNvPr name="Picture 7" id="7"/>
+          <p:cNvPr id="7" name="Picture 7"/>
           <p:cNvPicPr>
-            <a:picLocks noChangeAspect="true"/>
+            <a:picLocks noChangeAspect="1"/>
           </p:cNvPicPr>
           <p:nvPr/>
         </p:nvPicPr>
         <p:blipFill>
           <a:blip r:embed="rId5"/>
-          <a:srcRect l="0" t="0" r="0" b="0"/>
+          <a:srcRect/>
           <a:stretch>
             <a:fillRect/>
           </a:stretch>
         </p:blipFill>
         <p:spPr>
-          <a:xfrm flipH="false" flipV="false" rot="0">
+          <a:xfrm>
             <a:off x="3580994" y="4043543"/>
             <a:ext cx="2350995" cy="2525640"/>
           </a:xfrm>
@@ -9722,12 +9851,12 @@
       </p:pic>
       <p:sp>
         <p:nvSpPr>
-          <p:cNvPr name="TextBox 8" id="8"/>
-          <p:cNvSpPr txBox="true"/>
-          <p:nvPr/>
-        </p:nvSpPr>
-        <p:spPr>
-          <a:xfrm rot="0">
+          <p:cNvPr id="8" name="TextBox 8"/>
+          <p:cNvSpPr txBox="1"/>
+          <p:nvPr/>
+        </p:nvSpPr>
+        <p:spPr>
+          <a:xfrm>
             <a:off x="2205388" y="4299073"/>
             <a:ext cx="1249710" cy="475780"/>
           </a:xfrm>
@@ -9736,7 +9865,7 @@
           </a:prstGeom>
         </p:spPr>
         <p:txBody>
-          <a:bodyPr anchor="t" rtlCol="false" tIns="0" lIns="0" bIns="0" rIns="0">
+          <a:bodyPr lIns="0" tIns="0" rIns="0" bIns="0" rtlCol="0" anchor="t">
             <a:spAutoFit/>
           </a:bodyPr>
           <a:lstStyle/>
@@ -9760,12 +9889,12 @@
       </p:sp>
       <p:sp>
         <p:nvSpPr>
-          <p:cNvPr name="TextBox 9" id="9"/>
-          <p:cNvSpPr txBox="true"/>
-          <p:nvPr/>
-        </p:nvSpPr>
-        <p:spPr>
-          <a:xfrm rot="0">
+          <p:cNvPr id="9" name="TextBox 9"/>
+          <p:cNvSpPr txBox="1"/>
+          <p:nvPr/>
+        </p:nvSpPr>
+        <p:spPr>
+          <a:xfrm>
             <a:off x="7484235" y="310507"/>
             <a:ext cx="693837" cy="580390"/>
           </a:xfrm>
@@ -9774,7 +9903,7 @@
           </a:prstGeom>
         </p:spPr>
         <p:txBody>
-          <a:bodyPr anchor="t" rtlCol="false" tIns="0" lIns="0" bIns="0" rIns="0">
+          <a:bodyPr lIns="0" tIns="0" rIns="0" bIns="0" rtlCol="0" anchor="t">
             <a:spAutoFit/>
           </a:bodyPr>
           <a:lstStyle/>
@@ -9798,21 +9927,21 @@
       </p:sp>
       <p:pic>
         <p:nvPicPr>
-          <p:cNvPr name="Picture 10" id="10"/>
+          <p:cNvPr id="10" name="Picture 10"/>
           <p:cNvPicPr>
-            <a:picLocks noChangeAspect="true"/>
+            <a:picLocks noChangeAspect="1"/>
           </p:cNvPicPr>
           <p:nvPr/>
         </p:nvPicPr>
         <p:blipFill>
           <a:blip r:embed="rId3"/>
-          <a:srcRect l="31425" t="0" r="29432" b="0"/>
+          <a:srcRect l="31425" r="29432"/>
           <a:stretch>
             <a:fillRect/>
           </a:stretch>
         </p:blipFill>
         <p:spPr>
-          <a:xfrm flipH="false" flipV="false" rot="0">
+          <a:xfrm>
             <a:off x="9199476" y="2147140"/>
             <a:ext cx="2148972" cy="2886262"/>
           </a:xfrm>
@@ -9823,7 +9952,7 @@
       </p:pic>
       <p:sp>
         <p:nvSpPr>
-          <p:cNvPr name="AutoShape 11" id="11"/>
+          <p:cNvPr id="11" name="AutoShape 11"/>
           <p:cNvSpPr/>
           <p:nvPr/>
         </p:nvSpPr>
@@ -9835,24 +9964,24 @@
           <a:prstGeom prst="line">
             <a:avLst/>
           </a:prstGeom>
-          <a:ln cap="flat" w="47625">
+          <a:ln w="47625" cap="flat">
             <a:solidFill>
               <a:srgbClr val="000000"/>
             </a:solidFill>
             <a:prstDash val="solid"/>
-            <a:headEnd type="none" len="sm" w="sm"/>
-            <a:tailEnd type="triangle" len="med" w="lg"/>
+            <a:headEnd type="none" w="sm" len="sm"/>
+            <a:tailEnd type="triangle" w="lg" len="med"/>
           </a:ln>
         </p:spPr>
       </p:sp>
       <p:sp>
         <p:nvSpPr>
-          <p:cNvPr name="TextBox 12" id="12"/>
-          <p:cNvSpPr txBox="true"/>
-          <p:nvPr/>
-        </p:nvSpPr>
-        <p:spPr>
-          <a:xfrm rot="0">
+          <p:cNvPr id="12" name="TextBox 12"/>
+          <p:cNvSpPr txBox="1"/>
+          <p:nvPr/>
+        </p:nvSpPr>
+        <p:spPr>
+          <a:xfrm>
             <a:off x="7405430" y="2742285"/>
             <a:ext cx="851446" cy="580390"/>
           </a:xfrm>
@@ -9861,7 +9990,7 @@
           </a:prstGeom>
         </p:spPr>
         <p:txBody>
-          <a:bodyPr anchor="t" rtlCol="false" tIns="0" lIns="0" bIns="0" rIns="0">
+          <a:bodyPr lIns="0" tIns="0" rIns="0" bIns="0" rtlCol="0" anchor="t">
             <a:spAutoFit/>
           </a:bodyPr>
           <a:lstStyle/>
@@ -9885,21 +10014,21 @@
       </p:sp>
       <p:pic>
         <p:nvPicPr>
-          <p:cNvPr name="Picture 13" id="13"/>
+          <p:cNvPr id="13" name="Picture 13"/>
           <p:cNvPicPr>
-            <a:picLocks noChangeAspect="true"/>
+            <a:picLocks noChangeAspect="1"/>
           </p:cNvPicPr>
           <p:nvPr/>
         </p:nvPicPr>
         <p:blipFill>
           <a:blip r:embed="rId3"/>
-          <a:srcRect l="31425" t="0" r="29432" b="0"/>
+          <a:srcRect l="31425" r="29432"/>
           <a:stretch>
             <a:fillRect/>
           </a:stretch>
         </p:blipFill>
         <p:spPr>
-          <a:xfrm flipH="false" flipV="false" rot="0">
+          <a:xfrm>
             <a:off x="9199679" y="5126052"/>
             <a:ext cx="2148972" cy="2886262"/>
           </a:xfrm>
@@ -9910,36 +10039,36 @@
       </p:pic>
       <p:sp>
         <p:nvSpPr>
-          <p:cNvPr name="AutoShape 14" id="14"/>
+          <p:cNvPr id="14" name="AutoShape 14"/>
           <p:cNvSpPr/>
           <p:nvPr/>
         </p:nvSpPr>
         <p:spPr>
-          <a:xfrm rot="0">
+          <a:xfrm>
             <a:off x="6408579" y="6290353"/>
             <a:ext cx="2791100" cy="0"/>
           </a:xfrm>
           <a:prstGeom prst="line">
             <a:avLst/>
           </a:prstGeom>
-          <a:ln cap="flat" w="47625">
+          <a:ln w="47625" cap="flat">
             <a:solidFill>
               <a:srgbClr val="000000"/>
             </a:solidFill>
             <a:prstDash val="solid"/>
-            <a:headEnd type="none" len="sm" w="sm"/>
-            <a:tailEnd type="triangle" len="med" w="lg"/>
+            <a:headEnd type="none" w="sm" len="sm"/>
+            <a:tailEnd type="triangle" w="lg" len="med"/>
           </a:ln>
         </p:spPr>
       </p:sp>
       <p:sp>
         <p:nvSpPr>
-          <p:cNvPr name="TextBox 15" id="15"/>
-          <p:cNvSpPr txBox="true"/>
-          <p:nvPr/>
-        </p:nvSpPr>
-        <p:spPr>
-          <a:xfrm rot="0">
+          <p:cNvPr id="15" name="TextBox 15"/>
+          <p:cNvSpPr txBox="1"/>
+          <p:nvPr/>
+        </p:nvSpPr>
+        <p:spPr>
+          <a:xfrm>
             <a:off x="7526055" y="5586449"/>
             <a:ext cx="652016" cy="580390"/>
           </a:xfrm>
@@ -9948,7 +10077,7 @@
           </a:prstGeom>
         </p:spPr>
         <p:txBody>
-          <a:bodyPr anchor="t" rtlCol="false" tIns="0" lIns="0" bIns="0" rIns="0">
+          <a:bodyPr lIns="0" tIns="0" rIns="0" bIns="0" rtlCol="0" anchor="t">
             <a:spAutoFit/>
           </a:bodyPr>
           <a:lstStyle/>
@@ -9972,21 +10101,21 @@
       </p:sp>
       <p:pic>
         <p:nvPicPr>
-          <p:cNvPr name="Picture 16" id="16"/>
+          <p:cNvPr id="16" name="Picture 16"/>
           <p:cNvPicPr>
-            <a:picLocks noChangeAspect="true"/>
+            <a:picLocks noChangeAspect="1"/>
           </p:cNvPicPr>
           <p:nvPr/>
         </p:nvPicPr>
         <p:blipFill>
           <a:blip r:embed="rId3"/>
-          <a:srcRect l="31425" t="0" r="29432" b="0"/>
+          <a:srcRect l="31425" r="29432"/>
           <a:stretch>
             <a:fillRect/>
           </a:stretch>
         </p:blipFill>
         <p:spPr>
-          <a:xfrm flipH="false" flipV="false" rot="0">
+          <a:xfrm>
             <a:off x="9144000" y="7400738"/>
             <a:ext cx="2148972" cy="2886262"/>
           </a:xfrm>
@@ -9997,36 +10126,36 @@
       </p:pic>
       <p:sp>
         <p:nvSpPr>
-          <p:cNvPr name="AutoShape 17" id="17"/>
+          <p:cNvPr id="17" name="AutoShape 17"/>
           <p:cNvSpPr/>
           <p:nvPr/>
         </p:nvSpPr>
         <p:spPr>
-          <a:xfrm rot="0">
+          <a:xfrm>
             <a:off x="6385246" y="8805769"/>
             <a:ext cx="2814433" cy="0"/>
           </a:xfrm>
           <a:prstGeom prst="line">
             <a:avLst/>
           </a:prstGeom>
-          <a:ln cap="flat" w="47625">
+          <a:ln w="47625" cap="flat">
             <a:solidFill>
               <a:srgbClr val="000000"/>
             </a:solidFill>
             <a:prstDash val="solid"/>
-            <a:headEnd type="none" len="sm" w="sm"/>
-            <a:tailEnd type="triangle" len="med" w="lg"/>
+            <a:headEnd type="none" w="sm" len="sm"/>
+            <a:tailEnd type="triangle" w="lg" len="med"/>
           </a:ln>
         </p:spPr>
       </p:sp>
       <p:sp>
         <p:nvSpPr>
-          <p:cNvPr name="TextBox 18" id="18"/>
-          <p:cNvSpPr txBox="true"/>
-          <p:nvPr/>
-        </p:nvSpPr>
-        <p:spPr>
-          <a:xfrm rot="0">
+          <p:cNvPr id="18" name="TextBox 18"/>
+          <p:cNvSpPr txBox="1"/>
+          <p:nvPr/>
+        </p:nvSpPr>
+        <p:spPr>
+          <a:xfrm>
             <a:off x="7492842" y="7995883"/>
             <a:ext cx="1258044" cy="580390"/>
           </a:xfrm>
@@ -10035,7 +10164,7 @@
           </a:prstGeom>
         </p:spPr>
         <p:txBody>
-          <a:bodyPr anchor="t" rtlCol="false" tIns="0" lIns="0" bIns="0" rIns="0">
+          <a:bodyPr lIns="0" tIns="0" rIns="0" bIns="0" rtlCol="0" anchor="t">
             <a:spAutoFit/>
           </a:bodyPr>
           <a:lstStyle/>
@@ -10059,7 +10188,7 @@
       </p:sp>
       <p:sp>
         <p:nvSpPr>
-          <p:cNvPr name="AutoShape 19" id="19"/>
+          <p:cNvPr id="19" name="AutoShape 19"/>
           <p:cNvSpPr/>
           <p:nvPr/>
         </p:nvSpPr>
@@ -10071,139 +10200,139 @@
           <a:prstGeom prst="line">
             <a:avLst/>
           </a:prstGeom>
-          <a:ln cap="flat" w="47625">
+          <a:ln w="47625" cap="flat">
             <a:solidFill>
               <a:srgbClr val="000000"/>
             </a:solidFill>
             <a:prstDash val="solid"/>
-            <a:headEnd type="none" len="sm" w="sm"/>
-            <a:tailEnd type="none" len="sm" w="sm"/>
+            <a:headEnd type="none" w="sm" len="sm"/>
+            <a:tailEnd type="none" w="sm" len="sm"/>
           </a:ln>
         </p:spPr>
       </p:sp>
       <p:sp>
         <p:nvSpPr>
-          <p:cNvPr name="AutoShape 20" id="20"/>
+          <p:cNvPr id="20" name="AutoShape 20"/>
           <p:cNvSpPr/>
           <p:nvPr/>
         </p:nvSpPr>
         <p:spPr>
-          <a:xfrm rot="0">
+          <a:xfrm>
             <a:off x="5478733" y="5149864"/>
             <a:ext cx="906513" cy="0"/>
           </a:xfrm>
           <a:prstGeom prst="line">
             <a:avLst/>
           </a:prstGeom>
-          <a:ln cap="flat" w="47625">
+          <a:ln w="47625" cap="flat">
             <a:solidFill>
               <a:srgbClr val="000000"/>
             </a:solidFill>
             <a:prstDash val="solid"/>
-            <a:headEnd type="none" len="sm" w="sm"/>
-            <a:tailEnd type="none" len="sm" w="sm"/>
+            <a:headEnd type="none" w="sm" len="sm"/>
+            <a:tailEnd type="none" w="sm" len="sm"/>
           </a:ln>
         </p:spPr>
       </p:sp>
       <p:sp>
         <p:nvSpPr>
-          <p:cNvPr name="AutoShape 21" id="21"/>
+          <p:cNvPr id="21" name="AutoShape 21"/>
           <p:cNvSpPr/>
           <p:nvPr/>
         </p:nvSpPr>
         <p:spPr>
-          <a:xfrm rot="0">
+          <a:xfrm>
             <a:off x="11067476" y="1070022"/>
             <a:ext cx="3173842" cy="0"/>
           </a:xfrm>
           <a:prstGeom prst="line">
             <a:avLst/>
           </a:prstGeom>
-          <a:ln cap="flat" w="47625">
+          <a:ln w="47625" cap="flat">
             <a:solidFill>
               <a:srgbClr val="000000"/>
             </a:solidFill>
             <a:prstDash val="solid"/>
-            <a:headEnd type="none" len="sm" w="sm"/>
-            <a:tailEnd type="none" len="sm" w="sm"/>
+            <a:headEnd type="none" w="sm" len="sm"/>
+            <a:tailEnd type="none" w="sm" len="sm"/>
           </a:ln>
         </p:spPr>
       </p:sp>
       <p:sp>
         <p:nvSpPr>
-          <p:cNvPr name="AutoShape 22" id="22"/>
+          <p:cNvPr id="22" name="AutoShape 22"/>
           <p:cNvSpPr/>
           <p:nvPr/>
         </p:nvSpPr>
         <p:spPr>
-          <a:xfrm rot="0">
+          <a:xfrm>
             <a:off x="11067476" y="3764713"/>
             <a:ext cx="3173842" cy="0"/>
           </a:xfrm>
           <a:prstGeom prst="line">
             <a:avLst/>
           </a:prstGeom>
-          <a:ln cap="flat" w="47625">
+          <a:ln w="47625" cap="flat">
             <a:solidFill>
               <a:srgbClr val="000000"/>
             </a:solidFill>
             <a:prstDash val="solid"/>
-            <a:headEnd type="none" len="sm" w="sm"/>
-            <a:tailEnd type="none" len="sm" w="sm"/>
+            <a:headEnd type="none" w="sm" len="sm"/>
+            <a:tailEnd type="none" w="sm" len="sm"/>
           </a:ln>
         </p:spPr>
       </p:sp>
       <p:sp>
         <p:nvSpPr>
-          <p:cNvPr name="AutoShape 23" id="23"/>
+          <p:cNvPr id="23" name="AutoShape 23"/>
           <p:cNvSpPr/>
           <p:nvPr/>
         </p:nvSpPr>
         <p:spPr>
-          <a:xfrm rot="0">
+          <a:xfrm>
             <a:off x="11067476" y="6242728"/>
             <a:ext cx="3173842" cy="0"/>
           </a:xfrm>
           <a:prstGeom prst="line">
             <a:avLst/>
           </a:prstGeom>
-          <a:ln cap="flat" w="47625">
+          <a:ln w="47625" cap="flat">
             <a:solidFill>
               <a:srgbClr val="000000"/>
             </a:solidFill>
             <a:prstDash val="solid"/>
-            <a:headEnd type="none" len="sm" w="sm"/>
-            <a:tailEnd type="none" len="sm" w="sm"/>
+            <a:headEnd type="none" w="sm" len="sm"/>
+            <a:tailEnd type="none" w="sm" len="sm"/>
           </a:ln>
         </p:spPr>
       </p:sp>
       <p:sp>
         <p:nvSpPr>
-          <p:cNvPr name="AutoShape 24" id="24"/>
+          <p:cNvPr id="24" name="AutoShape 24"/>
           <p:cNvSpPr/>
           <p:nvPr/>
         </p:nvSpPr>
         <p:spPr>
-          <a:xfrm rot="0">
+          <a:xfrm>
             <a:off x="11067476" y="8758144"/>
             <a:ext cx="3173842" cy="0"/>
           </a:xfrm>
           <a:prstGeom prst="line">
             <a:avLst/>
           </a:prstGeom>
-          <a:ln cap="flat" w="47625">
+          <a:ln w="47625" cap="flat">
             <a:solidFill>
               <a:srgbClr val="000000"/>
             </a:solidFill>
             <a:prstDash val="solid"/>
-            <a:headEnd type="none" len="sm" w="sm"/>
-            <a:tailEnd type="none" len="sm" w="sm"/>
+            <a:headEnd type="none" w="sm" len="sm"/>
+            <a:tailEnd type="none" w="sm" len="sm"/>
           </a:ln>
         </p:spPr>
       </p:sp>
       <p:sp>
         <p:nvSpPr>
-          <p:cNvPr name="AutoShape 25" id="25"/>
+          <p:cNvPr id="25" name="AutoShape 25"/>
           <p:cNvSpPr/>
           <p:nvPr/>
         </p:nvSpPr>
@@ -10215,48 +10344,48 @@
           <a:prstGeom prst="line">
             <a:avLst/>
           </a:prstGeom>
-          <a:ln cap="flat" w="47625">
+          <a:ln w="47625" cap="flat">
             <a:solidFill>
               <a:srgbClr val="000000"/>
             </a:solidFill>
             <a:prstDash val="solid"/>
-            <a:headEnd type="none" len="sm" w="sm"/>
-            <a:tailEnd type="none" len="sm" w="sm"/>
+            <a:headEnd type="none" w="sm" len="sm"/>
+            <a:tailEnd type="none" w="sm" len="sm"/>
           </a:ln>
         </p:spPr>
       </p:sp>
       <p:sp>
         <p:nvSpPr>
-          <p:cNvPr name="AutoShape 26" id="26"/>
+          <p:cNvPr id="26" name="AutoShape 26"/>
           <p:cNvSpPr/>
           <p:nvPr/>
         </p:nvSpPr>
         <p:spPr>
-          <a:xfrm rot="0">
+          <a:xfrm>
             <a:off x="14193693" y="5249481"/>
             <a:ext cx="700023" cy="0"/>
           </a:xfrm>
           <a:prstGeom prst="line">
             <a:avLst/>
           </a:prstGeom>
-          <a:ln cap="flat" w="47625">
+          <a:ln w="47625" cap="flat">
             <a:solidFill>
               <a:srgbClr val="000000"/>
             </a:solidFill>
             <a:prstDash val="solid"/>
-            <a:headEnd type="none" len="sm" w="sm"/>
-            <a:tailEnd type="arrow" len="sm" w="med"/>
+            <a:headEnd type="none" w="sm" len="sm"/>
+            <a:tailEnd type="arrow" w="med" len="sm"/>
           </a:ln>
         </p:spPr>
       </p:sp>
       <p:sp>
         <p:nvSpPr>
-          <p:cNvPr name="TextBox 27" id="27"/>
-          <p:cNvSpPr txBox="true"/>
-          <p:nvPr/>
-        </p:nvSpPr>
-        <p:spPr>
-          <a:xfrm rot="0">
+          <p:cNvPr id="27" name="TextBox 27"/>
+          <p:cNvSpPr txBox="1"/>
+          <p:nvPr/>
+        </p:nvSpPr>
+        <p:spPr>
+          <a:xfrm>
             <a:off x="0" y="249602"/>
             <a:ext cx="5931989" cy="887095"/>
           </a:xfrm>
@@ -10265,7 +10394,7 @@
           </a:prstGeom>
         </p:spPr>
         <p:txBody>
-          <a:bodyPr anchor="t" rtlCol="false" tIns="0" lIns="0" bIns="0" rIns="0">
+          <a:bodyPr lIns="0" tIns="0" rIns="0" bIns="0" rtlCol="0" anchor="t">
             <a:spAutoFit/>
           </a:bodyPr>
           <a:lstStyle/>
@@ -10296,13 +10425,14 @@
 </file>
 
 <file path=ppt/slides/slide8.xml><?xml version="1.0" encoding="utf-8"?>
-<p:sld xmlns:p="http://schemas.openxmlformats.org/presentationml/2006/main" xmlns:a="http://schemas.openxmlformats.org/drawingml/2006/main">
+<p:sld xmlns:a="http://schemas.openxmlformats.org/drawingml/2006/main" xmlns:r="http://schemas.openxmlformats.org/officeDocument/2006/relationships" xmlns:p="http://schemas.openxmlformats.org/presentationml/2006/main">
   <p:cSld>
     <p:bg>
       <p:bgPr>
         <a:solidFill>
           <a:srgbClr val="FBF3E4"/>
         </a:solidFill>
+        <a:effectLst/>
       </p:bgPr>
     </p:bg>
     <p:spTree>
@@ -10321,12 +10451,12 @@
       </p:grpSpPr>
       <p:sp>
         <p:nvSpPr>
-          <p:cNvPr name="TextBox 2" id="2"/>
-          <p:cNvSpPr txBox="true"/>
-          <p:nvPr/>
-        </p:nvSpPr>
-        <p:spPr>
-          <a:xfrm rot="0">
+          <p:cNvPr id="2" name="TextBox 2"/>
+          <p:cNvSpPr txBox="1"/>
+          <p:nvPr/>
+        </p:nvSpPr>
+        <p:spPr>
+          <a:xfrm>
             <a:off x="5067226" y="4114800"/>
             <a:ext cx="8153549" cy="1028700"/>
           </a:xfrm>
@@ -10335,7 +10465,7 @@
           </a:prstGeom>
         </p:spPr>
         <p:txBody>
-          <a:bodyPr anchor="t" rtlCol="false" tIns="0" lIns="0" bIns="0" rIns="0">
+          <a:bodyPr lIns="0" tIns="0" rIns="0" bIns="0" rtlCol="0" anchor="t">
             <a:spAutoFit/>
           </a:bodyPr>
           <a:lstStyle/>
@@ -10366,13 +10496,14 @@
 </file>
 
 <file path=ppt/slides/slide9.xml><?xml version="1.0" encoding="utf-8"?>
-<p:sld xmlns:p="http://schemas.openxmlformats.org/presentationml/2006/main" xmlns:a="http://schemas.openxmlformats.org/drawingml/2006/main">
+<p:sld xmlns:a="http://schemas.openxmlformats.org/drawingml/2006/main" xmlns:r="http://schemas.openxmlformats.org/officeDocument/2006/relationships" xmlns:p="http://schemas.openxmlformats.org/presentationml/2006/main">
   <p:cSld>
     <p:bg>
       <p:bgPr>
         <a:solidFill>
           <a:srgbClr val="FBF3E4"/>
         </a:solidFill>
+        <a:effectLst/>
       </p:bgPr>
     </p:bg>
     <p:spTree>
@@ -10391,12 +10522,12 @@
       </p:grpSpPr>
       <p:sp>
         <p:nvSpPr>
-          <p:cNvPr name="TextBox 2" id="2"/>
-          <p:cNvSpPr txBox="true"/>
-          <p:nvPr/>
-        </p:nvSpPr>
-        <p:spPr>
-          <a:xfrm rot="0">
+          <p:cNvPr id="2" name="TextBox 2"/>
+          <p:cNvSpPr txBox="1"/>
+          <p:nvPr/>
+        </p:nvSpPr>
+        <p:spPr>
+          <a:xfrm>
             <a:off x="0" y="261170"/>
             <a:ext cx="7723337" cy="11050270"/>
           </a:xfrm>
@@ -10405,7 +10536,7 @@
           </a:prstGeom>
         </p:spPr>
         <p:txBody>
-          <a:bodyPr anchor="t" rtlCol="false" tIns="0" lIns="0" bIns="0" rIns="0">
+          <a:bodyPr lIns="0" tIns="0" rIns="0" bIns="0" rtlCol="0" anchor="t">
             <a:spAutoFit/>
           </a:bodyPr>
           <a:lstStyle/>
@@ -10575,6 +10706,12 @@
                 <a:spcPts val="7279"/>
               </a:lnSpc>
             </a:pPr>
+            <a:endParaRPr lang="en-US" sz="5199">
+              <a:solidFill>
+                <a:srgbClr val="000000"/>
+              </a:solidFill>
+              <a:latin typeface="Open Sans"/>
+            </a:endParaRPr>
           </a:p>
           <a:p>
             <a:pPr>
@@ -10582,17 +10719,23 @@
                 <a:spcPts val="7279"/>
               </a:lnSpc>
             </a:pPr>
-          </a:p>
-        </p:txBody>
-      </p:sp>
-      <p:sp>
-        <p:nvSpPr>
-          <p:cNvPr name="TextBox 3" id="3"/>
-          <p:cNvSpPr txBox="true"/>
-          <p:nvPr/>
-        </p:nvSpPr>
-        <p:spPr>
-          <a:xfrm rot="0">
+            <a:endParaRPr lang="en-US" sz="5199">
+              <a:solidFill>
+                <a:srgbClr val="000000"/>
+              </a:solidFill>
+              <a:latin typeface="Open Sans"/>
+            </a:endParaRPr>
+          </a:p>
+        </p:txBody>
+      </p:sp>
+      <p:sp>
+        <p:nvSpPr>
+          <p:cNvPr id="3" name="TextBox 3"/>
+          <p:cNvSpPr txBox="1"/>
+          <p:nvPr/>
+        </p:nvSpPr>
+        <p:spPr>
+          <a:xfrm>
             <a:off x="6085490" y="261170"/>
             <a:ext cx="7723337" cy="11050270"/>
           </a:xfrm>
@@ -10601,7 +10744,7 @@
           </a:prstGeom>
         </p:spPr>
         <p:txBody>
-          <a:bodyPr anchor="t" rtlCol="false" tIns="0" lIns="0" bIns="0" rIns="0">
+          <a:bodyPr lIns="0" tIns="0" rIns="0" bIns="0" rtlCol="0" anchor="t">
             <a:spAutoFit/>
           </a:bodyPr>
           <a:lstStyle/>
@@ -10771,6 +10914,12 @@
                 <a:spcPts val="7279"/>
               </a:lnSpc>
             </a:pPr>
+            <a:endParaRPr lang="en-US" sz="5199">
+              <a:solidFill>
+                <a:srgbClr val="000000"/>
+              </a:solidFill>
+              <a:latin typeface="Open Sans"/>
+            </a:endParaRPr>
           </a:p>
           <a:p>
             <a:pPr>
@@ -10778,17 +10927,23 @@
                 <a:spcPts val="7279"/>
               </a:lnSpc>
             </a:pPr>
-          </a:p>
-        </p:txBody>
-      </p:sp>
-      <p:sp>
-        <p:nvSpPr>
-          <p:cNvPr name="TextBox 4" id="4"/>
-          <p:cNvSpPr txBox="true"/>
-          <p:nvPr/>
-        </p:nvSpPr>
-        <p:spPr>
-          <a:xfrm rot="0">
+            <a:endParaRPr lang="en-US" sz="5199">
+              <a:solidFill>
+                <a:srgbClr val="000000"/>
+              </a:solidFill>
+              <a:latin typeface="Open Sans"/>
+            </a:endParaRPr>
+          </a:p>
+        </p:txBody>
+      </p:sp>
+      <p:sp>
+        <p:nvSpPr>
+          <p:cNvPr id="4" name="TextBox 4"/>
+          <p:cNvSpPr txBox="1"/>
+          <p:nvPr/>
+        </p:nvSpPr>
+        <p:spPr>
+          <a:xfrm>
             <a:off x="11552242" y="261170"/>
             <a:ext cx="8718857" cy="11050270"/>
           </a:xfrm>
@@ -10797,7 +10952,7 @@
           </a:prstGeom>
         </p:spPr>
         <p:txBody>
-          <a:bodyPr anchor="t" rtlCol="false" tIns="0" lIns="0" bIns="0" rIns="0">
+          <a:bodyPr lIns="0" tIns="0" rIns="0" bIns="0" rtlCol="0" anchor="t">
             <a:spAutoFit/>
           </a:bodyPr>
           <a:lstStyle/>
@@ -10967,6 +11122,12 @@
                 <a:spcPts val="7279"/>
               </a:lnSpc>
             </a:pPr>
+            <a:endParaRPr lang="en-US" sz="5199">
+              <a:solidFill>
+                <a:srgbClr val="000000"/>
+              </a:solidFill>
+              <a:latin typeface="Open Sans"/>
+            </a:endParaRPr>
           </a:p>
           <a:p>
             <a:pPr>
@@ -10974,12 +11135,18 @@
                 <a:spcPts val="7279"/>
               </a:lnSpc>
             </a:pPr>
-          </a:p>
-        </p:txBody>
-      </p:sp>
-      <p:sp>
-        <p:nvSpPr>
-          <p:cNvPr name="AutoShape 5" id="5"/>
+            <a:endParaRPr lang="en-US" sz="5199">
+              <a:solidFill>
+                <a:srgbClr val="000000"/>
+              </a:solidFill>
+              <a:latin typeface="Open Sans"/>
+            </a:endParaRPr>
+          </a:p>
+        </p:txBody>
+      </p:sp>
+      <p:sp>
+        <p:nvSpPr>
+          <p:cNvPr id="5" name="AutoShape 5"/>
           <p:cNvSpPr/>
           <p:nvPr/>
         </p:nvSpPr>
@@ -10991,19 +11158,19 @@
           <a:prstGeom prst="line">
             <a:avLst/>
           </a:prstGeom>
-          <a:ln cap="flat" w="47625">
+          <a:ln w="47625" cap="flat">
             <a:solidFill>
               <a:srgbClr val="000000"/>
             </a:solidFill>
             <a:prstDash val="solid"/>
-            <a:headEnd type="none" len="sm" w="sm"/>
-            <a:tailEnd type="none" len="sm" w="sm"/>
+            <a:headEnd type="none" w="sm" len="sm"/>
+            <a:tailEnd type="none" w="sm" len="sm"/>
           </a:ln>
         </p:spPr>
       </p:sp>
       <p:sp>
         <p:nvSpPr>
-          <p:cNvPr name="AutoShape 6" id="6"/>
+          <p:cNvPr id="6" name="AutoShape 6"/>
           <p:cNvSpPr/>
           <p:nvPr/>
         </p:nvSpPr>
@@ -11015,13 +11182,13 @@
           <a:prstGeom prst="line">
             <a:avLst/>
           </a:prstGeom>
-          <a:ln cap="flat" w="47625">
+          <a:ln w="47625" cap="flat">
             <a:solidFill>
               <a:srgbClr val="000000"/>
             </a:solidFill>
             <a:prstDash val="solid"/>
-            <a:headEnd type="none" len="sm" w="sm"/>
-            <a:tailEnd type="none" len="sm" w="sm"/>
+            <a:headEnd type="none" w="sm" len="sm"/>
+            <a:tailEnd type="none" w="sm" len="sm"/>
           </a:ln>
         </p:spPr>
       </p:sp>
